--- a/Poster resources/ShapiroPosterFirstDraft.pptx
+++ b/Poster resources/ShapiroPosterFirstDraft.pptx
@@ -650,7 +650,7 @@
               </a14:hiddenFill>
             </a:ext>
             <a:ext uri="{FAA26D3D-D897-4be2-8F04-BA451C77F1D7}">
-              <ma14:placeholderFlag xmlns="" xmlns:ma14="http://schemas.microsoft.com/office/mac/drawingml/2011/main" val="1"/>
+              <ma14:placeholderFlag xmlns:ma14="http://schemas.microsoft.com/office/mac/drawingml/2011/main" xmlns="" val="1"/>
             </a:ext>
           </a:extLst>
         </p:spPr>
@@ -3724,7 +3724,7 @@
               </a14:hiddenEffects>
             </a:ext>
             <a:ext uri="{FAA26D3D-D897-4be2-8F04-BA451C77F1D7}">
-              <ma14:placeholderFlag xmlns="" xmlns:ma14="http://schemas.microsoft.com/office/mac/drawingml/2011/main" val="1"/>
+              <ma14:placeholderFlag xmlns:ma14="http://schemas.microsoft.com/office/mac/drawingml/2011/main" xmlns="" val="1"/>
             </a:ext>
           </a:extLst>
         </p:spPr>
@@ -3798,7 +3798,7 @@
               </a14:hiddenEffects>
             </a:ext>
             <a:ext uri="{FAA26D3D-D897-4be2-8F04-BA451C77F1D7}">
-              <ma14:placeholderFlag xmlns="" xmlns:ma14="http://schemas.microsoft.com/office/mac/drawingml/2011/main" val="1"/>
+              <ma14:placeholderFlag xmlns:ma14="http://schemas.microsoft.com/office/mac/drawingml/2011/main" xmlns="" val="1"/>
             </a:ext>
           </a:extLst>
         </p:spPr>
@@ -3900,7 +3900,7 @@
               </a14:hiddenEffects>
             </a:ext>
             <a:ext uri="{FAA26D3D-D897-4be2-8F04-BA451C77F1D7}">
-              <ma14:placeholderFlag xmlns="" xmlns:ma14="http://schemas.microsoft.com/office/mac/drawingml/2011/main" val="1"/>
+              <ma14:placeholderFlag xmlns:ma14="http://schemas.microsoft.com/office/mac/drawingml/2011/main" xmlns="" val="1"/>
             </a:ext>
           </a:extLst>
         </p:spPr>
@@ -3980,7 +3980,7 @@
               </a14:hiddenEffects>
             </a:ext>
             <a:ext uri="{FAA26D3D-D897-4be2-8F04-BA451C77F1D7}">
-              <ma14:placeholderFlag xmlns="" xmlns:ma14="http://schemas.microsoft.com/office/mac/drawingml/2011/main" val="1"/>
+              <ma14:placeholderFlag xmlns:ma14="http://schemas.microsoft.com/office/mac/drawingml/2011/main" xmlns="" val="1"/>
             </a:ext>
           </a:extLst>
         </p:spPr>
@@ -4060,7 +4060,7 @@
               </a14:hiddenEffects>
             </a:ext>
             <a:ext uri="{FAA26D3D-D897-4be2-8F04-BA451C77F1D7}">
-              <ma14:placeholderFlag xmlns="" xmlns:ma14="http://schemas.microsoft.com/office/mac/drawingml/2011/main" val="1"/>
+              <ma14:placeholderFlag xmlns:ma14="http://schemas.microsoft.com/office/mac/drawingml/2011/main" xmlns="" val="1"/>
             </a:ext>
           </a:extLst>
         </p:spPr>
@@ -4696,543 +4696,13 @@
       </p:sp>
       <p:sp>
         <p:nvSpPr>
-          <p:cNvPr id="2064" name="TextBox 9"/>
-          <p:cNvSpPr txBox="1">
-            <a:spLocks noChangeArrowheads="1"/>
-          </p:cNvSpPr>
-          <p:nvPr/>
-        </p:nvSpPr>
-        <p:spPr bwMode="auto">
-          <a:xfrm>
-            <a:off x="28178299" y="28482191"/>
-            <a:ext cx="14306817" cy="1692771"/>
-          </a:xfrm>
-          <a:prstGeom prst="rect">
-            <a:avLst/>
-          </a:prstGeom>
-          <a:noFill/>
-          <a:ln>
-            <a:noFill/>
-          </a:ln>
-          <a:extLst>
-            <a:ext uri="{909E8E84-426E-40DD-AFC4-6F175D3DCCD1}">
-              <a14:hiddenFill xmlns:a14="http://schemas.microsoft.com/office/drawing/2010/main">
-                <a:solidFill>
-                  <a:srgbClr val="FFFFFF"/>
-                </a:solidFill>
-              </a14:hiddenFill>
-            </a:ext>
-            <a:ext uri="{91240B29-F687-4F45-9708-019B960494DF}">
-              <a14:hiddenLine xmlns:a14="http://schemas.microsoft.com/office/drawing/2010/main" w="9525">
-                <a:solidFill>
-                  <a:srgbClr val="000000"/>
-                </a:solidFill>
-                <a:miter lim="800000"/>
-                <a:headEnd/>
-                <a:tailEnd/>
-              </a14:hiddenLine>
-            </a:ext>
-          </a:extLst>
-        </p:spPr>
-        <p:txBody>
-          <a:bodyPr wrap="square">
-            <a:spAutoFit/>
-          </a:bodyPr>
-          <a:lstStyle>
-            <a:lvl1pPr>
-              <a:defRPr sz="2800">
-                <a:solidFill>
-                  <a:schemeClr val="tx1"/>
-                </a:solidFill>
-                <a:latin typeface="Arial" charset="0"/>
-                <a:ea typeface="ＭＳ Ｐゴシック" charset="0"/>
-                <a:cs typeface="ＭＳ Ｐゴシック" charset="0"/>
-              </a:defRPr>
-            </a:lvl1pPr>
-            <a:lvl2pPr marL="742950" indent="-285750">
-              <a:defRPr sz="2400">
-                <a:solidFill>
-                  <a:schemeClr val="tx1"/>
-                </a:solidFill>
-                <a:latin typeface="Arial" charset="0"/>
-                <a:ea typeface="ＭＳ Ｐゴシック" charset="0"/>
-              </a:defRPr>
-            </a:lvl2pPr>
-            <a:lvl3pPr marL="1143000" indent="-228600">
-              <a:defRPr sz="1900">
-                <a:solidFill>
-                  <a:schemeClr val="tx1"/>
-                </a:solidFill>
-                <a:latin typeface="Arial" charset="0"/>
-                <a:ea typeface="ＭＳ Ｐゴシック" charset="0"/>
-              </a:defRPr>
-            </a:lvl3pPr>
-            <a:lvl4pPr marL="1600200" indent="-228600">
-              <a:defRPr sz="1900">
-                <a:solidFill>
-                  <a:schemeClr val="tx1"/>
-                </a:solidFill>
-                <a:latin typeface="Arial" charset="0"/>
-                <a:ea typeface="ＭＳ Ｐゴシック" charset="0"/>
-              </a:defRPr>
-            </a:lvl4pPr>
-            <a:lvl5pPr marL="2057400" indent="-228600">
-              <a:defRPr sz="1900">
-                <a:solidFill>
-                  <a:schemeClr val="tx1"/>
-                </a:solidFill>
-                <a:latin typeface="Arial" charset="0"/>
-                <a:ea typeface="ＭＳ Ｐゴシック" charset="0"/>
-              </a:defRPr>
-            </a:lvl5pPr>
-            <a:lvl6pPr marL="2514600" indent="-228600" eaLnBrk="0" hangingPunct="0">
-              <a:defRPr sz="1900">
-                <a:solidFill>
-                  <a:schemeClr val="tx1"/>
-                </a:solidFill>
-                <a:latin typeface="Arial" charset="0"/>
-                <a:ea typeface="ＭＳ Ｐゴシック" charset="0"/>
-              </a:defRPr>
-            </a:lvl6pPr>
-            <a:lvl7pPr marL="2971800" indent="-228600" eaLnBrk="0" hangingPunct="0">
-              <a:defRPr sz="1900">
-                <a:solidFill>
-                  <a:schemeClr val="tx1"/>
-                </a:solidFill>
-                <a:latin typeface="Arial" charset="0"/>
-                <a:ea typeface="ＭＳ Ｐゴシック" charset="0"/>
-              </a:defRPr>
-            </a:lvl7pPr>
-            <a:lvl8pPr marL="3429000" indent="-228600" eaLnBrk="0" hangingPunct="0">
-              <a:defRPr sz="1900">
-                <a:solidFill>
-                  <a:schemeClr val="tx1"/>
-                </a:solidFill>
-                <a:latin typeface="Arial" charset="0"/>
-                <a:ea typeface="ＭＳ Ｐゴシック" charset="0"/>
-              </a:defRPr>
-            </a:lvl8pPr>
-            <a:lvl9pPr marL="3886200" indent="-228600" eaLnBrk="0" hangingPunct="0">
-              <a:defRPr sz="1900">
-                <a:solidFill>
-                  <a:schemeClr val="tx1"/>
-                </a:solidFill>
-                <a:latin typeface="Arial" charset="0"/>
-                <a:ea typeface="ＭＳ Ｐゴシック" charset="0"/>
-              </a:defRPr>
-            </a:lvl9pPr>
-          </a:lstStyle>
-          <a:p>
-            <a:r>
-              <a:rPr lang="en-US" sz="2600" dirty="0" smtClean="0">
-                <a:latin typeface="+mj-lt"/>
-                <a:cs typeface="Times New Roman" charset="0"/>
-              </a:rPr>
-              <a:t>We would like to thank Pamela </a:t>
-            </a:r>
-            <a:r>
-              <a:rPr lang="en-US" sz="2600" dirty="0">
-                <a:latin typeface="+mj-lt"/>
-                <a:cs typeface="Times New Roman" charset="0"/>
-              </a:rPr>
-              <a:t>Raymond (University of Michigan) for fish </a:t>
-            </a:r>
-            <a:r>
-              <a:rPr lang="en-US" sz="2600" dirty="0" smtClean="0">
-                <a:latin typeface="+mj-lt"/>
-                <a:cs typeface="Times New Roman" charset="0"/>
-              </a:rPr>
-              <a:t>lines and Michael </a:t>
-            </a:r>
-            <a:r>
-              <a:rPr lang="en-US" sz="2600" dirty="0" err="1" smtClean="0">
-                <a:latin typeface="+mj-lt"/>
-                <a:cs typeface="Times New Roman" charset="0"/>
-              </a:rPr>
-              <a:t>Koropsak</a:t>
-            </a:r>
-            <a:r>
-              <a:rPr lang="en-US" sz="2600" dirty="0" smtClean="0">
-                <a:latin typeface="+mj-lt"/>
-                <a:cs typeface="Times New Roman" charset="0"/>
-              </a:rPr>
-              <a:t> (Goucher College) for starting the project. </a:t>
-            </a:r>
-            <a:r>
-              <a:rPr lang="en-US" sz="2600" dirty="0" smtClean="0"/>
-              <a:t>Funding </a:t>
-            </a:r>
-            <a:r>
-              <a:rPr lang="en-US" sz="2600" dirty="0"/>
-              <a:t>for this project is from the Goucher College Summer Research Program (Lacy and Kurtz Funds) and NIH NEI 1R15EY027124 (JRL</a:t>
-            </a:r>
-            <a:r>
-              <a:rPr lang="en-US" sz="2600" dirty="0" smtClean="0"/>
-              <a:t>)</a:t>
-            </a:r>
-            <a:r>
-              <a:rPr lang="en-US" sz="2600" dirty="0" smtClean="0">
-                <a:cs typeface="Times New Roman" charset="0"/>
-              </a:rPr>
-              <a:t>.</a:t>
-            </a:r>
-            <a:endParaRPr lang="en-US" sz="2600" dirty="0">
-              <a:latin typeface="+mj-lt"/>
-              <a:cs typeface="Times New Roman" charset="0"/>
-            </a:endParaRPr>
-          </a:p>
-        </p:txBody>
-      </p:sp>
-      <p:sp>
-        <p:nvSpPr>
-          <p:cNvPr id="2067" name="TextBox 12"/>
-          <p:cNvSpPr txBox="1">
-            <a:spLocks noChangeArrowheads="1"/>
-          </p:cNvSpPr>
-          <p:nvPr/>
-        </p:nvSpPr>
-        <p:spPr bwMode="auto">
-          <a:xfrm>
-            <a:off x="28212649" y="15281490"/>
-            <a:ext cx="14238117" cy="7017306"/>
-          </a:xfrm>
-          <a:prstGeom prst="rect">
-            <a:avLst/>
-          </a:prstGeom>
-          <a:noFill/>
-          <a:ln>
-            <a:noFill/>
-          </a:ln>
-          <a:extLst>
-            <a:ext uri="{909E8E84-426E-40DD-AFC4-6F175D3DCCD1}">
-              <a14:hiddenFill xmlns:a14="http://schemas.microsoft.com/office/drawing/2010/main">
-                <a:solidFill>
-                  <a:srgbClr val="FFFFFF"/>
-                </a:solidFill>
-              </a14:hiddenFill>
-            </a:ext>
-            <a:ext uri="{91240B29-F687-4F45-9708-019B960494DF}">
-              <a14:hiddenLine xmlns:a14="http://schemas.microsoft.com/office/drawing/2010/main" w="9525">
-                <a:solidFill>
-                  <a:srgbClr val="000000"/>
-                </a:solidFill>
-                <a:miter lim="800000"/>
-                <a:headEnd/>
-                <a:tailEnd/>
-              </a14:hiddenLine>
-            </a:ext>
-          </a:extLst>
-        </p:spPr>
-        <p:txBody>
-          <a:bodyPr wrap="square">
-            <a:spAutoFit/>
-          </a:bodyPr>
-          <a:lstStyle>
-            <a:lvl1pPr>
-              <a:defRPr sz="2800">
-                <a:solidFill>
-                  <a:schemeClr val="tx1"/>
-                </a:solidFill>
-                <a:latin typeface="Arial" charset="0"/>
-                <a:ea typeface="ＭＳ Ｐゴシック" charset="0"/>
-                <a:cs typeface="ＭＳ Ｐゴシック" charset="0"/>
-              </a:defRPr>
-            </a:lvl1pPr>
-            <a:lvl2pPr marL="742950" indent="-285750">
-              <a:defRPr sz="2400">
-                <a:solidFill>
-                  <a:schemeClr val="tx1"/>
-                </a:solidFill>
-                <a:latin typeface="Arial" charset="0"/>
-                <a:ea typeface="ＭＳ Ｐゴシック" charset="0"/>
-              </a:defRPr>
-            </a:lvl2pPr>
-            <a:lvl3pPr marL="1143000" indent="-228600">
-              <a:defRPr sz="1900">
-                <a:solidFill>
-                  <a:schemeClr val="tx1"/>
-                </a:solidFill>
-                <a:latin typeface="Arial" charset="0"/>
-                <a:ea typeface="ＭＳ Ｐゴシック" charset="0"/>
-              </a:defRPr>
-            </a:lvl3pPr>
-            <a:lvl4pPr marL="1600200" indent="-228600">
-              <a:defRPr sz="1900">
-                <a:solidFill>
-                  <a:schemeClr val="tx1"/>
-                </a:solidFill>
-                <a:latin typeface="Arial" charset="0"/>
-                <a:ea typeface="ＭＳ Ｐゴシック" charset="0"/>
-              </a:defRPr>
-            </a:lvl4pPr>
-            <a:lvl5pPr marL="2057400" indent="-228600">
-              <a:defRPr sz="1900">
-                <a:solidFill>
-                  <a:schemeClr val="tx1"/>
-                </a:solidFill>
-                <a:latin typeface="Arial" charset="0"/>
-                <a:ea typeface="ＭＳ Ｐゴシック" charset="0"/>
-              </a:defRPr>
-            </a:lvl5pPr>
-            <a:lvl6pPr marL="2514600" indent="-228600" eaLnBrk="0" hangingPunct="0">
-              <a:defRPr sz="1900">
-                <a:solidFill>
-                  <a:schemeClr val="tx1"/>
-                </a:solidFill>
-                <a:latin typeface="Arial" charset="0"/>
-                <a:ea typeface="ＭＳ Ｐゴシック" charset="0"/>
-              </a:defRPr>
-            </a:lvl6pPr>
-            <a:lvl7pPr marL="2971800" indent="-228600" eaLnBrk="0" hangingPunct="0">
-              <a:defRPr sz="1900">
-                <a:solidFill>
-                  <a:schemeClr val="tx1"/>
-                </a:solidFill>
-                <a:latin typeface="Arial" charset="0"/>
-                <a:ea typeface="ＭＳ Ｐゴシック" charset="0"/>
-              </a:defRPr>
-            </a:lvl7pPr>
-            <a:lvl8pPr marL="3429000" indent="-228600" eaLnBrk="0" hangingPunct="0">
-              <a:defRPr sz="1900">
-                <a:solidFill>
-                  <a:schemeClr val="tx1"/>
-                </a:solidFill>
-                <a:latin typeface="Arial" charset="0"/>
-                <a:ea typeface="ＭＳ Ｐゴシック" charset="0"/>
-              </a:defRPr>
-            </a:lvl8pPr>
-            <a:lvl9pPr marL="3886200" indent="-228600" eaLnBrk="0" hangingPunct="0">
-              <a:defRPr sz="1900">
-                <a:solidFill>
-                  <a:schemeClr val="tx1"/>
-                </a:solidFill>
-                <a:latin typeface="Arial" charset="0"/>
-                <a:ea typeface="ＭＳ Ｐゴシック" charset="0"/>
-              </a:defRPr>
-            </a:lvl9pPr>
-          </a:lstStyle>
-          <a:p>
-            <a:r>
-              <a:rPr lang="en-US" sz="3000" dirty="0" smtClean="0">
-                <a:latin typeface="+mj-lt"/>
-                <a:cs typeface="Times New Roman" charset="0"/>
-              </a:rPr>
-              <a:t>In order to better understand how the TGFβ signaling pathway regulates proliferation and differentiation in the developing vertebrate retina:</a:t>
-            </a:r>
-          </a:p>
-          <a:p>
-            <a:pPr marL="457200" indent="-457200">
-              <a:buFont typeface="Arial"/>
-              <a:buChar char="•"/>
-            </a:pPr>
-            <a:r>
-              <a:rPr lang="en-US" sz="3000" dirty="0" smtClean="0">
-                <a:latin typeface="+mj-lt"/>
-                <a:cs typeface="Times New Roman" charset="0"/>
-              </a:rPr>
-              <a:t>Continue determining the subcellular localization of p57 across retina development.</a:t>
-            </a:r>
-          </a:p>
-          <a:p>
-            <a:pPr marL="457200" indent="-457200">
-              <a:buFont typeface="Arial"/>
-              <a:buChar char="•"/>
-            </a:pPr>
-            <a:r>
-              <a:rPr lang="en-US" sz="3000" dirty="0" smtClean="0">
-                <a:latin typeface="+mj-lt"/>
-                <a:cs typeface="Times New Roman" charset="0"/>
-              </a:rPr>
-              <a:t>Further identify if TGF</a:t>
-            </a:r>
-            <a:r>
-              <a:rPr lang="el-GR" sz="3000" dirty="0" smtClean="0">
-                <a:latin typeface="+mj-lt"/>
-                <a:cs typeface="Times New Roman" charset="0"/>
-              </a:rPr>
-              <a:t>β</a:t>
-            </a:r>
-            <a:r>
-              <a:rPr lang="en-US" sz="3000" dirty="0" smtClean="0">
-                <a:latin typeface="+mj-lt"/>
-                <a:cs typeface="Times New Roman" charset="0"/>
-              </a:rPr>
-              <a:t> manipulations have any affect upon p57 expression.</a:t>
-            </a:r>
-          </a:p>
-          <a:p>
-            <a:pPr marL="1200150" lvl="1" indent="-457200">
-              <a:buFont typeface="Arial"/>
-              <a:buChar char="•"/>
-            </a:pPr>
-            <a:r>
-              <a:rPr lang="en-US" sz="3000" dirty="0" smtClean="0">
-                <a:latin typeface="+mj-lt"/>
-                <a:cs typeface="Times New Roman" charset="0"/>
-              </a:rPr>
-              <a:t>Identify variations in p57 between cases of increased differentiation versus increased proliferation.</a:t>
-            </a:r>
-          </a:p>
-          <a:p>
-            <a:pPr marL="457200" indent="-457200">
-              <a:buFont typeface="Arial"/>
-              <a:buChar char="•"/>
-            </a:pPr>
-            <a:r>
-              <a:rPr lang="en-US" sz="3000" dirty="0" smtClean="0">
-                <a:latin typeface="+mj-lt"/>
-                <a:cs typeface="Times New Roman" charset="0"/>
-              </a:rPr>
-              <a:t>Identify an antibody which works well with p27 to continue study on p27.</a:t>
-            </a:r>
-          </a:p>
-          <a:p>
-            <a:pPr marL="1200150" lvl="1" indent="-457200">
-              <a:buFont typeface="Arial"/>
-              <a:buChar char="•"/>
-            </a:pPr>
-            <a:r>
-              <a:rPr lang="en-US" sz="3000" dirty="0" smtClean="0">
-                <a:latin typeface="+mj-lt"/>
-                <a:cs typeface="Times New Roman" charset="0"/>
-              </a:rPr>
-              <a:t>Identify the localization of p27 across retina development.</a:t>
-            </a:r>
-          </a:p>
-          <a:p>
-            <a:pPr marL="1200150" lvl="1" indent="-457200">
-              <a:buFont typeface="Arial"/>
-              <a:buChar char="•"/>
-            </a:pPr>
-            <a:r>
-              <a:rPr lang="en-US" sz="3000" dirty="0" smtClean="0">
-                <a:latin typeface="+mj-lt"/>
-                <a:cs typeface="Times New Roman" charset="0"/>
-              </a:rPr>
-              <a:t>Work to determine any affects of TGF</a:t>
-            </a:r>
-            <a:r>
-              <a:rPr lang="el-GR" sz="3000" dirty="0" smtClean="0">
-                <a:latin typeface="+mj-lt"/>
-                <a:cs typeface="Times New Roman" charset="0"/>
-              </a:rPr>
-              <a:t>β</a:t>
-            </a:r>
-            <a:r>
-              <a:rPr lang="en-US" sz="3000" dirty="0" smtClean="0">
-                <a:latin typeface="+mj-lt"/>
-                <a:cs typeface="Times New Roman" charset="0"/>
-              </a:rPr>
-              <a:t> on p27.</a:t>
-            </a:r>
-          </a:p>
-          <a:p>
-            <a:pPr marL="1200150" lvl="1" indent="-457200">
-              <a:buFont typeface="Arial"/>
-              <a:buChar char="•"/>
-            </a:pPr>
-            <a:r>
-              <a:rPr lang="en-US" sz="3000" dirty="0" smtClean="0">
-                <a:latin typeface="+mj-lt"/>
-                <a:cs typeface="Times New Roman" charset="0"/>
-              </a:rPr>
-              <a:t>Identify any change in expression in cases of increased differentiation vs increased proliferation.</a:t>
-            </a:r>
-          </a:p>
-          <a:p>
-            <a:pPr marL="1200150" lvl="1" indent="-457200">
-              <a:buFont typeface="Arial"/>
-              <a:buChar char="•"/>
-            </a:pPr>
-            <a:endParaRPr lang="en-US" sz="3000" dirty="0">
-              <a:solidFill>
-                <a:srgbClr val="000000"/>
-              </a:solidFill>
-              <a:latin typeface="+mj-lt"/>
-              <a:cs typeface="Times New Roman" charset="0"/>
-            </a:endParaRPr>
-          </a:p>
-          <a:p>
-            <a:pPr marL="0" lvl="1" indent="0"/>
-            <a:r>
-              <a:rPr lang="en-US" sz="3000" dirty="0" smtClean="0">
-                <a:solidFill>
-                  <a:srgbClr val="000000"/>
-                </a:solidFill>
-                <a:cs typeface="Times New Roman" charset="0"/>
-              </a:rPr>
-              <a:t>Note</a:t>
-            </a:r>
-            <a:r>
-              <a:rPr lang="en-US" sz="3000" dirty="0">
-                <a:solidFill>
-                  <a:srgbClr val="000000"/>
-                </a:solidFill>
-                <a:cs typeface="Times New Roman" charset="0"/>
-              </a:rPr>
-              <a:t>: ultimately, the p27 pathway is of greater interest at this time due to the fact that is </a:t>
-            </a:r>
-            <a:r>
-              <a:rPr lang="en-US" sz="3000" dirty="0" smtClean="0">
-                <a:solidFill>
-                  <a:srgbClr val="000000"/>
-                </a:solidFill>
-                <a:cs typeface="Times New Roman" charset="0"/>
-              </a:rPr>
-              <a:t>more </a:t>
-            </a:r>
-            <a:r>
-              <a:rPr lang="en-US" sz="3000" dirty="0">
-                <a:solidFill>
-                  <a:srgbClr val="000000"/>
-                </a:solidFill>
-                <a:cs typeface="Times New Roman" charset="0"/>
-              </a:rPr>
-              <a:t>connected to the TGF</a:t>
-            </a:r>
-            <a:r>
-              <a:rPr lang="el-GR" sz="3000" dirty="0">
-                <a:solidFill>
-                  <a:srgbClr val="000000"/>
-                </a:solidFill>
-                <a:cs typeface="Times New Roman" charset="0"/>
-              </a:rPr>
-              <a:t>β</a:t>
-            </a:r>
-            <a:r>
-              <a:rPr lang="en-US" sz="3000" dirty="0">
-                <a:solidFill>
-                  <a:srgbClr val="000000"/>
-                </a:solidFill>
-                <a:cs typeface="Times New Roman" charset="0"/>
-              </a:rPr>
-              <a:t> pathway, as opposed to p57</a:t>
-            </a:r>
-            <a:r>
-              <a:rPr lang="en-US" sz="3000" dirty="0" smtClean="0">
-                <a:solidFill>
-                  <a:srgbClr val="000000"/>
-                </a:solidFill>
-                <a:cs typeface="Times New Roman" charset="0"/>
-              </a:rPr>
-              <a:t>.</a:t>
-            </a:r>
-            <a:endParaRPr lang="en-US" sz="3000" dirty="0" smtClean="0">
-              <a:latin typeface="+mj-lt"/>
-              <a:cs typeface="Times New Roman" charset="0"/>
-            </a:endParaRPr>
-          </a:p>
-        </p:txBody>
-      </p:sp>
-      <p:sp>
-        <p:nvSpPr>
           <p:cNvPr id="46" name="TextBox 45"/>
           <p:cNvSpPr txBox="1"/>
           <p:nvPr/>
         </p:nvSpPr>
         <p:spPr>
           <a:xfrm>
-            <a:off x="962742" y="14361398"/>
+            <a:off x="962742" y="15423828"/>
             <a:ext cx="13123250" cy="1200150"/>
           </a:xfrm>
           <a:prstGeom prst="rect">
@@ -5337,7 +4807,7 @@
         <p:spPr>
           <a:xfrm>
             <a:off x="28147377" y="27109086"/>
-            <a:ext cx="14368660" cy="1200329"/>
+            <a:ext cx="14368660" cy="1015663"/>
           </a:xfrm>
           <a:prstGeom prst="rect">
             <a:avLst/>
@@ -5356,14 +4826,24 @@
               <a:defRPr/>
             </a:pPr>
             <a:r>
-              <a:rPr lang="en-US" sz="7200" b="1" dirty="0" smtClean="0">
+              <a:rPr lang="en-US" sz="6000" b="1" dirty="0" smtClean="0">
                 <a:solidFill>
                   <a:schemeClr val="bg1"/>
                 </a:solidFill>
                 <a:latin typeface="+mj-lt"/>
                 <a:cs typeface="+mn-cs"/>
               </a:rPr>
-              <a:t>Acknowledgments</a:t>
+              <a:t>More </a:t>
+            </a:r>
+            <a:r>
+              <a:rPr lang="en-US" sz="6000" b="1" dirty="0" smtClean="0">
+                <a:solidFill>
+                  <a:schemeClr val="bg1"/>
+                </a:solidFill>
+                <a:latin typeface="+mj-lt"/>
+                <a:cs typeface="+mn-cs"/>
+              </a:rPr>
+              <a:t>Isabelle Stuff?</a:t>
             </a:r>
             <a:r>
               <a:rPr lang="en-US" sz="6000" b="1" dirty="0" smtClean="0">
@@ -5393,7 +4873,7 @@
         </p:nvSpPr>
         <p:spPr>
           <a:xfrm>
-            <a:off x="28212649" y="13831948"/>
+            <a:off x="28277921" y="7156855"/>
             <a:ext cx="14238116" cy="1200329"/>
           </a:xfrm>
           <a:prstGeom prst="rect">
@@ -5420,27 +4900,7 @@
                 <a:latin typeface="+mj-lt"/>
                 <a:cs typeface="+mn-cs"/>
               </a:rPr>
-              <a:t>Future </a:t>
-            </a:r>
-            <a:r>
-              <a:rPr lang="en-US" sz="7200" b="1" dirty="0">
-                <a:solidFill>
-                  <a:schemeClr val="bg1"/>
-                </a:solidFill>
-                <a:latin typeface="+mj-lt"/>
-                <a:cs typeface="+mn-cs"/>
-              </a:rPr>
-              <a:t>R</a:t>
-            </a:r>
-            <a:r>
-              <a:rPr lang="en-US" sz="7200" b="1" dirty="0" smtClean="0">
-                <a:solidFill>
-                  <a:schemeClr val="bg1"/>
-                </a:solidFill>
-                <a:latin typeface="+mj-lt"/>
-                <a:cs typeface="+mn-cs"/>
-              </a:rPr>
-              <a:t>esearch </a:t>
+              <a:t>Detection Results</a:t>
             </a:r>
             <a:endParaRPr lang="en-US" sz="7200" b="1" dirty="0">
               <a:solidFill>
@@ -5460,8 +4920,8 @@
         </p:nvSpPr>
         <p:spPr>
           <a:xfrm>
-            <a:off x="962742" y="29000861"/>
-            <a:ext cx="13626213" cy="1384995"/>
+            <a:off x="14032998" y="29759798"/>
+            <a:ext cx="13626213" cy="3108543"/>
           </a:xfrm>
           <a:prstGeom prst="rect">
             <a:avLst/>
@@ -5529,7 +4989,51 @@
               <a:rPr lang="en-US" sz="2800" dirty="0">
                 <a:latin typeface="+mn-lt"/>
               </a:rPr>
-              <a:t>., 6 Apr. 2013. Web. &lt;http://eyalarubas.com/face-detection-and-recognition.html&gt;.</a:t>
+              <a:t>., 6 Apr. 2013. Web. &lt;http://eyalarubas.com/face-detection-and-recognition.html</a:t>
+            </a:r>
+            <a:r>
+              <a:rPr lang="en-US" sz="2800" dirty="0" smtClean="0">
+                <a:latin typeface="+mn-lt"/>
+              </a:rPr>
+              <a:t>&gt;.</a:t>
+            </a:r>
+          </a:p>
+          <a:p>
+            <a:pPr marL="457200" indent="-457200">
+              <a:buAutoNum type="arabicPeriod"/>
+            </a:pPr>
+            <a:r>
+              <a:rPr lang="en-US" sz="2800" dirty="0"/>
+              <a:t>Viola, Paul, and Michael J. Jones. "Robust Real-Time Face Detection." </a:t>
+            </a:r>
+            <a:r>
+              <a:rPr lang="en-US" sz="2800" i="1" dirty="0"/>
+              <a:t>International Journal of Computer Vision</a:t>
+            </a:r>
+            <a:r>
+              <a:rPr lang="en-US" sz="2800" dirty="0"/>
+              <a:t> 57.2 (2004): </a:t>
+            </a:r>
+            <a:r>
+              <a:rPr lang="en-US" sz="2800" dirty="0" smtClean="0"/>
+              <a:t>137-154.</a:t>
+            </a:r>
+          </a:p>
+          <a:p>
+            <a:pPr marL="457200" indent="-457200">
+              <a:buAutoNum type="arabicPeriod"/>
+            </a:pPr>
+            <a:r>
+              <a:rPr lang="en-US" sz="2800" dirty="0"/>
+              <a:t>Jensen, Ole </a:t>
+            </a:r>
+            <a:r>
+              <a:rPr lang="en-US" sz="2800" dirty="0" err="1"/>
+              <a:t>Helvig</a:t>
+            </a:r>
+            <a:r>
+              <a:rPr lang="en-US" sz="2800" dirty="0"/>
+              <a:t>. "Implementing the Viola-Jones Face Detection Algorithm." Diss. Technical U of Denmark, 2008. Web.</a:t>
             </a:r>
             <a:endParaRPr lang="en-US" sz="2800" dirty="0" smtClean="0">
               <a:latin typeface="+mn-lt"/>
@@ -5545,8 +5049,8 @@
         </p:nvSpPr>
         <p:spPr>
           <a:xfrm>
-            <a:off x="967396" y="8677321"/>
-            <a:ext cx="13065602" cy="6494085"/>
+            <a:off x="893009" y="8470825"/>
+            <a:ext cx="13065602" cy="6740307"/>
           </a:xfrm>
           <a:prstGeom prst="rect">
             <a:avLst/>
@@ -5560,440 +5064,103 @@
           <a:lstStyle/>
           <a:p>
             <a:r>
-              <a:rPr lang="en-US" sz="3200" dirty="0">
+              <a:rPr lang="en-US" sz="3600" dirty="0">
                 <a:latin typeface="Cambria" panose="02040503050406030204" pitchFamily="18" charset="0"/>
               </a:rPr>
               <a:t>We present our progress on the comparison of different image recognition algorithms. We studied large feature extraction with a variation of the Viola-Jones face detection algorithm. This algorithm attempts to identify faces by comparing them to certain “</a:t>
             </a:r>
             <a:r>
-              <a:rPr lang="en-US" sz="3200" dirty="0" err="1">
+              <a:rPr lang="en-US" sz="3600" b="1" dirty="0" err="1">
                 <a:latin typeface="Cambria" panose="02040503050406030204" pitchFamily="18" charset="0"/>
               </a:rPr>
               <a:t>Haar</a:t>
             </a:r>
             <a:r>
-              <a:rPr lang="en-US" sz="3200" dirty="0">
+              <a:rPr lang="en-US" sz="3600" b="1" dirty="0">
                 <a:latin typeface="Cambria" panose="02040503050406030204" pitchFamily="18" charset="0"/>
               </a:rPr>
-              <a:t> features.” The most useful features are selected by a training algorithm called </a:t>
-            </a:r>
-            <a:r>
-              <a:rPr lang="en-US" sz="3200" dirty="0" err="1">
+              <a:t> features</a:t>
+            </a:r>
+            <a:r>
+              <a:rPr lang="en-US" sz="3600" dirty="0">
+                <a:latin typeface="Cambria" panose="02040503050406030204" pitchFamily="18" charset="0"/>
+              </a:rPr>
+              <a:t>.” The most useful features are selected by a training algorithm called </a:t>
+            </a:r>
+            <a:r>
+              <a:rPr lang="en-US" sz="3600" b="1" dirty="0" err="1">
                 <a:latin typeface="Cambria" panose="02040503050406030204" pitchFamily="18" charset="0"/>
               </a:rPr>
               <a:t>Adaboost</a:t>
             </a:r>
             <a:r>
-              <a:rPr lang="en-US" sz="3200" dirty="0">
+              <a:rPr lang="en-US" sz="3600" b="1" dirty="0">
                 <a:latin typeface="Cambria" panose="02040503050406030204" pitchFamily="18" charset="0"/>
               </a:rPr>
-              <a:t>. The detection time is then decreased through a specially trained “cascaded classifier.” In some initial tests, our version of this algorithm is able to identify faces with up to 98% </a:t>
-            </a:r>
-            <a:r>
-              <a:rPr lang="en-US" sz="3200" dirty="0" smtClean="0">
+              <a:t>.</a:t>
+            </a:r>
+            <a:r>
+              <a:rPr lang="en-US" sz="3600" dirty="0">
+                <a:latin typeface="Cambria" panose="02040503050406030204" pitchFamily="18" charset="0"/>
+              </a:rPr>
+              <a:t> The detection time is then decreased through a specially trained “</a:t>
+            </a:r>
+            <a:r>
+              <a:rPr lang="en-US" sz="3600" b="1" dirty="0">
+                <a:latin typeface="Cambria" panose="02040503050406030204" pitchFamily="18" charset="0"/>
+              </a:rPr>
+              <a:t>cascaded classifier</a:t>
+            </a:r>
+            <a:r>
+              <a:rPr lang="en-US" sz="3600" dirty="0">
+                <a:latin typeface="Cambria" panose="02040503050406030204" pitchFamily="18" charset="0"/>
+              </a:rPr>
+              <a:t>.” In some initial tests, our version of this algorithm is able to identify faces with up to 98% </a:t>
+            </a:r>
+            <a:r>
+              <a:rPr lang="en-US" sz="3600" dirty="0" smtClean="0">
                 <a:latin typeface="Cambria" panose="02040503050406030204" pitchFamily="18" charset="0"/>
               </a:rPr>
               <a:t>accuracy. </a:t>
             </a:r>
             <a:r>
-              <a:rPr lang="en-US" sz="3200" dirty="0">
+              <a:rPr lang="en-US" sz="3600" dirty="0">
                 <a:latin typeface="Cambria" panose="02040503050406030204" pitchFamily="18" charset="0"/>
               </a:rPr>
-              <a:t>Small feature extraction was studied with principal component analysis and the Weyl representation. Our goal is to compare how these two algorithms perform at identifying cancerous cells.</a:t>
-            </a:r>
-            <a:endParaRPr lang="en-US" sz="3200" dirty="0">
+              <a:t>Small feature extraction was studied with </a:t>
+            </a:r>
+            <a:r>
+              <a:rPr lang="en-US" sz="3600" b="1" dirty="0">
+                <a:latin typeface="Cambria" panose="02040503050406030204" pitchFamily="18" charset="0"/>
+              </a:rPr>
+              <a:t>principal component analysis</a:t>
+            </a:r>
+            <a:r>
+              <a:rPr lang="en-US" sz="3600" dirty="0">
+                <a:latin typeface="Cambria" panose="02040503050406030204" pitchFamily="18" charset="0"/>
+              </a:rPr>
+              <a:t> and the </a:t>
+            </a:r>
+            <a:r>
+              <a:rPr lang="en-US" sz="3600" b="1" dirty="0">
+                <a:latin typeface="Cambria" panose="02040503050406030204" pitchFamily="18" charset="0"/>
+              </a:rPr>
+              <a:t>Weyl representation</a:t>
+            </a:r>
+            <a:r>
+              <a:rPr lang="en-US" sz="3600" dirty="0">
+                <a:latin typeface="Cambria" panose="02040503050406030204" pitchFamily="18" charset="0"/>
+              </a:rPr>
+              <a:t>. Our goal is to compare how these two algorithms perform at identifying cancerous cells</a:t>
+            </a:r>
+            <a:r>
+              <a:rPr lang="en-US" sz="3600" dirty="0" smtClean="0">
+                <a:latin typeface="Cambria" panose="02040503050406030204" pitchFamily="18" charset="0"/>
+              </a:rPr>
+              <a:t>.</a:t>
+            </a:r>
+            <a:endParaRPr lang="en-US" sz="3600" dirty="0">
               <a:latin typeface="Cambria" panose="02040503050406030204" pitchFamily="18" charset="0"/>
-            </a:endParaRPr>
-          </a:p>
-          <a:p>
-            <a:r>
-              <a:rPr lang="en-US" sz="3200" dirty="0"/>
-              <a:t/>
-            </a:r>
-            <a:br>
-              <a:rPr lang="en-US" sz="3200" dirty="0"/>
-            </a:br>
-            <a:endParaRPr lang="en-US" sz="3200" dirty="0"/>
-          </a:p>
-        </p:txBody>
-      </p:sp>
-      <p:sp>
-        <p:nvSpPr>
-          <p:cNvPr id="98" name="TextBox 97"/>
-          <p:cNvSpPr txBox="1"/>
-          <p:nvPr/>
-        </p:nvSpPr>
-        <p:spPr>
-          <a:xfrm>
-            <a:off x="28255169" y="11760173"/>
-            <a:ext cx="14153077" cy="1477328"/>
-          </a:xfrm>
-          <a:prstGeom prst="rect">
-            <a:avLst/>
-          </a:prstGeom>
-          <a:noFill/>
-        </p:spPr>
-        <p:txBody>
-          <a:bodyPr wrap="square" rtlCol="0">
-            <a:spAutoFit/>
-          </a:bodyPr>
-          <a:lstStyle/>
-          <a:p>
-            <a:r>
-              <a:rPr lang="en-US" sz="3000" b="1" dirty="0" smtClean="0"/>
-              <a:t>Fig. 3: </a:t>
-            </a:r>
-            <a:r>
-              <a:rPr lang="en-US" sz="3000" dirty="0" smtClean="0"/>
-              <a:t>Neural tube of embryo at 1 day post fertilization. P57 is seen to be either cytoplasmic or nuclear depending on current stage of cell cycle (see p57 overlay with Hoechst above). </a:t>
-            </a:r>
-            <a:r>
-              <a:rPr lang="en-US" sz="3000" dirty="0"/>
-              <a:t>C</a:t>
-            </a:r>
-            <a:r>
-              <a:rPr lang="en-US" sz="3000" dirty="0" smtClean="0"/>
-              <a:t>ells seen below neural tube are part of yolk. (M. </a:t>
-            </a:r>
-            <a:r>
-              <a:rPr lang="en-US" sz="3000" dirty="0" err="1" smtClean="0"/>
-              <a:t>Koropsak</a:t>
-            </a:r>
-            <a:r>
-              <a:rPr lang="en-US" sz="3000" dirty="0" smtClean="0"/>
-              <a:t>)</a:t>
-            </a:r>
-            <a:endParaRPr lang="en-US" sz="3000" b="1" dirty="0"/>
-          </a:p>
-        </p:txBody>
-      </p:sp>
-      <p:pic>
-        <p:nvPicPr>
-          <p:cNvPr id="99" name="Picture 98" descr="Macintosh HD:Users:michaelkoropsak:Downloads:landmark conference poster images-selected-3:1dpf 1_50 sod cit 40x neural tube dic.tif"/>
-          <p:cNvPicPr/>
-          <p:nvPr/>
-        </p:nvPicPr>
-        <p:blipFill rotWithShape="1">
-          <a:blip r:embed="rId4">
-            <a:extLst>
-              <a:ext uri="{28A0092B-C50C-407E-A947-70E740481C1C}">
-                <a14:useLocalDpi xmlns:a14="http://schemas.microsoft.com/office/drawing/2010/main" val="0"/>
-              </a:ext>
-            </a:extLst>
-          </a:blip>
-          <a:srcRect/>
-          <a:stretch/>
-        </p:blipFill>
-        <p:spPr bwMode="auto">
-          <a:xfrm>
-            <a:off x="28390572" y="9328003"/>
-            <a:ext cx="3536287" cy="2227426"/>
-          </a:xfrm>
-          <a:prstGeom prst="rect">
-            <a:avLst/>
-          </a:prstGeom>
-          <a:noFill/>
-          <a:ln>
-            <a:noFill/>
-          </a:ln>
-          <a:extLst>
-            <a:ext uri="{53640926-AAD7-44D8-BBD7-CCE9431645EC}">
-              <a14:shadowObscured xmlns:a14="http://schemas.microsoft.com/office/drawing/2010/main"/>
-            </a:ext>
-          </a:extLst>
-        </p:spPr>
-      </p:pic>
-      <p:pic>
-        <p:nvPicPr>
-          <p:cNvPr id="100" name="Picture 99" descr="Macintosh HD:Users:michaelkoropsak:Downloads:landmark conference poster images-selected-3:1dpf 1_50 sod cit 40x neural tube rfp with dapi.tif"/>
-          <p:cNvPicPr/>
-          <p:nvPr/>
-        </p:nvPicPr>
-        <p:blipFill rotWithShape="1">
-          <a:blip r:embed="rId5">
-            <a:extLst>
-              <a:ext uri="{28A0092B-C50C-407E-A947-70E740481C1C}">
-                <a14:useLocalDpi xmlns:a14="http://schemas.microsoft.com/office/drawing/2010/main" val="0"/>
-              </a:ext>
-            </a:extLst>
-          </a:blip>
-          <a:srcRect/>
-          <a:stretch/>
-        </p:blipFill>
-        <p:spPr bwMode="auto">
-          <a:xfrm>
-            <a:off x="38744401" y="9331412"/>
-            <a:ext cx="3423764" cy="2220608"/>
-          </a:xfrm>
-          <a:prstGeom prst="rect">
-            <a:avLst/>
-          </a:prstGeom>
-          <a:noFill/>
-          <a:ln>
-            <a:noFill/>
-          </a:ln>
-          <a:extLst>
-            <a:ext uri="{53640926-AAD7-44D8-BBD7-CCE9431645EC}">
-              <a14:shadowObscured xmlns:a14="http://schemas.microsoft.com/office/drawing/2010/main"/>
-            </a:ext>
-          </a:extLst>
-        </p:spPr>
-      </p:pic>
-      <p:pic>
-        <p:nvPicPr>
-          <p:cNvPr id="101" name="Picture 100" descr="Macintosh HD:Users:michaelkoropsak:Downloads:landmark conference poster images-selected-3:1dpf 1_50 sod cit 40x neural tube rfp.tif"/>
-          <p:cNvPicPr/>
-          <p:nvPr/>
-        </p:nvPicPr>
-        <p:blipFill rotWithShape="1">
-          <a:blip r:embed="rId6">
-            <a:extLst>
-              <a:ext uri="{28A0092B-C50C-407E-A947-70E740481C1C}">
-                <a14:useLocalDpi xmlns:a14="http://schemas.microsoft.com/office/drawing/2010/main" val="0"/>
-              </a:ext>
-            </a:extLst>
-          </a:blip>
-          <a:srcRect/>
-          <a:stretch/>
-        </p:blipFill>
-        <p:spPr bwMode="auto">
-          <a:xfrm>
-            <a:off x="35403722" y="9331412"/>
-            <a:ext cx="3328193" cy="2220608"/>
-          </a:xfrm>
-          <a:prstGeom prst="rect">
-            <a:avLst/>
-          </a:prstGeom>
-          <a:noFill/>
-          <a:ln>
-            <a:noFill/>
-          </a:ln>
-          <a:extLst>
-            <a:ext uri="{53640926-AAD7-44D8-BBD7-CCE9431645EC}">
-              <a14:shadowObscured xmlns:a14="http://schemas.microsoft.com/office/drawing/2010/main"/>
-            </a:ext>
-          </a:extLst>
-        </p:spPr>
-      </p:pic>
-      <p:pic>
-        <p:nvPicPr>
-          <p:cNvPr id="102" name="Picture 101" descr="Macintosh HD:Users:michaelkoropsak:Downloads:landmark conference poster images-selected-3:1dpf 1_50 sod cit 40x neural tube dapi.tif"/>
-          <p:cNvPicPr/>
-          <p:nvPr/>
-        </p:nvPicPr>
-        <p:blipFill rotWithShape="1">
-          <a:blip r:embed="rId7">
-            <a:extLst>
-              <a:ext uri="{28A0092B-C50C-407E-A947-70E740481C1C}">
-                <a14:useLocalDpi xmlns:a14="http://schemas.microsoft.com/office/drawing/2010/main" val="0"/>
-              </a:ext>
-            </a:extLst>
-          </a:blip>
-          <a:srcRect/>
-          <a:stretch/>
-        </p:blipFill>
-        <p:spPr bwMode="auto">
-          <a:xfrm>
-            <a:off x="31926859" y="9331412"/>
-            <a:ext cx="3452457" cy="2220609"/>
-          </a:xfrm>
-          <a:prstGeom prst="rect">
-            <a:avLst/>
-          </a:prstGeom>
-          <a:noFill/>
-          <a:ln>
-            <a:noFill/>
-          </a:ln>
-          <a:extLst>
-            <a:ext uri="{53640926-AAD7-44D8-BBD7-CCE9431645EC}">
-              <a14:shadowObscured xmlns:a14="http://schemas.microsoft.com/office/drawing/2010/main"/>
-            </a:ext>
-          </a:extLst>
-        </p:spPr>
-      </p:pic>
-      <p:sp>
-        <p:nvSpPr>
-          <p:cNvPr id="103" name="TextBox 102"/>
-          <p:cNvSpPr txBox="1"/>
-          <p:nvPr/>
-        </p:nvSpPr>
-        <p:spPr>
-          <a:xfrm rot="16200000">
-            <a:off x="27533417" y="10180107"/>
-            <a:ext cx="828386" cy="523220"/>
-          </a:xfrm>
-          <a:prstGeom prst="rect">
-            <a:avLst/>
-          </a:prstGeom>
-          <a:noFill/>
-        </p:spPr>
-        <p:txBody>
-          <a:bodyPr wrap="square" rtlCol="0">
-            <a:spAutoFit/>
-          </a:bodyPr>
-          <a:lstStyle/>
-          <a:p>
-            <a:pPr algn="ctr"/>
-            <a:r>
-              <a:rPr lang="en-US" sz="2800" dirty="0" smtClean="0">
-                <a:latin typeface="+mj-lt"/>
-              </a:rPr>
-              <a:t>p57</a:t>
-            </a:r>
-            <a:endParaRPr lang="en-US" sz="2800" dirty="0">
-              <a:latin typeface="+mj-lt"/>
-            </a:endParaRPr>
-          </a:p>
-        </p:txBody>
-      </p:sp>
-      <p:sp>
-        <p:nvSpPr>
-          <p:cNvPr id="104" name="TextBox 103"/>
-          <p:cNvSpPr txBox="1"/>
-          <p:nvPr/>
-        </p:nvSpPr>
-        <p:spPr>
-          <a:xfrm>
-            <a:off x="31767421" y="8888623"/>
-            <a:ext cx="3814430" cy="523007"/>
-          </a:xfrm>
-          <a:prstGeom prst="rect">
-            <a:avLst/>
-          </a:prstGeom>
-          <a:noFill/>
-        </p:spPr>
-        <p:txBody>
-          <a:bodyPr wrap="square" rtlCol="0">
-            <a:spAutoFit/>
-          </a:bodyPr>
-          <a:lstStyle/>
-          <a:p>
-            <a:pPr algn="ctr"/>
-            <a:r>
-              <a:rPr lang="en-US" sz="2800" dirty="0" smtClean="0">
-                <a:latin typeface="+mj-lt"/>
-              </a:rPr>
-              <a:t>Hoechst </a:t>
-            </a:r>
-            <a:endParaRPr lang="en-US" sz="2800" dirty="0">
-              <a:latin typeface="+mj-lt"/>
-            </a:endParaRPr>
-          </a:p>
-        </p:txBody>
-      </p:sp>
-      <p:sp>
-        <p:nvSpPr>
-          <p:cNvPr id="105" name="TextBox 104"/>
-          <p:cNvSpPr txBox="1"/>
-          <p:nvPr/>
-        </p:nvSpPr>
-        <p:spPr>
-          <a:xfrm>
-            <a:off x="38486024" y="8774799"/>
-            <a:ext cx="3814430" cy="523007"/>
-          </a:xfrm>
-          <a:prstGeom prst="rect">
-            <a:avLst/>
-          </a:prstGeom>
-          <a:noFill/>
-        </p:spPr>
-        <p:txBody>
-          <a:bodyPr wrap="square" rtlCol="0">
-            <a:spAutoFit/>
-          </a:bodyPr>
-          <a:lstStyle/>
-          <a:p>
-            <a:pPr algn="ctr"/>
-            <a:r>
-              <a:rPr lang="en-US" sz="2800" dirty="0" smtClean="0">
-                <a:latin typeface="+mj-lt"/>
-              </a:rPr>
-              <a:t>P57 </a:t>
-            </a:r>
-            <a:r>
-              <a:rPr lang="en-US" sz="2800" dirty="0">
-                <a:latin typeface="+mj-lt"/>
-              </a:rPr>
-              <a:t>&amp;</a:t>
-            </a:r>
-            <a:r>
-              <a:rPr lang="en-US" sz="2800" dirty="0" smtClean="0">
-                <a:latin typeface="+mj-lt"/>
-              </a:rPr>
-              <a:t> Hoechst </a:t>
-            </a:r>
-            <a:endParaRPr lang="en-US" sz="2800" dirty="0">
-              <a:latin typeface="+mj-lt"/>
-            </a:endParaRPr>
-          </a:p>
-        </p:txBody>
-      </p:sp>
-      <p:sp>
-        <p:nvSpPr>
-          <p:cNvPr id="106" name="TextBox 105"/>
-          <p:cNvSpPr txBox="1"/>
-          <p:nvPr/>
-        </p:nvSpPr>
-        <p:spPr>
-          <a:xfrm>
-            <a:off x="34780568" y="8852021"/>
-            <a:ext cx="4095143" cy="523007"/>
-          </a:xfrm>
-          <a:prstGeom prst="rect">
-            <a:avLst/>
-          </a:prstGeom>
-          <a:noFill/>
-        </p:spPr>
-        <p:txBody>
-          <a:bodyPr wrap="square" rtlCol="0">
-            <a:spAutoFit/>
-          </a:bodyPr>
-          <a:lstStyle/>
-          <a:p>
-            <a:pPr algn="ctr"/>
-            <a:r>
-              <a:rPr lang="en-US" sz="2800" dirty="0" smtClean="0">
-                <a:latin typeface="+mj-lt"/>
-              </a:rPr>
-              <a:t>P57</a:t>
-            </a:r>
-            <a:endParaRPr lang="en-US" sz="2800" dirty="0">
-              <a:latin typeface="+mj-lt"/>
-            </a:endParaRPr>
-          </a:p>
-        </p:txBody>
-      </p:sp>
-      <p:sp>
-        <p:nvSpPr>
-          <p:cNvPr id="107" name="TextBox 106"/>
-          <p:cNvSpPr txBox="1"/>
-          <p:nvPr/>
-        </p:nvSpPr>
-        <p:spPr>
-          <a:xfrm>
-            <a:off x="28147377" y="8847287"/>
-            <a:ext cx="3814430" cy="523007"/>
-          </a:xfrm>
-          <a:prstGeom prst="rect">
-            <a:avLst/>
-          </a:prstGeom>
-          <a:noFill/>
-        </p:spPr>
-        <p:txBody>
-          <a:bodyPr wrap="square" rtlCol="0">
-            <a:spAutoFit/>
-          </a:bodyPr>
-          <a:lstStyle/>
-          <a:p>
-            <a:pPr algn="ctr"/>
-            <a:r>
-              <a:rPr lang="en-US" sz="2800" dirty="0" smtClean="0">
-                <a:latin typeface="+mj-lt"/>
-              </a:rPr>
-              <a:t>Bright field</a:t>
-            </a:r>
-            <a:endParaRPr lang="en-US" sz="2800" dirty="0">
-              <a:latin typeface="+mj-lt"/>
             </a:endParaRPr>
           </a:p>
         </p:txBody>
@@ -6006,7 +5173,7 @@
         </p:nvSpPr>
         <p:spPr>
           <a:xfrm>
-            <a:off x="962742" y="27699253"/>
+            <a:off x="14244609" y="28328361"/>
             <a:ext cx="13626212" cy="1200150"/>
           </a:xfrm>
           <a:prstGeom prst="rect">
@@ -6080,7 +5247,7 @@
                 <a:latin typeface="+mj-lt"/>
                 <a:cs typeface="+mn-cs"/>
               </a:rPr>
-              <a:t>Cool Questions </a:t>
+              <a:t>Isabelle Stuff</a:t>
             </a:r>
             <a:endParaRPr lang="en-US" sz="7200" b="1" dirty="0">
               <a:solidFill>
@@ -6089,107 +5256,6 @@
               <a:latin typeface="+mj-lt"/>
               <a:cs typeface="+mn-cs"/>
             </a:endParaRPr>
-          </a:p>
-        </p:txBody>
-      </p:sp>
-      <p:sp>
-        <p:nvSpPr>
-          <p:cNvPr id="24" name="TextBox 23"/>
-          <p:cNvSpPr txBox="1"/>
-          <p:nvPr/>
-        </p:nvSpPr>
-        <p:spPr>
-          <a:xfrm>
-            <a:off x="28147377" y="23997551"/>
-            <a:ext cx="14368660" cy="2862322"/>
-          </a:xfrm>
-          <a:prstGeom prst="rect">
-            <a:avLst/>
-          </a:prstGeom>
-          <a:noFill/>
-        </p:spPr>
-        <p:txBody>
-          <a:bodyPr wrap="square" rtlCol="0">
-            <a:spAutoFit/>
-          </a:bodyPr>
-          <a:lstStyle/>
-          <a:p>
-            <a:r>
-              <a:rPr lang="en-US" sz="3000" dirty="0" smtClean="0"/>
-              <a:t>The following maybe areas of interest to explore if p57 is affected in some way by TGF</a:t>
-            </a:r>
-            <a:r>
-              <a:rPr lang="el-GR" sz="3000" dirty="0" smtClean="0"/>
-              <a:t>β</a:t>
-            </a:r>
-            <a:r>
-              <a:rPr lang="en-US" sz="3000" dirty="0" smtClean="0"/>
-              <a:t>:</a:t>
-            </a:r>
-          </a:p>
-          <a:p>
-            <a:pPr marL="831850" lvl="1" indent="-457200">
-              <a:buFont typeface="Arial" panose="020B0604020202020204" pitchFamily="34" charset="0"/>
-              <a:buChar char="•"/>
-            </a:pPr>
-            <a:r>
-              <a:rPr lang="en-US" sz="3000" dirty="0" smtClean="0"/>
-              <a:t>Further study into relation between </a:t>
-            </a:r>
-            <a:r>
-              <a:rPr lang="en-US" sz="3000" dirty="0" err="1" smtClean="0"/>
-              <a:t>Shh</a:t>
-            </a:r>
-            <a:r>
-              <a:rPr lang="en-US" sz="3000" dirty="0" smtClean="0"/>
-              <a:t> and TGF</a:t>
-            </a:r>
-            <a:r>
-              <a:rPr lang="el-GR" sz="3000" dirty="0" smtClean="0"/>
-              <a:t>β</a:t>
-            </a:r>
-            <a:r>
-              <a:rPr lang="en-US" sz="3000" dirty="0" smtClean="0"/>
-              <a:t> under these cases.</a:t>
-            </a:r>
-          </a:p>
-          <a:p>
-            <a:pPr marL="831850" lvl="1" indent="-457200">
-              <a:buFont typeface="Arial" panose="020B0604020202020204" pitchFamily="34" charset="0"/>
-              <a:buChar char="•"/>
-            </a:pPr>
-            <a:r>
-              <a:rPr lang="en-US" sz="3000" dirty="0" smtClean="0"/>
-              <a:t>Knock-out SHH and subsequent p57 expression</a:t>
-            </a:r>
-          </a:p>
-          <a:p>
-            <a:pPr marL="831850" lvl="1" indent="-457200">
-              <a:buFont typeface="Arial" panose="020B0604020202020204" pitchFamily="34" charset="0"/>
-              <a:buChar char="•"/>
-            </a:pPr>
-            <a:r>
-              <a:rPr lang="en-US" sz="3000" dirty="0" smtClean="0"/>
-              <a:t>Affect of alterations on p27 expression in congruence to p57</a:t>
-            </a:r>
-          </a:p>
-          <a:p>
-            <a:pPr marL="831850" lvl="1" indent="-457200">
-              <a:buFont typeface="Arial" panose="020B0604020202020204" pitchFamily="34" charset="0"/>
-              <a:buChar char="•"/>
-            </a:pPr>
-            <a:r>
-              <a:rPr lang="en-US" sz="3000" dirty="0" smtClean="0"/>
-              <a:t>Shared p57 and p27 signaling and their </a:t>
-            </a:r>
-            <a:r>
-              <a:rPr lang="en-US" sz="3000" dirty="0"/>
-              <a:t>a</a:t>
-            </a:r>
-            <a:r>
-              <a:rPr lang="en-US" sz="3000" dirty="0" smtClean="0"/>
-              <a:t>ffect on each other</a:t>
-            </a:r>
           </a:p>
         </p:txBody>
       </p:sp>
@@ -6202,7 +5268,7 @@
           <p:nvPr/>
         </p:nvPicPr>
         <p:blipFill>
-          <a:blip r:embed="rId8">
+          <a:blip r:embed="rId4">
             <a:extLst>
               <a:ext uri="{28A0092B-C50C-407E-A947-70E740481C1C}">
                 <a14:useLocalDpi xmlns:a14="http://schemas.microsoft.com/office/drawing/2010/main" val="0"/>
@@ -6215,7 +5281,7 @@
         </p:blipFill>
         <p:spPr>
           <a:xfrm>
-            <a:off x="962742" y="15742919"/>
+            <a:off x="962742" y="16735101"/>
             <a:ext cx="13070256" cy="2614051"/>
           </a:xfrm>
           <a:prstGeom prst="rect">
@@ -6231,8 +5297,8 @@
         </p:nvSpPr>
         <p:spPr>
           <a:xfrm>
-            <a:off x="2438400" y="18444155"/>
-            <a:ext cx="11162126" cy="954107"/>
+            <a:off x="1844747" y="19414445"/>
+            <a:ext cx="11162126" cy="1077218"/>
           </a:xfrm>
           <a:prstGeom prst="rect">
             <a:avLst/>
@@ -6246,14 +5312,14 @@
           <a:lstStyle/>
           <a:p>
             <a:r>
-              <a:rPr lang="en-US" sz="2800" b="1" dirty="0" smtClean="0"/>
+              <a:rPr lang="en-US" sz="3200" b="1" dirty="0" smtClean="0"/>
               <a:t>Fig 1: </a:t>
             </a:r>
             <a:r>
-              <a:rPr lang="en-US" sz="2800" dirty="0" smtClean="0"/>
+              <a:rPr lang="en-US" sz="3200" dirty="0" smtClean="0"/>
               <a:t>The five basic features used. All other feasters can be obtained by stretching these, and reversing the colors. </a:t>
             </a:r>
-            <a:endParaRPr lang="en-US" sz="2800" b="1" dirty="0"/>
+            <a:endParaRPr lang="en-US" sz="3200" b="1" dirty="0"/>
           </a:p>
         </p:txBody>
       </p:sp>
@@ -6266,7 +5332,7 @@
           <p:nvPr/>
         </p:nvPicPr>
         <p:blipFill>
-          <a:blip r:embed="rId9">
+          <a:blip r:embed="rId5">
             <a:extLst>
               <a:ext uri="{28A0092B-C50C-407E-A947-70E740481C1C}">
                 <a14:useLocalDpi xmlns:a14="http://schemas.microsoft.com/office/drawing/2010/main" val="0"/>
@@ -6279,7 +5345,7 @@
         </p:blipFill>
         <p:spPr>
           <a:xfrm>
-            <a:off x="962987" y="19643849"/>
+            <a:off x="880056" y="20945605"/>
             <a:ext cx="2517220" cy="4405135"/>
           </a:xfrm>
           <a:prstGeom prst="rect">
@@ -6296,7 +5362,7 @@
           <p:nvPr/>
         </p:nvPicPr>
         <p:blipFill>
-          <a:blip r:embed="rId10">
+          <a:blip r:embed="rId6">
             <a:extLst>
               <a:ext uri="{28A0092B-C50C-407E-A947-70E740481C1C}">
                 <a14:useLocalDpi xmlns:a14="http://schemas.microsoft.com/office/drawing/2010/main" val="0"/>
@@ -6309,7 +5375,7 @@
         </p:blipFill>
         <p:spPr>
           <a:xfrm>
-            <a:off x="3521485" y="19652415"/>
+            <a:off x="3509276" y="20945605"/>
             <a:ext cx="2517153" cy="4405017"/>
           </a:xfrm>
           <a:prstGeom prst="rect">
@@ -6326,7 +5392,7 @@
           <p:nvPr/>
         </p:nvPicPr>
         <p:blipFill>
-          <a:blip r:embed="rId11">
+          <a:blip r:embed="rId7">
             <a:extLst>
               <a:ext uri="{28A0092B-C50C-407E-A947-70E740481C1C}">
                 <a14:useLocalDpi xmlns:a14="http://schemas.microsoft.com/office/drawing/2010/main" val="0"/>
@@ -6339,7 +5405,7 @@
         </p:blipFill>
         <p:spPr>
           <a:xfrm>
-            <a:off x="6079915" y="19670813"/>
+            <a:off x="6095020" y="20978021"/>
             <a:ext cx="2530133" cy="4427733"/>
           </a:xfrm>
           <a:prstGeom prst="rect">
@@ -6355,8 +5421,8 @@
         </p:nvSpPr>
         <p:spPr>
           <a:xfrm>
-            <a:off x="9027177" y="20888004"/>
-            <a:ext cx="4556143" cy="1815882"/>
+            <a:off x="8903476" y="21755468"/>
+            <a:ext cx="4556143" cy="2062103"/>
           </a:xfrm>
           <a:prstGeom prst="rect">
             <a:avLst/>
@@ -6370,30 +5436,26 @@
           <a:lstStyle/>
           <a:p>
             <a:r>
-              <a:rPr lang="en-US" sz="2800" b="1" dirty="0" smtClean="0"/>
+              <a:rPr lang="en-US" sz="3200" b="1" dirty="0" smtClean="0"/>
               <a:t>Fig 2: </a:t>
             </a:r>
             <a:r>
-              <a:rPr lang="en-US" sz="2800" dirty="0" smtClean="0"/>
+              <a:rPr lang="en-US" sz="3200" dirty="0" smtClean="0"/>
               <a:t>An example of how </a:t>
             </a:r>
             <a:r>
-              <a:rPr lang="en-US" sz="2800" dirty="0" err="1" smtClean="0"/>
+              <a:rPr lang="en-US" sz="3200" dirty="0" err="1" smtClean="0"/>
               <a:t>Haar</a:t>
             </a:r>
             <a:r>
-              <a:rPr lang="en-US" sz="2800" dirty="0" smtClean="0"/>
-              <a:t> features may be used to represent a face. (</a:t>
-            </a:r>
-            <a:r>
-              <a:rPr lang="en-US" sz="2800" dirty="0" err="1" smtClean="0"/>
-              <a:t>Refrence</a:t>
-            </a:r>
-            <a:r>
-              <a:rPr lang="en-US" sz="2800" dirty="0" smtClean="0"/>
-              <a:t> 1)</a:t>
-            </a:r>
-            <a:endParaRPr lang="en-US" sz="2800" b="1" dirty="0"/>
+              <a:rPr lang="en-US" sz="3200" dirty="0" smtClean="0"/>
+              <a:t> features may be used to represent a face. </a:t>
+            </a:r>
+            <a:r>
+              <a:rPr lang="en-US" sz="3200" dirty="0" smtClean="0"/>
+              <a:t>[1]</a:t>
+            </a:r>
+            <a:endParaRPr lang="en-US" sz="3200" b="1" dirty="0"/>
           </a:p>
         </p:txBody>
       </p:sp>
@@ -6405,8 +5467,8 @@
         </p:nvSpPr>
         <p:spPr>
           <a:xfrm>
-            <a:off x="938571" y="25208385"/>
-            <a:ext cx="12644749" cy="2062103"/>
+            <a:off x="893009" y="25771779"/>
+            <a:ext cx="12644749" cy="3970318"/>
           </a:xfrm>
           <a:prstGeom prst="rect">
             <a:avLst/>
@@ -6420,51 +5482,1608 @@
           <a:lstStyle/>
           <a:p>
             <a:r>
-              <a:rPr lang="en-US" sz="3200" dirty="0" smtClean="0">
+              <a:rPr lang="en-US" sz="3600" dirty="0" smtClean="0">
                 <a:latin typeface="Cambria" panose="02040503050406030204" pitchFamily="18" charset="0"/>
               </a:rPr>
               <a:t>A face detection algorithm uses </a:t>
             </a:r>
             <a:r>
-              <a:rPr lang="en-US" sz="3200" dirty="0" err="1" smtClean="0">
+              <a:rPr lang="en-US" sz="3600" dirty="0" err="1" smtClean="0">
                 <a:latin typeface="Cambria" panose="02040503050406030204" pitchFamily="18" charset="0"/>
               </a:rPr>
               <a:t>Haar</a:t>
             </a:r>
             <a:r>
-              <a:rPr lang="en-US" sz="3200" dirty="0" smtClean="0">
+              <a:rPr lang="en-US" sz="3600" dirty="0" smtClean="0">
                 <a:latin typeface="Cambria" panose="02040503050406030204" pitchFamily="18" charset="0"/>
               </a:rPr>
               <a:t> features to identify the large facial features. All of the </a:t>
             </a:r>
             <a:r>
-              <a:rPr lang="en-US" sz="3200" dirty="0" err="1" smtClean="0">
+              <a:rPr lang="en-US" sz="3600" dirty="0" err="1" smtClean="0">
                 <a:latin typeface="Cambria" panose="02040503050406030204" pitchFamily="18" charset="0"/>
               </a:rPr>
               <a:t>Haar</a:t>
             </a:r>
             <a:r>
-              <a:rPr lang="en-US" sz="3200" dirty="0" smtClean="0">
+              <a:rPr lang="en-US" sz="3600" dirty="0" smtClean="0">
                 <a:latin typeface="Cambria" panose="02040503050406030204" pitchFamily="18" charset="0"/>
               </a:rPr>
-              <a:t> features necessary that are needed to identify a face may be derived by stretching and inverting the colors of the five features shown in figure 1,</a:t>
-            </a:r>
-            <a:endParaRPr lang="en-US" sz="3200" dirty="0">
+              <a:t> features necessary that are needed to identify a face may be derived by stretching and inverting the colors of the five features shown in figure 1</a:t>
+            </a:r>
+            <a:r>
+              <a:rPr lang="en-US" sz="3600" dirty="0" smtClean="0">
+                <a:latin typeface="Cambria" panose="02040503050406030204" pitchFamily="18" charset="0"/>
+              </a:rPr>
+              <a:t>, In a typical face detection application there are about 160,000 different features to consider![2] To narrow this down to a reasonable number we use </a:t>
+            </a:r>
+            <a:r>
+              <a:rPr lang="en-US" sz="3600" dirty="0" err="1" smtClean="0">
+                <a:latin typeface="Cambria" panose="02040503050406030204" pitchFamily="18" charset="0"/>
+              </a:rPr>
+              <a:t>Adaboost</a:t>
+            </a:r>
+            <a:r>
+              <a:rPr lang="en-US" sz="3600" dirty="0" smtClean="0">
+                <a:latin typeface="Cambria" panose="02040503050406030204" pitchFamily="18" charset="0"/>
+              </a:rPr>
+              <a:t>.</a:t>
+            </a:r>
+            <a:endParaRPr lang="en-US" sz="3600" dirty="0">
               <a:latin typeface="Cambria" panose="02040503050406030204" pitchFamily="18" charset="0"/>
             </a:endParaRPr>
           </a:p>
         </p:txBody>
       </p:sp>
-      <p:sp>
-        <p:nvSpPr>
-          <p:cNvPr id="26" name="TextBox 25"/>
+      <mc:AlternateContent xmlns:mc="http://schemas.openxmlformats.org/markup-compatibility/2006">
+        <mc:Choice xmlns:a14="http://schemas.microsoft.com/office/drawing/2010/main" Requires="a14">
+          <p:sp>
+            <p:nvSpPr>
+              <p:cNvPr id="26" name="TextBox 25"/>
+              <p:cNvSpPr txBox="1"/>
+              <p:nvPr/>
+            </p:nvSpPr>
+            <p:spPr>
+              <a:xfrm>
+                <a:off x="14567183" y="8482411"/>
+                <a:ext cx="12710811" cy="11177162"/>
+              </a:xfrm>
+              <a:prstGeom prst="rect">
+                <a:avLst/>
+              </a:prstGeom>
+              <a:noFill/>
+            </p:spPr>
+            <p:txBody>
+              <a:bodyPr wrap="square" rtlCol="0">
+                <a:spAutoFit/>
+              </a:bodyPr>
+              <a:lstStyle/>
+              <a:p>
+                <a:r>
+                  <a:rPr lang="en-US" sz="3600" dirty="0" smtClean="0">
+                    <a:latin typeface="Cambria" panose="02040503050406030204" pitchFamily="18" charset="0"/>
+                  </a:rPr>
+                  <a:t>Adaboost</a:t>
+                </a:r>
+                <a:r>
+                  <a:rPr lang="en-US" sz="3600" dirty="0" smtClean="0">
+                    <a:latin typeface="Cambria" panose="02040503050406030204" pitchFamily="18" charset="0"/>
+                  </a:rPr>
+                  <a:t> is a machine learning algorithm that selects the best features to identify faces with</a:t>
+                </a:r>
+                <a:r>
+                  <a:rPr lang="en-US" sz="3600" dirty="0" smtClean="0">
+                    <a:latin typeface="Cambria" panose="02040503050406030204" pitchFamily="18" charset="0"/>
+                  </a:rPr>
+                  <a:t>. One starts out with a large number of </a:t>
+                </a:r>
+                <a:r>
+                  <a:rPr lang="en-US" sz="3600" b="1" dirty="0" smtClean="0">
+                    <a:latin typeface="Cambria" panose="02040503050406030204" pitchFamily="18" charset="0"/>
+                  </a:rPr>
+                  <a:t>weak classifiers</a:t>
+                </a:r>
+                <a:r>
+                  <a:rPr lang="en-US" sz="3600" dirty="0" smtClean="0">
+                    <a:latin typeface="Cambria" panose="02040503050406030204" pitchFamily="18" charset="0"/>
+                  </a:rPr>
+                  <a:t>. A weak classifier is given by </a:t>
+                </a:r>
+                <a14:m>
+                  <m:oMath xmlns:m="http://schemas.openxmlformats.org/officeDocument/2006/math">
+                    <m:r>
+                      <a:rPr lang="en-US" sz="3600" b="0" i="1" smtClean="0">
+                        <a:latin typeface="Cambria Math" panose="02040503050406030204" pitchFamily="18" charset="0"/>
+                      </a:rPr>
+                      <m:t>h</m:t>
+                    </m:r>
+                    <m:d>
+                      <m:dPr>
+                        <m:ctrlPr>
+                          <a:rPr lang="en-US" sz="3600" b="0" i="1" smtClean="0">
+                            <a:latin typeface="Cambria Math" panose="02040503050406030204" pitchFamily="18" charset="0"/>
+                          </a:rPr>
+                        </m:ctrlPr>
+                      </m:dPr>
+                      <m:e>
+                        <m:r>
+                          <a:rPr lang="en-US" sz="3600" b="0" i="1" smtClean="0">
+                            <a:latin typeface="Cambria Math" panose="02040503050406030204" pitchFamily="18" charset="0"/>
+                          </a:rPr>
+                          <m:t>𝑥</m:t>
+                        </m:r>
+                        <m:r>
+                          <a:rPr lang="en-US" sz="3600" b="0" i="1" smtClean="0">
+                            <a:latin typeface="Cambria Math" panose="02040503050406030204" pitchFamily="18" charset="0"/>
+                          </a:rPr>
+                          <m:t>,</m:t>
+                        </m:r>
+                        <m:r>
+                          <a:rPr lang="en-US" sz="3600" b="0" i="1" smtClean="0">
+                            <a:latin typeface="Cambria Math" panose="02040503050406030204" pitchFamily="18" charset="0"/>
+                          </a:rPr>
+                          <m:t>𝑓</m:t>
+                        </m:r>
+                        <m:r>
+                          <a:rPr lang="en-US" sz="3600" b="0" i="1" smtClean="0">
+                            <a:latin typeface="Cambria Math" panose="02040503050406030204" pitchFamily="18" charset="0"/>
+                          </a:rPr>
+                          <m:t>,</m:t>
+                        </m:r>
+                        <m:r>
+                          <a:rPr lang="en-US" sz="3600" b="0" i="1" smtClean="0">
+                            <a:latin typeface="Cambria Math" panose="02040503050406030204" pitchFamily="18" charset="0"/>
+                          </a:rPr>
+                          <m:t>𝑝</m:t>
+                        </m:r>
+                        <m:r>
+                          <a:rPr lang="en-US" sz="3600" b="0" i="1" smtClean="0">
+                            <a:latin typeface="Cambria Math" panose="02040503050406030204" pitchFamily="18" charset="0"/>
+                          </a:rPr>
+                          <m:t>,</m:t>
+                        </m:r>
+                        <m:r>
+                          <a:rPr lang="en-US" sz="3600" b="0" i="1" smtClean="0">
+                            <a:latin typeface="Cambria Math" panose="02040503050406030204" pitchFamily="18" charset="0"/>
+                            <a:ea typeface="Cambria Math" panose="02040503050406030204" pitchFamily="18" charset="0"/>
+                          </a:rPr>
+                          <m:t>𝜃</m:t>
+                        </m:r>
+                      </m:e>
+                    </m:d>
+                    <m:r>
+                      <a:rPr lang="en-US" sz="3600" b="0" i="1" smtClean="0">
+                        <a:latin typeface="Cambria Math" panose="02040503050406030204" pitchFamily="18" charset="0"/>
+                        <a:ea typeface="Cambria Math" panose="02040503050406030204" pitchFamily="18" charset="0"/>
+                      </a:rPr>
+                      <m:t>=1 </m:t>
+                    </m:r>
+                    <m:r>
+                      <a:rPr lang="en-US" sz="3600" b="0" i="1" smtClean="0">
+                        <a:latin typeface="Cambria Math" panose="02040503050406030204" pitchFamily="18" charset="0"/>
+                        <a:ea typeface="Cambria Math" panose="02040503050406030204" pitchFamily="18" charset="0"/>
+                      </a:rPr>
+                      <m:t>𝑖𝑓</m:t>
+                    </m:r>
+                    <m:r>
+                      <a:rPr lang="en-US" sz="3600" b="0" i="1" smtClean="0">
+                        <a:latin typeface="Cambria Math" panose="02040503050406030204" pitchFamily="18" charset="0"/>
+                        <a:ea typeface="Cambria Math" panose="02040503050406030204" pitchFamily="18" charset="0"/>
+                      </a:rPr>
+                      <m:t> </m:t>
+                    </m:r>
+                    <m:r>
+                      <a:rPr lang="en-US" sz="3600" b="0" i="1" smtClean="0">
+                        <a:latin typeface="Cambria Math" panose="02040503050406030204" pitchFamily="18" charset="0"/>
+                        <a:ea typeface="Cambria Math" panose="02040503050406030204" pitchFamily="18" charset="0"/>
+                      </a:rPr>
+                      <m:t>𝑝𝑓</m:t>
+                    </m:r>
+                    <m:d>
+                      <m:dPr>
+                        <m:ctrlPr>
+                          <a:rPr lang="en-US" sz="3600" b="0" i="1" smtClean="0">
+                            <a:latin typeface="Cambria Math" panose="02040503050406030204" pitchFamily="18" charset="0"/>
+                            <a:ea typeface="Cambria Math" panose="02040503050406030204" pitchFamily="18" charset="0"/>
+                          </a:rPr>
+                        </m:ctrlPr>
+                      </m:dPr>
+                      <m:e>
+                        <m:r>
+                          <a:rPr lang="en-US" sz="3600" b="0" i="1" smtClean="0">
+                            <a:latin typeface="Cambria Math" panose="02040503050406030204" pitchFamily="18" charset="0"/>
+                            <a:ea typeface="Cambria Math" panose="02040503050406030204" pitchFamily="18" charset="0"/>
+                          </a:rPr>
+                          <m:t>𝑥</m:t>
+                        </m:r>
+                      </m:e>
+                    </m:d>
+                    <m:r>
+                      <a:rPr lang="en-US" sz="3600" b="0" i="1" smtClean="0">
+                        <a:latin typeface="Cambria Math" panose="02040503050406030204" pitchFamily="18" charset="0"/>
+                        <a:ea typeface="Cambria Math" panose="02040503050406030204" pitchFamily="18" charset="0"/>
+                      </a:rPr>
+                      <m:t>&lt;</m:t>
+                    </m:r>
+                    <m:r>
+                      <a:rPr lang="en-US" sz="3600" b="0" i="1" smtClean="0">
+                        <a:latin typeface="Cambria Math" panose="02040503050406030204" pitchFamily="18" charset="0"/>
+                        <a:ea typeface="Cambria Math" panose="02040503050406030204" pitchFamily="18" charset="0"/>
+                      </a:rPr>
+                      <m:t>𝑝</m:t>
+                    </m:r>
+                    <m:r>
+                      <a:rPr lang="en-US" sz="3600" b="0" i="1" smtClean="0">
+                        <a:latin typeface="Cambria Math" panose="02040503050406030204" pitchFamily="18" charset="0"/>
+                        <a:ea typeface="Cambria Math" panose="02040503050406030204" pitchFamily="18" charset="0"/>
+                      </a:rPr>
+                      <m:t>𝜃</m:t>
+                    </m:r>
+                    <m:r>
+                      <a:rPr lang="en-US" sz="3600" b="0" i="1" smtClean="0">
+                        <a:latin typeface="Cambria Math" panose="02040503050406030204" pitchFamily="18" charset="0"/>
+                        <a:ea typeface="Cambria Math" panose="02040503050406030204" pitchFamily="18" charset="0"/>
+                      </a:rPr>
+                      <m:t> </m:t>
+                    </m:r>
+                    <m:r>
+                      <a:rPr lang="en-US" sz="3600" b="0" i="1" smtClean="0">
+                        <a:latin typeface="Cambria Math" panose="02040503050406030204" pitchFamily="18" charset="0"/>
+                        <a:ea typeface="Cambria Math" panose="02040503050406030204" pitchFamily="18" charset="0"/>
+                      </a:rPr>
+                      <m:t>𝑎𝑛𝑑</m:t>
+                    </m:r>
+                    <m:r>
+                      <a:rPr lang="en-US" sz="3600" b="0" i="1" smtClean="0">
+                        <a:latin typeface="Cambria Math" panose="02040503050406030204" pitchFamily="18" charset="0"/>
+                        <a:ea typeface="Cambria Math" panose="02040503050406030204" pitchFamily="18" charset="0"/>
+                      </a:rPr>
+                      <m:t>=0 </m:t>
+                    </m:r>
+                    <m:r>
+                      <a:rPr lang="en-US" sz="3600" b="0" i="1" smtClean="0">
+                        <a:latin typeface="Cambria Math" panose="02040503050406030204" pitchFamily="18" charset="0"/>
+                        <a:ea typeface="Cambria Math" panose="02040503050406030204" pitchFamily="18" charset="0"/>
+                      </a:rPr>
+                      <m:t>𝑜𝑡h𝑒𝑟𝑤𝑖𝑠𝑒</m:t>
+                    </m:r>
+                    <m:r>
+                      <a:rPr lang="en-US" sz="3600" b="0" i="1" smtClean="0">
+                        <a:latin typeface="Cambria Math" panose="02040503050406030204" pitchFamily="18" charset="0"/>
+                        <a:ea typeface="Cambria Math" panose="02040503050406030204" pitchFamily="18" charset="0"/>
+                      </a:rPr>
+                      <m:t>.</m:t>
+                    </m:r>
+                  </m:oMath>
+                </a14:m>
+                <a:r>
+                  <a:rPr lang="en-US" sz="3600" dirty="0" smtClean="0">
+                    <a:latin typeface="Cambria" panose="02040503050406030204" pitchFamily="18" charset="0"/>
+                  </a:rPr>
+                  <a:t> Where </a:t>
+                </a:r>
+                <a14:m>
+                  <m:oMath xmlns:m="http://schemas.openxmlformats.org/officeDocument/2006/math">
+                    <m:r>
+                      <a:rPr lang="en-US" sz="3600" b="0" i="1" smtClean="0">
+                        <a:latin typeface="Cambria Math" panose="02040503050406030204" pitchFamily="18" charset="0"/>
+                      </a:rPr>
+                      <m:t>𝑥</m:t>
+                    </m:r>
+                  </m:oMath>
+                </a14:m>
+                <a:r>
+                  <a:rPr lang="en-US" sz="3600" dirty="0" smtClean="0">
+                    <a:latin typeface="Cambria" panose="02040503050406030204" pitchFamily="18" charset="0"/>
+                  </a:rPr>
+                  <a:t> is an image, </a:t>
+                </a:r>
+                <a14:m>
+                  <m:oMath xmlns:m="http://schemas.openxmlformats.org/officeDocument/2006/math">
+                    <m:r>
+                      <a:rPr lang="en-US" sz="3600" b="0" i="1" smtClean="0">
+                        <a:latin typeface="Cambria Math" panose="02040503050406030204" pitchFamily="18" charset="0"/>
+                      </a:rPr>
+                      <m:t>𝑓</m:t>
+                    </m:r>
+                  </m:oMath>
+                </a14:m>
+                <a:r>
+                  <a:rPr lang="en-US" sz="3600" dirty="0" smtClean="0">
+                    <a:latin typeface="Cambria" panose="02040503050406030204" pitchFamily="18" charset="0"/>
+                  </a:rPr>
+                  <a:t> is a </a:t>
+                </a:r>
+                <a:r>
+                  <a:rPr lang="en-US" sz="3600" dirty="0" err="1" smtClean="0">
+                    <a:latin typeface="Cambria" panose="02040503050406030204" pitchFamily="18" charset="0"/>
+                  </a:rPr>
+                  <a:t>Haar</a:t>
+                </a:r>
+                <a:r>
+                  <a:rPr lang="en-US" sz="3600" dirty="0" smtClean="0">
+                    <a:latin typeface="Cambria" panose="02040503050406030204" pitchFamily="18" charset="0"/>
+                  </a:rPr>
+                  <a:t> feature, </a:t>
+                </a:r>
+                <a14:m>
+                  <m:oMath xmlns:m="http://schemas.openxmlformats.org/officeDocument/2006/math">
+                    <m:r>
+                      <a:rPr lang="en-US" sz="3600" b="0" i="1" smtClean="0">
+                        <a:latin typeface="Cambria Math" panose="02040503050406030204" pitchFamily="18" charset="0"/>
+                      </a:rPr>
+                      <m:t>𝑝</m:t>
+                    </m:r>
+                  </m:oMath>
+                </a14:m>
+                <a:r>
+                  <a:rPr lang="en-US" sz="3600" dirty="0" smtClean="0">
+                    <a:latin typeface="Cambria" panose="02040503050406030204" pitchFamily="18" charset="0"/>
+                  </a:rPr>
+                  <a:t> is a polarity that equals 1 or -1, </a:t>
+                </a:r>
+                <a14:m>
+                  <m:oMath xmlns:m="http://schemas.openxmlformats.org/officeDocument/2006/math">
+                    <m:r>
+                      <a:rPr lang="en-US" sz="3600" i="1" smtClean="0">
+                        <a:latin typeface="Cambria Math" panose="02040503050406030204" pitchFamily="18" charset="0"/>
+                        <a:ea typeface="Cambria Math" panose="02040503050406030204" pitchFamily="18" charset="0"/>
+                      </a:rPr>
+                      <m:t>𝜃</m:t>
+                    </m:r>
+                  </m:oMath>
+                </a14:m>
+                <a:r>
+                  <a:rPr lang="en-US" sz="3600" dirty="0" smtClean="0">
+                    <a:latin typeface="Cambria" panose="02040503050406030204" pitchFamily="18" charset="0"/>
+                  </a:rPr>
+                  <a:t> is a threshold, and </a:t>
+                </a:r>
+                <a14:m>
+                  <m:oMath xmlns:m="http://schemas.openxmlformats.org/officeDocument/2006/math">
+                    <m:r>
+                      <a:rPr lang="en-US" sz="3600" b="0" i="1" smtClean="0">
+                        <a:latin typeface="Cambria Math" panose="02040503050406030204" pitchFamily="18" charset="0"/>
+                      </a:rPr>
+                      <m:t>𝑓</m:t>
+                    </m:r>
+                    <m:d>
+                      <m:dPr>
+                        <m:ctrlPr>
+                          <a:rPr lang="en-US" sz="3600" b="0" i="1" smtClean="0">
+                            <a:latin typeface="Cambria Math" panose="02040503050406030204" pitchFamily="18" charset="0"/>
+                          </a:rPr>
+                        </m:ctrlPr>
+                      </m:dPr>
+                      <m:e>
+                        <m:r>
+                          <a:rPr lang="en-US" sz="3600" b="0" i="1" smtClean="0">
+                            <a:latin typeface="Cambria Math" panose="02040503050406030204" pitchFamily="18" charset="0"/>
+                          </a:rPr>
+                          <m:t>𝑥</m:t>
+                        </m:r>
+                      </m:e>
+                    </m:d>
+                  </m:oMath>
+                </a14:m>
+                <a:r>
+                  <a:rPr lang="en-US" sz="3600" dirty="0" smtClean="0">
+                    <a:latin typeface="Cambria" panose="02040503050406030204" pitchFamily="18" charset="0"/>
+                  </a:rPr>
+                  <a:t> is how well the feature matches the image. </a:t>
+                </a:r>
+                <a:r>
+                  <a:rPr lang="en-US" sz="3600" dirty="0" smtClean="0">
+                    <a:latin typeface="Cambria" panose="02040503050406030204" pitchFamily="18" charset="0"/>
+                  </a:rPr>
+                  <a:t>1 means there is a face and 0 means there is no face.</a:t>
+                </a:r>
+                <a:r>
+                  <a:rPr lang="en-US" sz="3600" dirty="0" smtClean="0">
+                    <a:latin typeface="Cambria" panose="02040503050406030204" pitchFamily="18" charset="0"/>
+                  </a:rPr>
+                  <a:t> A weak classier should be able to identify faces with slightly above 50% accuracy.  </a:t>
+                </a:r>
+              </a:p>
+              <a:p>
+                <a:r>
+                  <a:rPr lang="en-US" sz="3600" dirty="0" smtClean="0">
+                    <a:latin typeface="Cambria" panose="02040503050406030204" pitchFamily="18" charset="0"/>
+                  </a:rPr>
+                  <a:t>	We want to create a </a:t>
+                </a:r>
+                <a:r>
+                  <a:rPr lang="en-US" sz="3600" b="1" dirty="0" smtClean="0">
+                    <a:latin typeface="Cambria" panose="02040503050406030204" pitchFamily="18" charset="0"/>
+                  </a:rPr>
+                  <a:t>strong classifier</a:t>
+                </a:r>
+                <a:r>
+                  <a:rPr lang="en-US" sz="3600" dirty="0" smtClean="0">
+                    <a:latin typeface="Cambria" panose="02040503050406030204" pitchFamily="18" charset="0"/>
+                  </a:rPr>
+                  <a:t>, basically a linear combination of the best weak classifiers which is more accurate than a single weak classifier.  To do this we use </a:t>
+                </a:r>
+                <a:r>
+                  <a:rPr lang="en-US" sz="3600" dirty="0" err="1" smtClean="0">
+                    <a:latin typeface="Cambria" panose="02040503050406030204" pitchFamily="18" charset="0"/>
+                  </a:rPr>
+                  <a:t>Adaboost</a:t>
+                </a:r>
+                <a:r>
+                  <a:rPr lang="en-US" sz="3600" dirty="0" smtClean="0">
+                    <a:latin typeface="Cambria" panose="02040503050406030204" pitchFamily="18" charset="0"/>
+                  </a:rPr>
+                  <a:t>, which runs for </a:t>
+                </a:r>
+                <a:r>
+                  <a:rPr lang="en-US" sz="3600" i="1" dirty="0" smtClean="0">
+                    <a:latin typeface="Cambria" panose="02040503050406030204" pitchFamily="18" charset="0"/>
+                  </a:rPr>
+                  <a:t>T </a:t>
+                </a:r>
+                <a:r>
+                  <a:rPr lang="en-US" sz="3600" dirty="0" smtClean="0">
+                    <a:latin typeface="Cambria" panose="02040503050406030204" pitchFamily="18" charset="0"/>
+                  </a:rPr>
+                  <a:t>training rounds. For </a:t>
+                </a:r>
+                <a:r>
+                  <a:rPr lang="en-US" sz="3600" i="1" dirty="0" smtClean="0">
+                    <a:latin typeface="Cambria" panose="02040503050406030204" pitchFamily="18" charset="0"/>
+                  </a:rPr>
+                  <a:t>1 ≤ t ≤ T </a:t>
+                </a:r>
+                <a:r>
+                  <a:rPr lang="en-US" sz="3600" dirty="0" smtClean="0">
+                    <a:latin typeface="Cambria" panose="02040503050406030204" pitchFamily="18" charset="0"/>
+                  </a:rPr>
+                  <a:t>we find the weak classifier which minimizes the weighted error: </a:t>
+                </a:r>
+                <a14:m>
+                  <m:oMath xmlns:m="http://schemas.openxmlformats.org/officeDocument/2006/math">
+                    <m:sSub>
+                      <m:sSubPr>
+                        <m:ctrlPr>
+                          <a:rPr lang="en-US" sz="3600" i="1" smtClean="0">
+                            <a:latin typeface="Cambria Math" panose="02040503050406030204" pitchFamily="18" charset="0"/>
+                          </a:rPr>
+                        </m:ctrlPr>
+                      </m:sSubPr>
+                      <m:e>
+                        <m:r>
+                          <a:rPr lang="en-US" sz="3600" i="1" smtClean="0">
+                            <a:latin typeface="Cambria Math" panose="02040503050406030204" pitchFamily="18" charset="0"/>
+                            <a:ea typeface="Cambria Math" panose="02040503050406030204" pitchFamily="18" charset="0"/>
+                          </a:rPr>
+                          <m:t>𝜖</m:t>
+                        </m:r>
+                      </m:e>
+                      <m:sub>
+                        <m:r>
+                          <a:rPr lang="en-US" sz="3600" b="0" i="1" smtClean="0">
+                            <a:latin typeface="Cambria Math" panose="02040503050406030204" pitchFamily="18" charset="0"/>
+                          </a:rPr>
+                          <m:t>𝑡</m:t>
+                        </m:r>
+                      </m:sub>
+                    </m:sSub>
+                    <m:r>
+                      <a:rPr lang="en-US" sz="3600" b="0" i="1" smtClean="0">
+                        <a:latin typeface="Cambria Math" panose="02040503050406030204" pitchFamily="18" charset="0"/>
+                      </a:rPr>
+                      <m:t>=</m:t>
+                    </m:r>
+                    <m:nary>
+                      <m:naryPr>
+                        <m:chr m:val="∑"/>
+                        <m:supHide m:val="on"/>
+                        <m:ctrlPr>
+                          <a:rPr lang="en-US" sz="3600" b="0" i="1" smtClean="0">
+                            <a:latin typeface="Cambria Math" panose="02040503050406030204" pitchFamily="18" charset="0"/>
+                          </a:rPr>
+                        </m:ctrlPr>
+                      </m:naryPr>
+                      <m:sub>
+                        <m:r>
+                          <m:rPr>
+                            <m:brk m:alnAt="7"/>
+                          </m:rPr>
+                          <a:rPr lang="en-US" sz="3600" b="0" i="1" smtClean="0">
+                            <a:latin typeface="Cambria Math" panose="02040503050406030204" pitchFamily="18" charset="0"/>
+                          </a:rPr>
+                          <m:t>𝑖</m:t>
+                        </m:r>
+                      </m:sub>
+                      <m:sup/>
+                      <m:e>
+                        <m:sSub>
+                          <m:sSubPr>
+                            <m:ctrlPr>
+                              <a:rPr lang="en-US" sz="3600" b="0" i="1" smtClean="0">
+                                <a:latin typeface="Cambria Math" panose="02040503050406030204" pitchFamily="18" charset="0"/>
+                              </a:rPr>
+                            </m:ctrlPr>
+                          </m:sSubPr>
+                          <m:e>
+                            <m:r>
+                              <a:rPr lang="en-US" sz="3600" b="0" i="1" smtClean="0">
+                                <a:latin typeface="Cambria Math" panose="02040503050406030204" pitchFamily="18" charset="0"/>
+                              </a:rPr>
+                              <m:t>𝑤</m:t>
+                            </m:r>
+                          </m:e>
+                          <m:sub>
+                            <m:r>
+                              <a:rPr lang="en-US" sz="3600" b="0" i="1" smtClean="0">
+                                <a:latin typeface="Cambria Math" panose="02040503050406030204" pitchFamily="18" charset="0"/>
+                              </a:rPr>
+                              <m:t>𝑖</m:t>
+                            </m:r>
+                          </m:sub>
+                        </m:sSub>
+                        <m:r>
+                          <a:rPr lang="en-US" sz="3600" b="0" i="1" smtClean="0">
+                            <a:latin typeface="Cambria Math" panose="02040503050406030204" pitchFamily="18" charset="0"/>
+                          </a:rPr>
+                          <m:t>|</m:t>
+                        </m:r>
+                        <m:r>
+                          <a:rPr lang="en-US" sz="3600" b="0" i="1" smtClean="0">
+                            <a:latin typeface="Cambria Math" panose="02040503050406030204" pitchFamily="18" charset="0"/>
+                          </a:rPr>
+                          <m:t>h</m:t>
+                        </m:r>
+                        <m:d>
+                          <m:dPr>
+                            <m:ctrlPr>
+                              <a:rPr lang="en-US" sz="3600" b="0" i="1" smtClean="0">
+                                <a:latin typeface="Cambria Math" panose="02040503050406030204" pitchFamily="18" charset="0"/>
+                              </a:rPr>
+                            </m:ctrlPr>
+                          </m:dPr>
+                          <m:e>
+                            <m:sSub>
+                              <m:sSubPr>
+                                <m:ctrlPr>
+                                  <a:rPr lang="en-US" sz="3600" b="0" i="1" smtClean="0">
+                                    <a:latin typeface="Cambria Math" panose="02040503050406030204" pitchFamily="18" charset="0"/>
+                                  </a:rPr>
+                                </m:ctrlPr>
+                              </m:sSubPr>
+                              <m:e>
+                                <m:r>
+                                  <a:rPr lang="en-US" sz="3600" b="0" i="1" smtClean="0">
+                                    <a:latin typeface="Cambria Math" panose="02040503050406030204" pitchFamily="18" charset="0"/>
+                                  </a:rPr>
+                                  <m:t>𝑥</m:t>
+                                </m:r>
+                              </m:e>
+                              <m:sub>
+                                <m:r>
+                                  <a:rPr lang="en-US" sz="3600" b="0" i="1" smtClean="0">
+                                    <a:latin typeface="Cambria Math" panose="02040503050406030204" pitchFamily="18" charset="0"/>
+                                  </a:rPr>
+                                  <m:t>𝑖</m:t>
+                                </m:r>
+                              </m:sub>
+                            </m:sSub>
+                            <m:r>
+                              <a:rPr lang="en-US" sz="3600" b="0" i="1" smtClean="0">
+                                <a:latin typeface="Cambria Math" panose="02040503050406030204" pitchFamily="18" charset="0"/>
+                              </a:rPr>
+                              <m:t>,</m:t>
+                            </m:r>
+                            <m:sSub>
+                              <m:sSubPr>
+                                <m:ctrlPr>
+                                  <a:rPr lang="en-US" sz="3600" b="0" i="1" smtClean="0">
+                                    <a:latin typeface="Cambria Math" panose="02040503050406030204" pitchFamily="18" charset="0"/>
+                                  </a:rPr>
+                                </m:ctrlPr>
+                              </m:sSubPr>
+                              <m:e>
+                                <m:r>
+                                  <a:rPr lang="en-US" sz="3600" b="0" i="1" smtClean="0">
+                                    <a:latin typeface="Cambria Math" panose="02040503050406030204" pitchFamily="18" charset="0"/>
+                                  </a:rPr>
+                                  <m:t>𝑓</m:t>
+                                </m:r>
+                              </m:e>
+                              <m:sub>
+                                <m:r>
+                                  <a:rPr lang="en-US" sz="3600" b="0" i="1" smtClean="0">
+                                    <a:latin typeface="Cambria Math" panose="02040503050406030204" pitchFamily="18" charset="0"/>
+                                  </a:rPr>
+                                  <m:t>𝑡</m:t>
+                                </m:r>
+                              </m:sub>
+                            </m:sSub>
+                            <m:r>
+                              <a:rPr lang="en-US" sz="3600" b="0" i="1" smtClean="0">
+                                <a:latin typeface="Cambria Math" panose="02040503050406030204" pitchFamily="18" charset="0"/>
+                              </a:rPr>
+                              <m:t>,</m:t>
+                            </m:r>
+                            <m:sSub>
+                              <m:sSubPr>
+                                <m:ctrlPr>
+                                  <a:rPr lang="en-US" sz="3600" b="0" i="1" smtClean="0">
+                                    <a:latin typeface="Cambria Math" panose="02040503050406030204" pitchFamily="18" charset="0"/>
+                                  </a:rPr>
+                                </m:ctrlPr>
+                              </m:sSubPr>
+                              <m:e>
+                                <m:r>
+                                  <a:rPr lang="en-US" sz="3600" b="0" i="1" smtClean="0">
+                                    <a:latin typeface="Cambria Math" panose="02040503050406030204" pitchFamily="18" charset="0"/>
+                                  </a:rPr>
+                                  <m:t>𝑝</m:t>
+                                </m:r>
+                              </m:e>
+                              <m:sub>
+                                <m:r>
+                                  <a:rPr lang="en-US" sz="3600" b="0" i="1" smtClean="0">
+                                    <a:latin typeface="Cambria Math" panose="02040503050406030204" pitchFamily="18" charset="0"/>
+                                  </a:rPr>
+                                  <m:t>𝑡</m:t>
+                                </m:r>
+                              </m:sub>
+                            </m:sSub>
+                            <m:r>
+                              <a:rPr lang="en-US" sz="3600" b="0" i="1" smtClean="0">
+                                <a:latin typeface="Cambria Math" panose="02040503050406030204" pitchFamily="18" charset="0"/>
+                              </a:rPr>
+                              <m:t>,</m:t>
+                            </m:r>
+                            <m:sSub>
+                              <m:sSubPr>
+                                <m:ctrlPr>
+                                  <a:rPr lang="en-US" sz="3600" b="0" i="1" smtClean="0">
+                                    <a:latin typeface="Cambria Math" panose="02040503050406030204" pitchFamily="18" charset="0"/>
+                                  </a:rPr>
+                                </m:ctrlPr>
+                              </m:sSubPr>
+                              <m:e>
+                                <m:r>
+                                  <a:rPr lang="en-US" sz="3600" b="0" i="1" smtClean="0">
+                                    <a:latin typeface="Cambria Math" panose="02040503050406030204" pitchFamily="18" charset="0"/>
+                                    <a:ea typeface="Cambria Math" panose="02040503050406030204" pitchFamily="18" charset="0"/>
+                                  </a:rPr>
+                                  <m:t>𝜃</m:t>
+                                </m:r>
+                              </m:e>
+                              <m:sub>
+                                <m:r>
+                                  <a:rPr lang="en-US" sz="3600" b="0" i="1" smtClean="0">
+                                    <a:latin typeface="Cambria Math" panose="02040503050406030204" pitchFamily="18" charset="0"/>
+                                  </a:rPr>
+                                  <m:t>𝑡</m:t>
+                                </m:r>
+                              </m:sub>
+                            </m:sSub>
+                          </m:e>
+                        </m:d>
+                        <m:r>
+                          <a:rPr lang="en-US" sz="3600" b="0" i="1" smtClean="0">
+                            <a:latin typeface="Cambria Math" panose="02040503050406030204" pitchFamily="18" charset="0"/>
+                          </a:rPr>
+                          <m:t> − </m:t>
+                        </m:r>
+                        <m:sSub>
+                          <m:sSubPr>
+                            <m:ctrlPr>
+                              <a:rPr lang="en-US" sz="3600" b="0" i="1" smtClean="0">
+                                <a:latin typeface="Cambria Math" panose="02040503050406030204" pitchFamily="18" charset="0"/>
+                              </a:rPr>
+                            </m:ctrlPr>
+                          </m:sSubPr>
+                          <m:e>
+                            <m:r>
+                              <a:rPr lang="en-US" sz="3600" b="0" i="1" smtClean="0">
+                                <a:latin typeface="Cambria Math" panose="02040503050406030204" pitchFamily="18" charset="0"/>
+                              </a:rPr>
+                              <m:t>𝑦</m:t>
+                            </m:r>
+                          </m:e>
+                          <m:sub>
+                            <m:r>
+                              <a:rPr lang="en-US" sz="3600" b="0" i="1" smtClean="0">
+                                <a:latin typeface="Cambria Math" panose="02040503050406030204" pitchFamily="18" charset="0"/>
+                              </a:rPr>
+                              <m:t>𝑖</m:t>
+                            </m:r>
+                          </m:sub>
+                        </m:sSub>
+                        <m:r>
+                          <a:rPr lang="en-US" sz="3600" b="0" i="1" smtClean="0">
+                            <a:latin typeface="Cambria Math" panose="02040503050406030204" pitchFamily="18" charset="0"/>
+                          </a:rPr>
+                          <m:t>|</m:t>
+                        </m:r>
+                      </m:e>
+                    </m:nary>
+                  </m:oMath>
+                </a14:m>
+                <a:r>
+                  <a:rPr lang="en-US" sz="3600" dirty="0" smtClean="0">
+                    <a:latin typeface="Cambria" panose="02040503050406030204" pitchFamily="18" charset="0"/>
+                  </a:rPr>
+                  <a:t> where </a:t>
+                </a:r>
+                <a14:m>
+                  <m:oMath xmlns:m="http://schemas.openxmlformats.org/officeDocument/2006/math">
+                    <m:sSub>
+                      <m:sSubPr>
+                        <m:ctrlPr>
+                          <a:rPr lang="en-US" sz="3600" i="1">
+                            <a:latin typeface="Cambria Math" panose="02040503050406030204" pitchFamily="18" charset="0"/>
+                          </a:rPr>
+                        </m:ctrlPr>
+                      </m:sSubPr>
+                      <m:e>
+                        <m:r>
+                          <a:rPr lang="en-US" sz="3600" i="1">
+                            <a:latin typeface="Cambria Math" panose="02040503050406030204" pitchFamily="18" charset="0"/>
+                          </a:rPr>
+                          <m:t>𝑥</m:t>
+                        </m:r>
+                      </m:e>
+                      <m:sub>
+                        <m:r>
+                          <a:rPr lang="en-US" sz="3600" i="1">
+                            <a:latin typeface="Cambria Math" panose="02040503050406030204" pitchFamily="18" charset="0"/>
+                          </a:rPr>
+                          <m:t>𝑖</m:t>
+                        </m:r>
+                      </m:sub>
+                    </m:sSub>
+                    <m:r>
+                      <a:rPr lang="en-US" sz="3600" i="1">
+                        <a:latin typeface="Cambria Math" panose="02040503050406030204" pitchFamily="18" charset="0"/>
+                      </a:rPr>
+                      <m:t>,</m:t>
+                    </m:r>
+                    <m:sSub>
+                      <m:sSubPr>
+                        <m:ctrlPr>
+                          <a:rPr lang="en-US" sz="3600" i="1">
+                            <a:latin typeface="Cambria Math" panose="02040503050406030204" pitchFamily="18" charset="0"/>
+                          </a:rPr>
+                        </m:ctrlPr>
+                      </m:sSubPr>
+                      <m:e>
+                        <m:r>
+                          <a:rPr lang="en-US" sz="3600" i="1">
+                            <a:latin typeface="Cambria Math" panose="02040503050406030204" pitchFamily="18" charset="0"/>
+                          </a:rPr>
+                          <m:t>𝑓</m:t>
+                        </m:r>
+                      </m:e>
+                      <m:sub>
+                        <m:r>
+                          <a:rPr lang="en-US" sz="3600" i="1">
+                            <a:latin typeface="Cambria Math" panose="02040503050406030204" pitchFamily="18" charset="0"/>
+                          </a:rPr>
+                          <m:t>𝑡</m:t>
+                        </m:r>
+                      </m:sub>
+                    </m:sSub>
+                    <m:r>
+                      <a:rPr lang="en-US" sz="3600" i="1">
+                        <a:latin typeface="Cambria Math" panose="02040503050406030204" pitchFamily="18" charset="0"/>
+                      </a:rPr>
+                      <m:t>,</m:t>
+                    </m:r>
+                    <m:sSub>
+                      <m:sSubPr>
+                        <m:ctrlPr>
+                          <a:rPr lang="en-US" sz="3600" i="1">
+                            <a:latin typeface="Cambria Math" panose="02040503050406030204" pitchFamily="18" charset="0"/>
+                          </a:rPr>
+                        </m:ctrlPr>
+                      </m:sSubPr>
+                      <m:e>
+                        <m:r>
+                          <a:rPr lang="en-US" sz="3600" i="1">
+                            <a:latin typeface="Cambria Math" panose="02040503050406030204" pitchFamily="18" charset="0"/>
+                          </a:rPr>
+                          <m:t>𝑝</m:t>
+                        </m:r>
+                      </m:e>
+                      <m:sub>
+                        <m:r>
+                          <a:rPr lang="en-US" sz="3600" i="1">
+                            <a:latin typeface="Cambria Math" panose="02040503050406030204" pitchFamily="18" charset="0"/>
+                          </a:rPr>
+                          <m:t>𝑡</m:t>
+                        </m:r>
+                      </m:sub>
+                    </m:sSub>
+                  </m:oMath>
+                </a14:m>
+                <a:r>
+                  <a:rPr lang="en-US" sz="3600" dirty="0" smtClean="0">
+                    <a:latin typeface="Cambria" panose="02040503050406030204" pitchFamily="18" charset="0"/>
+                  </a:rPr>
+                  <a:t> minimize </a:t>
+                </a:r>
+                <a14:m>
+                  <m:oMath xmlns:m="http://schemas.openxmlformats.org/officeDocument/2006/math">
+                    <m:sSub>
+                      <m:sSubPr>
+                        <m:ctrlPr>
+                          <a:rPr lang="en-US" sz="3600" i="1">
+                            <a:latin typeface="Cambria Math" panose="02040503050406030204" pitchFamily="18" charset="0"/>
+                          </a:rPr>
+                        </m:ctrlPr>
+                      </m:sSubPr>
+                      <m:e>
+                        <m:r>
+                          <a:rPr lang="en-US" sz="3600" i="1">
+                            <a:latin typeface="Cambria Math" panose="02040503050406030204" pitchFamily="18" charset="0"/>
+                            <a:ea typeface="Cambria Math" panose="02040503050406030204" pitchFamily="18" charset="0"/>
+                          </a:rPr>
+                          <m:t>𝜖</m:t>
+                        </m:r>
+                      </m:e>
+                      <m:sub>
+                        <m:r>
+                          <a:rPr lang="en-US" sz="3600" i="1">
+                            <a:latin typeface="Cambria Math" panose="02040503050406030204" pitchFamily="18" charset="0"/>
+                          </a:rPr>
+                          <m:t>𝑡</m:t>
+                        </m:r>
+                      </m:sub>
+                    </m:sSub>
+                  </m:oMath>
+                </a14:m>
+                <a:r>
+                  <a:rPr lang="en-US" sz="3600" dirty="0" smtClean="0">
+                    <a:latin typeface="Cambria" panose="02040503050406030204" pitchFamily="18" charset="0"/>
+                  </a:rPr>
+                  <a:t>, and </a:t>
+                </a:r>
+                <a:r>
+                  <a:rPr lang="en-US" sz="3600" i="1" dirty="0" err="1" smtClean="0">
+                    <a:latin typeface="Cambria" panose="02040503050406030204" pitchFamily="18" charset="0"/>
+                  </a:rPr>
+                  <a:t>y</a:t>
+                </a:r>
+                <a:r>
+                  <a:rPr lang="en-US" sz="3600" i="1" baseline="-25000" dirty="0" err="1" smtClean="0">
+                    <a:latin typeface="Cambria" panose="02040503050406030204" pitchFamily="18" charset="0"/>
+                  </a:rPr>
+                  <a:t>i</a:t>
+                </a:r>
+                <a:r>
+                  <a:rPr lang="en-US" sz="3600" i="1" dirty="0" smtClean="0">
+                    <a:latin typeface="Cambria" panose="02040503050406030204" pitchFamily="18" charset="0"/>
+                  </a:rPr>
+                  <a:t>=1,0 </a:t>
+                </a:r>
+                <a:r>
+                  <a:rPr lang="en-US" sz="3600" dirty="0" smtClean="0">
+                    <a:latin typeface="Cambria" panose="02040503050406030204" pitchFamily="18" charset="0"/>
+                  </a:rPr>
+                  <a:t>faces and non-faces respectively. The weights </a:t>
+                </a:r>
+                <a:r>
+                  <a:rPr lang="en-US" sz="3600" i="1" dirty="0" err="1" smtClean="0">
+                    <a:latin typeface="Cambria" panose="02040503050406030204" pitchFamily="18" charset="0"/>
+                  </a:rPr>
+                  <a:t>w</a:t>
+                </a:r>
+                <a:r>
+                  <a:rPr lang="en-US" sz="3600" i="1" baseline="-25000" dirty="0" err="1" smtClean="0">
+                    <a:latin typeface="Cambria" panose="02040503050406030204" pitchFamily="18" charset="0"/>
+                  </a:rPr>
+                  <a:t>i</a:t>
+                </a:r>
+                <a:r>
+                  <a:rPr lang="en-US" sz="3600" dirty="0">
+                    <a:latin typeface="Cambria" panose="02040503050406030204" pitchFamily="18" charset="0"/>
+                  </a:rPr>
+                  <a:t> </a:t>
+                </a:r>
+                <a:r>
+                  <a:rPr lang="en-US" sz="3600" dirty="0" smtClean="0">
+                    <a:latin typeface="Cambria" panose="02040503050406030204" pitchFamily="18" charset="0"/>
+                  </a:rPr>
+                  <a:t>are updated for the next training round.</a:t>
+                </a:r>
+                <a:r>
+                  <a:rPr lang="en-US" sz="3600" dirty="0" smtClean="0">
+                    <a:latin typeface="Cambria" panose="02040503050406030204" pitchFamily="18" charset="0"/>
+                  </a:rPr>
+                  <a:t> We define </a:t>
+                </a:r>
+                <a14:m>
+                  <m:oMath xmlns:m="http://schemas.openxmlformats.org/officeDocument/2006/math">
+                    <m:sSub>
+                      <m:sSubPr>
+                        <m:ctrlPr>
+                          <a:rPr lang="en-US" sz="3600" i="1" smtClean="0">
+                            <a:latin typeface="Cambria Math" panose="02040503050406030204" pitchFamily="18" charset="0"/>
+                          </a:rPr>
+                        </m:ctrlPr>
+                      </m:sSubPr>
+                      <m:e>
+                        <m:r>
+                          <a:rPr lang="en-US" sz="3600" b="0" i="1" smtClean="0">
+                            <a:latin typeface="Cambria Math" panose="02040503050406030204" pitchFamily="18" charset="0"/>
+                          </a:rPr>
+                          <m:t>h</m:t>
+                        </m:r>
+                      </m:e>
+                      <m:sub>
+                        <m:r>
+                          <a:rPr lang="en-US" sz="3600" b="0" i="1" smtClean="0">
+                            <a:latin typeface="Cambria Math" panose="02040503050406030204" pitchFamily="18" charset="0"/>
+                          </a:rPr>
+                          <m:t>𝑡</m:t>
+                        </m:r>
+                      </m:sub>
+                    </m:sSub>
+                    <m:d>
+                      <m:dPr>
+                        <m:ctrlPr>
+                          <a:rPr lang="en-US" sz="3600" b="0" i="1" smtClean="0">
+                            <a:latin typeface="Cambria Math" panose="02040503050406030204" pitchFamily="18" charset="0"/>
+                          </a:rPr>
+                        </m:ctrlPr>
+                      </m:dPr>
+                      <m:e>
+                        <m:r>
+                          <a:rPr lang="en-US" sz="3600" b="0" i="1" smtClean="0">
+                            <a:latin typeface="Cambria Math" panose="02040503050406030204" pitchFamily="18" charset="0"/>
+                          </a:rPr>
+                          <m:t>𝑥</m:t>
+                        </m:r>
+                      </m:e>
+                    </m:d>
+                    <m:r>
+                      <a:rPr lang="en-US" sz="3600" i="1">
+                        <a:latin typeface="Cambria Math" panose="02040503050406030204" pitchFamily="18" charset="0"/>
+                      </a:rPr>
+                      <m:t>=</m:t>
+                    </m:r>
+                    <m:r>
+                      <a:rPr lang="en-US" sz="3600" i="1">
+                        <a:latin typeface="Cambria Math" panose="02040503050406030204" pitchFamily="18" charset="0"/>
+                      </a:rPr>
+                      <m:t>h</m:t>
+                    </m:r>
+                    <m:d>
+                      <m:dPr>
+                        <m:ctrlPr>
+                          <a:rPr lang="en-US" sz="3600" i="1">
+                            <a:latin typeface="Cambria Math" panose="02040503050406030204" pitchFamily="18" charset="0"/>
+                          </a:rPr>
+                        </m:ctrlPr>
+                      </m:dPr>
+                      <m:e>
+                        <m:r>
+                          <a:rPr lang="en-US" sz="3600" b="0" i="1" smtClean="0">
+                            <a:latin typeface="Cambria Math" panose="02040503050406030204" pitchFamily="18" charset="0"/>
+                          </a:rPr>
+                          <m:t>𝑥</m:t>
+                        </m:r>
+                        <m:r>
+                          <a:rPr lang="en-US" sz="3600" i="1">
+                            <a:latin typeface="Cambria Math" panose="02040503050406030204" pitchFamily="18" charset="0"/>
+                          </a:rPr>
+                          <m:t>,</m:t>
+                        </m:r>
+                        <m:sSub>
+                          <m:sSubPr>
+                            <m:ctrlPr>
+                              <a:rPr lang="en-US" sz="3600" i="1">
+                                <a:latin typeface="Cambria Math" panose="02040503050406030204" pitchFamily="18" charset="0"/>
+                              </a:rPr>
+                            </m:ctrlPr>
+                          </m:sSubPr>
+                          <m:e>
+                            <m:r>
+                              <a:rPr lang="en-US" sz="3600" i="1">
+                                <a:latin typeface="Cambria Math" panose="02040503050406030204" pitchFamily="18" charset="0"/>
+                              </a:rPr>
+                              <m:t>𝑓</m:t>
+                            </m:r>
+                          </m:e>
+                          <m:sub>
+                            <m:r>
+                              <a:rPr lang="en-US" sz="3600" i="1">
+                                <a:latin typeface="Cambria Math" panose="02040503050406030204" pitchFamily="18" charset="0"/>
+                              </a:rPr>
+                              <m:t>𝑡</m:t>
+                            </m:r>
+                          </m:sub>
+                        </m:sSub>
+                        <m:r>
+                          <a:rPr lang="en-US" sz="3600" i="1">
+                            <a:latin typeface="Cambria Math" panose="02040503050406030204" pitchFamily="18" charset="0"/>
+                          </a:rPr>
+                          <m:t>,</m:t>
+                        </m:r>
+                        <m:sSub>
+                          <m:sSubPr>
+                            <m:ctrlPr>
+                              <a:rPr lang="en-US" sz="3600" i="1">
+                                <a:latin typeface="Cambria Math" panose="02040503050406030204" pitchFamily="18" charset="0"/>
+                              </a:rPr>
+                            </m:ctrlPr>
+                          </m:sSubPr>
+                          <m:e>
+                            <m:r>
+                              <a:rPr lang="en-US" sz="3600" i="1">
+                                <a:latin typeface="Cambria Math" panose="02040503050406030204" pitchFamily="18" charset="0"/>
+                              </a:rPr>
+                              <m:t>𝑝</m:t>
+                            </m:r>
+                          </m:e>
+                          <m:sub>
+                            <m:r>
+                              <a:rPr lang="en-US" sz="3600" i="1">
+                                <a:latin typeface="Cambria Math" panose="02040503050406030204" pitchFamily="18" charset="0"/>
+                              </a:rPr>
+                              <m:t>𝑡</m:t>
+                            </m:r>
+                          </m:sub>
+                        </m:sSub>
+                        <m:r>
+                          <a:rPr lang="en-US" sz="3600" i="1">
+                            <a:latin typeface="Cambria Math" panose="02040503050406030204" pitchFamily="18" charset="0"/>
+                          </a:rPr>
+                          <m:t>,</m:t>
+                        </m:r>
+                        <m:sSub>
+                          <m:sSubPr>
+                            <m:ctrlPr>
+                              <a:rPr lang="en-US" sz="3600" i="1">
+                                <a:latin typeface="Cambria Math" panose="02040503050406030204" pitchFamily="18" charset="0"/>
+                              </a:rPr>
+                            </m:ctrlPr>
+                          </m:sSubPr>
+                          <m:e>
+                            <m:r>
+                              <a:rPr lang="en-US" sz="3600" i="1">
+                                <a:latin typeface="Cambria Math" panose="02040503050406030204" pitchFamily="18" charset="0"/>
+                                <a:ea typeface="Cambria Math" panose="02040503050406030204" pitchFamily="18" charset="0"/>
+                              </a:rPr>
+                              <m:t>𝜃</m:t>
+                            </m:r>
+                          </m:e>
+                          <m:sub>
+                            <m:r>
+                              <a:rPr lang="en-US" sz="3600" i="1">
+                                <a:latin typeface="Cambria Math" panose="02040503050406030204" pitchFamily="18" charset="0"/>
+                              </a:rPr>
+                              <m:t>𝑡</m:t>
+                            </m:r>
+                          </m:sub>
+                        </m:sSub>
+                      </m:e>
+                    </m:d>
+                  </m:oMath>
+                </a14:m>
+                <a:r>
+                  <a:rPr lang="en-US" sz="3600" dirty="0" smtClean="0">
+                    <a:latin typeface="Cambria" panose="02040503050406030204" pitchFamily="18" charset="0"/>
+                  </a:rPr>
+                  <a:t> and </a:t>
+                </a:r>
+                <a14:m>
+                  <m:oMath xmlns:m="http://schemas.openxmlformats.org/officeDocument/2006/math">
+                    <m:sSub>
+                      <m:sSubPr>
+                        <m:ctrlPr>
+                          <a:rPr lang="en-US" sz="3600" i="1" smtClean="0">
+                            <a:latin typeface="Cambria Math" panose="02040503050406030204" pitchFamily="18" charset="0"/>
+                          </a:rPr>
+                        </m:ctrlPr>
+                      </m:sSubPr>
+                      <m:e>
+                        <m:r>
+                          <a:rPr lang="en-US" sz="3600" i="1" smtClean="0">
+                            <a:latin typeface="Cambria Math" panose="02040503050406030204" pitchFamily="18" charset="0"/>
+                            <a:ea typeface="Cambria Math" panose="02040503050406030204" pitchFamily="18" charset="0"/>
+                          </a:rPr>
+                          <m:t>𝛼</m:t>
+                        </m:r>
+                      </m:e>
+                      <m:sub>
+                        <m:r>
+                          <a:rPr lang="en-US" sz="3600" b="0" i="1" smtClean="0">
+                            <a:latin typeface="Cambria Math" panose="02040503050406030204" pitchFamily="18" charset="0"/>
+                          </a:rPr>
+                          <m:t>𝑡</m:t>
+                        </m:r>
+                      </m:sub>
+                    </m:sSub>
+                    <m:r>
+                      <a:rPr lang="en-US" sz="3600" b="0" i="1" smtClean="0">
+                        <a:latin typeface="Cambria Math" panose="02040503050406030204" pitchFamily="18" charset="0"/>
+                      </a:rPr>
+                      <m:t>=</m:t>
+                    </m:r>
+                    <m:r>
+                      <a:rPr lang="en-US" sz="3600" b="0" i="1" smtClean="0">
+                        <a:latin typeface="Cambria Math" panose="02040503050406030204" pitchFamily="18" charset="0"/>
+                      </a:rPr>
+                      <m:t>𝑙𝑜𝑔</m:t>
+                    </m:r>
+                    <m:d>
+                      <m:dPr>
+                        <m:ctrlPr>
+                          <a:rPr lang="en-US" sz="3600" b="0" i="1" smtClean="0">
+                            <a:latin typeface="Cambria Math" panose="02040503050406030204" pitchFamily="18" charset="0"/>
+                          </a:rPr>
+                        </m:ctrlPr>
+                      </m:dPr>
+                      <m:e>
+                        <m:f>
+                          <m:fPr>
+                            <m:ctrlPr>
+                              <a:rPr lang="en-US" sz="3600" b="0" i="1" smtClean="0">
+                                <a:latin typeface="Cambria Math" panose="02040503050406030204" pitchFamily="18" charset="0"/>
+                              </a:rPr>
+                            </m:ctrlPr>
+                          </m:fPr>
+                          <m:num>
+                            <m:r>
+                              <a:rPr lang="en-US" sz="3600" b="0" i="1" smtClean="0">
+                                <a:latin typeface="Cambria Math" panose="02040503050406030204" pitchFamily="18" charset="0"/>
+                              </a:rPr>
+                              <m:t>1−</m:t>
+                            </m:r>
+                            <m:sSub>
+                              <m:sSubPr>
+                                <m:ctrlPr>
+                                  <a:rPr lang="en-US" sz="3600" b="0" i="1" smtClean="0">
+                                    <a:latin typeface="Cambria Math" panose="02040503050406030204" pitchFamily="18" charset="0"/>
+                                  </a:rPr>
+                                </m:ctrlPr>
+                              </m:sSubPr>
+                              <m:e>
+                                <m:r>
+                                  <a:rPr lang="en-US" sz="3600" b="0" i="1" smtClean="0">
+                                    <a:latin typeface="Cambria Math" panose="02040503050406030204" pitchFamily="18" charset="0"/>
+                                    <a:ea typeface="Cambria Math" panose="02040503050406030204" pitchFamily="18" charset="0"/>
+                                  </a:rPr>
+                                  <m:t>𝜖</m:t>
+                                </m:r>
+                              </m:e>
+                              <m:sub>
+                                <m:r>
+                                  <a:rPr lang="en-US" sz="3600" b="0" i="1" smtClean="0">
+                                    <a:latin typeface="Cambria Math" panose="02040503050406030204" pitchFamily="18" charset="0"/>
+                                  </a:rPr>
+                                  <m:t>𝑡</m:t>
+                                </m:r>
+                              </m:sub>
+                            </m:sSub>
+                          </m:num>
+                          <m:den>
+                            <m:sSub>
+                              <m:sSubPr>
+                                <m:ctrlPr>
+                                  <a:rPr lang="en-US" sz="3600" b="0" i="1" smtClean="0">
+                                    <a:latin typeface="Cambria Math" panose="02040503050406030204" pitchFamily="18" charset="0"/>
+                                  </a:rPr>
+                                </m:ctrlPr>
+                              </m:sSubPr>
+                              <m:e>
+                                <m:r>
+                                  <a:rPr lang="en-US" sz="3600" b="0" i="1" smtClean="0">
+                                    <a:latin typeface="Cambria Math" panose="02040503050406030204" pitchFamily="18" charset="0"/>
+                                    <a:ea typeface="Cambria Math" panose="02040503050406030204" pitchFamily="18" charset="0"/>
+                                  </a:rPr>
+                                  <m:t>𝜖</m:t>
+                                </m:r>
+                              </m:e>
+                              <m:sub>
+                                <m:r>
+                                  <a:rPr lang="en-US" sz="3600" b="0" i="1" smtClean="0">
+                                    <a:latin typeface="Cambria Math" panose="02040503050406030204" pitchFamily="18" charset="0"/>
+                                  </a:rPr>
+                                  <m:t>𝑡</m:t>
+                                </m:r>
+                              </m:sub>
+                            </m:sSub>
+                          </m:den>
+                        </m:f>
+                      </m:e>
+                    </m:d>
+                  </m:oMath>
+                </a14:m>
+                <a:r>
+                  <a:rPr lang="en-US" sz="3600" dirty="0" smtClean="0">
+                    <a:latin typeface="Cambria" panose="02040503050406030204" pitchFamily="18" charset="0"/>
+                  </a:rPr>
+                  <a:t>. Our strong classifier is then: </a:t>
+                </a:r>
+                <a14:m>
+                  <m:oMath xmlns:m="http://schemas.openxmlformats.org/officeDocument/2006/math">
+                    <m:r>
+                      <a:rPr lang="en-US" sz="3600" b="0" i="1" smtClean="0">
+                        <a:latin typeface="Cambria Math" panose="02040503050406030204" pitchFamily="18" charset="0"/>
+                      </a:rPr>
+                      <m:t>𝐶</m:t>
+                    </m:r>
+                    <m:d>
+                      <m:dPr>
+                        <m:ctrlPr>
+                          <a:rPr lang="en-US" sz="3600" b="0" i="1" smtClean="0">
+                            <a:latin typeface="Cambria Math" panose="02040503050406030204" pitchFamily="18" charset="0"/>
+                          </a:rPr>
+                        </m:ctrlPr>
+                      </m:dPr>
+                      <m:e>
+                        <m:r>
+                          <a:rPr lang="en-US" sz="3600" b="0" i="1" smtClean="0">
+                            <a:latin typeface="Cambria Math" panose="02040503050406030204" pitchFamily="18" charset="0"/>
+                          </a:rPr>
+                          <m:t>𝑥</m:t>
+                        </m:r>
+                      </m:e>
+                    </m:d>
+                    <m:r>
+                      <a:rPr lang="en-US" sz="3600" b="0" i="1" smtClean="0">
+                        <a:latin typeface="Cambria Math" panose="02040503050406030204" pitchFamily="18" charset="0"/>
+                      </a:rPr>
+                      <m:t>=1</m:t>
+                    </m:r>
+                  </m:oMath>
+                </a14:m>
+                <a:r>
+                  <a:rPr lang="en-US" sz="3600" dirty="0" smtClean="0">
+                    <a:latin typeface="Cambria" panose="02040503050406030204" pitchFamily="18" charset="0"/>
+                  </a:rPr>
+                  <a:t> if </a:t>
+                </a:r>
+                <a14:m>
+                  <m:oMath xmlns:m="http://schemas.openxmlformats.org/officeDocument/2006/math">
+                    <m:nary>
+                      <m:naryPr>
+                        <m:chr m:val="∑"/>
+                        <m:ctrlPr>
+                          <a:rPr lang="en-US" sz="3600" i="1" smtClean="0">
+                            <a:latin typeface="Cambria Math" panose="02040503050406030204" pitchFamily="18" charset="0"/>
+                          </a:rPr>
+                        </m:ctrlPr>
+                      </m:naryPr>
+                      <m:sub>
+                        <m:r>
+                          <m:rPr>
+                            <m:brk m:alnAt="23"/>
+                          </m:rPr>
+                          <a:rPr lang="en-US" sz="3600" b="0" i="1" smtClean="0">
+                            <a:latin typeface="Cambria Math" panose="02040503050406030204" pitchFamily="18" charset="0"/>
+                          </a:rPr>
+                          <m:t>𝑡</m:t>
+                        </m:r>
+                        <m:r>
+                          <a:rPr lang="en-US" sz="3600" b="0" i="1" smtClean="0">
+                            <a:latin typeface="Cambria Math" panose="02040503050406030204" pitchFamily="18" charset="0"/>
+                          </a:rPr>
+                          <m:t>=1</m:t>
+                        </m:r>
+                      </m:sub>
+                      <m:sup>
+                        <m:r>
+                          <a:rPr lang="en-US" sz="3600" b="0" i="1" smtClean="0">
+                            <a:latin typeface="Cambria Math" panose="02040503050406030204" pitchFamily="18" charset="0"/>
+                          </a:rPr>
+                          <m:t>𝑇</m:t>
+                        </m:r>
+                      </m:sup>
+                      <m:e>
+                        <m:sSub>
+                          <m:sSubPr>
+                            <m:ctrlPr>
+                              <a:rPr lang="en-US" sz="3600" i="1" smtClean="0">
+                                <a:latin typeface="Cambria Math" panose="02040503050406030204" pitchFamily="18" charset="0"/>
+                              </a:rPr>
+                            </m:ctrlPr>
+                          </m:sSubPr>
+                          <m:e>
+                            <m:r>
+                              <a:rPr lang="en-US" sz="3600" i="1" smtClean="0">
+                                <a:latin typeface="Cambria Math" panose="02040503050406030204" pitchFamily="18" charset="0"/>
+                                <a:ea typeface="Cambria Math" panose="02040503050406030204" pitchFamily="18" charset="0"/>
+                              </a:rPr>
+                              <m:t>𝛼</m:t>
+                            </m:r>
+                          </m:e>
+                          <m:sub>
+                            <m:r>
+                              <a:rPr lang="en-US" sz="3600" b="0" i="1" smtClean="0">
+                                <a:latin typeface="Cambria Math" panose="02040503050406030204" pitchFamily="18" charset="0"/>
+                              </a:rPr>
+                              <m:t>𝑡</m:t>
+                            </m:r>
+                          </m:sub>
+                        </m:sSub>
+                        <m:sSub>
+                          <m:sSubPr>
+                            <m:ctrlPr>
+                              <a:rPr lang="en-US" sz="3600" i="1" smtClean="0">
+                                <a:latin typeface="Cambria Math" panose="02040503050406030204" pitchFamily="18" charset="0"/>
+                              </a:rPr>
+                            </m:ctrlPr>
+                          </m:sSubPr>
+                          <m:e>
+                            <m:r>
+                              <a:rPr lang="en-US" sz="3600" b="0" i="1" smtClean="0">
+                                <a:latin typeface="Cambria Math" panose="02040503050406030204" pitchFamily="18" charset="0"/>
+                              </a:rPr>
+                              <m:t>h</m:t>
+                            </m:r>
+                          </m:e>
+                          <m:sub>
+                            <m:r>
+                              <a:rPr lang="en-US" sz="3600" b="0" i="1" smtClean="0">
+                                <a:latin typeface="Cambria Math" panose="02040503050406030204" pitchFamily="18" charset="0"/>
+                              </a:rPr>
+                              <m:t>𝑡</m:t>
+                            </m:r>
+                          </m:sub>
+                        </m:sSub>
+                        <m:r>
+                          <a:rPr lang="en-US" sz="3600" b="0" i="1" smtClean="0">
+                            <a:latin typeface="Cambria Math" panose="02040503050406030204" pitchFamily="18" charset="0"/>
+                          </a:rPr>
+                          <m:t>(</m:t>
+                        </m:r>
+                        <m:r>
+                          <a:rPr lang="en-US" sz="3600" b="0" i="1" smtClean="0">
+                            <a:latin typeface="Cambria Math" panose="02040503050406030204" pitchFamily="18" charset="0"/>
+                          </a:rPr>
+                          <m:t>𝑥</m:t>
+                        </m:r>
+                        <m:r>
+                          <a:rPr lang="en-US" sz="3600" b="0" i="1" smtClean="0">
+                            <a:latin typeface="Cambria Math" panose="02040503050406030204" pitchFamily="18" charset="0"/>
+                          </a:rPr>
+                          <m:t>)≥</m:t>
+                        </m:r>
+                        <m:f>
+                          <m:fPr>
+                            <m:ctrlPr>
+                              <a:rPr lang="en-US" sz="3600" b="0" i="1" smtClean="0">
+                                <a:latin typeface="Cambria Math" panose="02040503050406030204" pitchFamily="18" charset="0"/>
+                                <a:ea typeface="Cambria Math" panose="02040503050406030204" pitchFamily="18" charset="0"/>
+                              </a:rPr>
+                            </m:ctrlPr>
+                          </m:fPr>
+                          <m:num>
+                            <m:r>
+                              <a:rPr lang="en-US" sz="3600" b="0" i="1" smtClean="0">
+                                <a:latin typeface="Cambria Math" panose="02040503050406030204" pitchFamily="18" charset="0"/>
+                                <a:ea typeface="Cambria Math" panose="02040503050406030204" pitchFamily="18" charset="0"/>
+                              </a:rPr>
+                              <m:t>1</m:t>
+                            </m:r>
+                          </m:num>
+                          <m:den>
+                            <m:r>
+                              <a:rPr lang="en-US" sz="3600" b="0" i="1" smtClean="0">
+                                <a:latin typeface="Cambria Math" panose="02040503050406030204" pitchFamily="18" charset="0"/>
+                                <a:ea typeface="Cambria Math" panose="02040503050406030204" pitchFamily="18" charset="0"/>
+                              </a:rPr>
+                              <m:t>2</m:t>
+                            </m:r>
+                          </m:den>
+                        </m:f>
+                        <m:nary>
+                          <m:naryPr>
+                            <m:chr m:val="∑"/>
+                            <m:ctrlPr>
+                              <a:rPr lang="en-US" sz="3600" b="0" i="1" smtClean="0">
+                                <a:latin typeface="Cambria Math" panose="02040503050406030204" pitchFamily="18" charset="0"/>
+                                <a:ea typeface="Cambria Math" panose="02040503050406030204" pitchFamily="18" charset="0"/>
+                              </a:rPr>
+                            </m:ctrlPr>
+                          </m:naryPr>
+                          <m:sub>
+                            <m:r>
+                              <m:rPr>
+                                <m:brk m:alnAt="23"/>
+                              </m:rPr>
+                              <a:rPr lang="en-US" sz="3600" b="0" i="1" smtClean="0">
+                                <a:latin typeface="Cambria Math" panose="02040503050406030204" pitchFamily="18" charset="0"/>
+                                <a:ea typeface="Cambria Math" panose="02040503050406030204" pitchFamily="18" charset="0"/>
+                              </a:rPr>
+                              <m:t>𝑡</m:t>
+                            </m:r>
+                            <m:r>
+                              <a:rPr lang="en-US" sz="3600" b="0" i="1" smtClean="0">
+                                <a:latin typeface="Cambria Math" panose="02040503050406030204" pitchFamily="18" charset="0"/>
+                                <a:ea typeface="Cambria Math" panose="02040503050406030204" pitchFamily="18" charset="0"/>
+                              </a:rPr>
+                              <m:t>=1</m:t>
+                            </m:r>
+                          </m:sub>
+                          <m:sup>
+                            <m:r>
+                              <a:rPr lang="en-US" sz="3600" b="0" i="1" smtClean="0">
+                                <a:latin typeface="Cambria Math" panose="02040503050406030204" pitchFamily="18" charset="0"/>
+                                <a:ea typeface="Cambria Math" panose="02040503050406030204" pitchFamily="18" charset="0"/>
+                              </a:rPr>
+                              <m:t>𝑇</m:t>
+                            </m:r>
+                          </m:sup>
+                          <m:e>
+                            <m:sSub>
+                              <m:sSubPr>
+                                <m:ctrlPr>
+                                  <a:rPr lang="en-US" sz="3600" b="0" i="1" smtClean="0">
+                                    <a:latin typeface="Cambria Math" panose="02040503050406030204" pitchFamily="18" charset="0"/>
+                                    <a:ea typeface="Cambria Math" panose="02040503050406030204" pitchFamily="18" charset="0"/>
+                                  </a:rPr>
+                                </m:ctrlPr>
+                              </m:sSubPr>
+                              <m:e>
+                                <m:r>
+                                  <a:rPr lang="en-US" sz="3600" b="0" i="1" smtClean="0">
+                                    <a:latin typeface="Cambria Math" panose="02040503050406030204" pitchFamily="18" charset="0"/>
+                                    <a:ea typeface="Cambria Math" panose="02040503050406030204" pitchFamily="18" charset="0"/>
+                                  </a:rPr>
+                                  <m:t>𝑎</m:t>
+                                </m:r>
+                              </m:e>
+                              <m:sub>
+                                <m:r>
+                                  <a:rPr lang="en-US" sz="3600" b="0" i="1" smtClean="0">
+                                    <a:latin typeface="Cambria Math" panose="02040503050406030204" pitchFamily="18" charset="0"/>
+                                    <a:ea typeface="Cambria Math" panose="02040503050406030204" pitchFamily="18" charset="0"/>
+                                  </a:rPr>
+                                  <m:t>𝑡</m:t>
+                                </m:r>
+                              </m:sub>
+                            </m:sSub>
+                          </m:e>
+                        </m:nary>
+                      </m:e>
+                    </m:nary>
+                  </m:oMath>
+                </a14:m>
+                <a:r>
+                  <a:rPr lang="en-US" sz="3600" dirty="0" smtClean="0">
+                    <a:latin typeface="Cambria" panose="02040503050406030204" pitchFamily="18" charset="0"/>
+                  </a:rPr>
+                  <a:t> and </a:t>
+                </a:r>
+                <a14:m>
+                  <m:oMath xmlns:m="http://schemas.openxmlformats.org/officeDocument/2006/math">
+                    <m:r>
+                      <a:rPr lang="en-US" sz="3600" b="0" i="1" smtClean="0">
+                        <a:latin typeface="Cambria Math" panose="02040503050406030204" pitchFamily="18" charset="0"/>
+                      </a:rPr>
+                      <m:t>=0</m:t>
+                    </m:r>
+                  </m:oMath>
+                </a14:m>
+                <a:r>
+                  <a:rPr lang="en-US" sz="3600" dirty="0" smtClean="0">
+                    <a:latin typeface="Cambria" panose="02040503050406030204" pitchFamily="18" charset="0"/>
+                  </a:rPr>
+                  <a:t> otherwise. [2]</a:t>
+                </a:r>
+                <a:endParaRPr lang="en-US" sz="3600" dirty="0">
+                  <a:latin typeface="Cambria" panose="02040503050406030204" pitchFamily="18" charset="0"/>
+                </a:endParaRPr>
+              </a:p>
+            </p:txBody>
+          </p:sp>
+        </mc:Choice>
+        <mc:Fallback>
+          <p:sp>
+            <p:nvSpPr>
+              <p:cNvPr id="26" name="TextBox 25"/>
+              <p:cNvSpPr txBox="1">
+                <a:spLocks noRot="1" noChangeAspect="1" noMove="1" noResize="1" noEditPoints="1" noAdjustHandles="1" noChangeArrowheads="1" noChangeShapeType="1" noTextEdit="1"/>
+              </p:cNvSpPr>
+              <p:nvPr/>
+            </p:nvSpPr>
+            <p:spPr>
+              <a:xfrm>
+                <a:off x="14567183" y="8482411"/>
+                <a:ext cx="12710811" cy="11177162"/>
+              </a:xfrm>
+              <a:prstGeom prst="rect">
+                <a:avLst/>
+              </a:prstGeom>
+              <a:blipFill>
+                <a:blip r:embed="rId8"/>
+                <a:stretch>
+                  <a:fillRect l="-1487" t="-818" r="-1775"/>
+                </a:stretch>
+              </a:blipFill>
+            </p:spPr>
+            <p:txBody>
+              <a:bodyPr/>
+              <a:lstStyle/>
+              <a:p>
+                <a:r>
+                  <a:rPr lang="en-US">
+                    <a:noFill/>
+                  </a:rPr>
+                  <a:t> </a:t>
+                </a:r>
+              </a:p>
+            </p:txBody>
+          </p:sp>
+        </mc:Fallback>
+      </mc:AlternateContent>
+      <p:sp>
+        <p:nvSpPr>
+          <p:cNvPr id="34" name="TextBox 33"/>
           <p:cNvSpPr txBox="1"/>
           <p:nvPr/>
         </p:nvSpPr>
         <p:spPr>
           <a:xfrm>
-            <a:off x="14567183" y="8482411"/>
-            <a:ext cx="12710811" cy="1077218"/>
+            <a:off x="14244609" y="19596335"/>
+            <a:ext cx="13441391" cy="1200329"/>
+          </a:xfrm>
+          <a:prstGeom prst="rect">
+            <a:avLst/>
+          </a:prstGeom>
+          <a:solidFill>
+            <a:srgbClr val="24588D"/>
+          </a:solidFill>
+        </p:spPr>
+        <p:txBody>
+          <a:bodyPr wrap="square">
+            <a:spAutoFit/>
+          </a:bodyPr>
+          <a:lstStyle/>
+          <a:p>
+            <a:pPr algn="ctr">
+              <a:defRPr/>
+            </a:pPr>
+            <a:r>
+              <a:rPr lang="en-US" sz="7200" b="1" dirty="0" smtClean="0">
+                <a:solidFill>
+                  <a:schemeClr val="bg1"/>
+                </a:solidFill>
+                <a:latin typeface="+mj-lt"/>
+                <a:cs typeface="+mn-cs"/>
+              </a:rPr>
+              <a:t>Cascaded Classifiers</a:t>
+            </a:r>
+            <a:r>
+              <a:rPr lang="en-US" sz="7200" b="1" dirty="0" smtClean="0">
+                <a:solidFill>
+                  <a:schemeClr val="bg1"/>
+                </a:solidFill>
+                <a:latin typeface="+mj-lt"/>
+                <a:cs typeface="+mn-cs"/>
+              </a:rPr>
+              <a:t> </a:t>
+            </a:r>
+            <a:endParaRPr lang="en-US" sz="7200" b="1" dirty="0">
+              <a:solidFill>
+                <a:schemeClr val="bg1"/>
+              </a:solidFill>
+              <a:latin typeface="+mj-lt"/>
+              <a:cs typeface="+mn-cs"/>
+            </a:endParaRPr>
+          </a:p>
+        </p:txBody>
+      </p:sp>
+      <p:sp>
+        <p:nvSpPr>
+          <p:cNvPr id="4" name="TextBox 3"/>
+          <p:cNvSpPr txBox="1"/>
+          <p:nvPr/>
+        </p:nvSpPr>
+        <p:spPr>
+          <a:xfrm>
+            <a:off x="14567182" y="21027950"/>
+            <a:ext cx="12710811" cy="7294305"/>
           </a:xfrm>
           <a:prstGeom prst="rect">
             <a:avLst/>
@@ -6478,24 +7097,44 @@
           <a:lstStyle/>
           <a:p>
             <a:r>
-              <a:rPr lang="en-US" sz="3200" dirty="0" err="1" smtClean="0">
+              <a:rPr lang="en-US" sz="3600" dirty="0" smtClean="0">
                 <a:latin typeface="Cambria" panose="02040503050406030204" pitchFamily="18" charset="0"/>
               </a:rPr>
-              <a:t>Adaboost</a:t>
-            </a:r>
-            <a:r>
-              <a:rPr lang="en-US" sz="3200" dirty="0" smtClean="0">
+              <a:t>Unfortunately, evaluating a single strong classifier at every location on an image in search of a face is very inefficient, so we use a </a:t>
+            </a:r>
+            <a:r>
+              <a:rPr lang="en-US" sz="3600" b="1" dirty="0" smtClean="0">
                 <a:latin typeface="Cambria" panose="02040503050406030204" pitchFamily="18" charset="0"/>
               </a:rPr>
-              <a:t> is a machine learning algorithm that selects the best features to identify </a:t>
-            </a:r>
-            <a:r>
-              <a:rPr lang="en-US" sz="3200" smtClean="0">
+              <a:t>cascaded classifier</a:t>
+            </a:r>
+            <a:r>
+              <a:rPr lang="en-US" sz="3600" dirty="0" smtClean="0">
                 <a:latin typeface="Cambria" panose="02040503050406030204" pitchFamily="18" charset="0"/>
               </a:rPr>
-              <a:t>faces with.</a:t>
-            </a:r>
-            <a:endParaRPr lang="en-US" sz="3200" dirty="0">
+              <a:t>. A cascaded classifier consists of many strong classifiers, called layers. The goal is for each layer to determine whether a sub-window is definitely not a face or maybe a face. [3] Each layer is trained to have a very high detection rate, but also a significant false positive rate.</a:t>
+            </a:r>
+          </a:p>
+          <a:p>
+            <a:r>
+              <a:rPr lang="en-US" sz="3600" dirty="0" smtClean="0">
+                <a:latin typeface="Cambria" panose="02040503050406030204" pitchFamily="18" charset="0"/>
+              </a:rPr>
+              <a:t>	The early layers contain only a few weak classifiers, so they are quick to evaluate. If a layer determines that a sub-window is possibly a face, it continues to the next layer. If </a:t>
+            </a:r>
+            <a:r>
+              <a:rPr lang="en-US" sz="3600" dirty="0">
+                <a:latin typeface="Cambria" panose="02040503050406030204" pitchFamily="18" charset="0"/>
+              </a:rPr>
+              <a:t>a layer determines that a sub-window is </a:t>
+            </a:r>
+            <a:r>
+              <a:rPr lang="en-US" sz="3600" dirty="0" smtClean="0">
+                <a:latin typeface="Cambria" panose="02040503050406030204" pitchFamily="18" charset="0"/>
+              </a:rPr>
+              <a:t>definitely not a face, then the detector immediately proceeds to the next sub-window. So the vast majority of sub-windows are quick to evaluate. </a:t>
+            </a:r>
+            <a:endParaRPr lang="en-US" sz="3600" dirty="0">
               <a:latin typeface="Cambria" panose="02040503050406030204" pitchFamily="18" charset="0"/>
             </a:endParaRPr>
           </a:p>

--- a/Poster resources/ShapiroPosterFirstDraft.pptx
+++ b/Poster resources/ShapiroPosterFirstDraft.pptx
@@ -288,7 +288,7 @@
               <a:pPr>
                 <a:defRPr/>
               </a:pPr>
-              <a:t>7/17/2017</a:t>
+              <a:t>7/19/2017</a:t>
             </a:fld>
             <a:endParaRPr lang="en-US" dirty="0"/>
           </a:p>
@@ -650,7 +650,7 @@
               </a14:hiddenFill>
             </a:ext>
             <a:ext uri="{FAA26D3D-D897-4be2-8F04-BA451C77F1D7}">
-              <ma14:placeholderFlag xmlns:ma14="http://schemas.microsoft.com/office/mac/drawingml/2011/main" xmlns="" val="1"/>
+              <ma14:placeholderFlag xmlns="" xmlns:ma14="http://schemas.microsoft.com/office/mac/drawingml/2011/main" val="1"/>
             </a:ext>
           </a:extLst>
         </p:spPr>
@@ -3724,7 +3724,7 @@
               </a14:hiddenEffects>
             </a:ext>
             <a:ext uri="{FAA26D3D-D897-4be2-8F04-BA451C77F1D7}">
-              <ma14:placeholderFlag xmlns:ma14="http://schemas.microsoft.com/office/mac/drawingml/2011/main" xmlns="" val="1"/>
+              <ma14:placeholderFlag xmlns="" xmlns:ma14="http://schemas.microsoft.com/office/mac/drawingml/2011/main" val="1"/>
             </a:ext>
           </a:extLst>
         </p:spPr>
@@ -3798,7 +3798,7 @@
               </a14:hiddenEffects>
             </a:ext>
             <a:ext uri="{FAA26D3D-D897-4be2-8F04-BA451C77F1D7}">
-              <ma14:placeholderFlag xmlns:ma14="http://schemas.microsoft.com/office/mac/drawingml/2011/main" xmlns="" val="1"/>
+              <ma14:placeholderFlag xmlns="" xmlns:ma14="http://schemas.microsoft.com/office/mac/drawingml/2011/main" val="1"/>
             </a:ext>
           </a:extLst>
         </p:spPr>
@@ -3900,7 +3900,7 @@
               </a14:hiddenEffects>
             </a:ext>
             <a:ext uri="{FAA26D3D-D897-4be2-8F04-BA451C77F1D7}">
-              <ma14:placeholderFlag xmlns:ma14="http://schemas.microsoft.com/office/mac/drawingml/2011/main" xmlns="" val="1"/>
+              <ma14:placeholderFlag xmlns="" xmlns:ma14="http://schemas.microsoft.com/office/mac/drawingml/2011/main" val="1"/>
             </a:ext>
           </a:extLst>
         </p:spPr>
@@ -3980,7 +3980,7 @@
               </a14:hiddenEffects>
             </a:ext>
             <a:ext uri="{FAA26D3D-D897-4be2-8F04-BA451C77F1D7}">
-              <ma14:placeholderFlag xmlns:ma14="http://schemas.microsoft.com/office/mac/drawingml/2011/main" xmlns="" val="1"/>
+              <ma14:placeholderFlag xmlns="" xmlns:ma14="http://schemas.microsoft.com/office/mac/drawingml/2011/main" val="1"/>
             </a:ext>
           </a:extLst>
         </p:spPr>
@@ -4060,7 +4060,7 @@
               </a14:hiddenEffects>
             </a:ext>
             <a:ext uri="{FAA26D3D-D897-4be2-8F04-BA451C77F1D7}">
-              <ma14:placeholderFlag xmlns:ma14="http://schemas.microsoft.com/office/mac/drawingml/2011/main" xmlns="" val="1"/>
+              <ma14:placeholderFlag xmlns="" xmlns:ma14="http://schemas.microsoft.com/office/mac/drawingml/2011/main" val="1"/>
             </a:ext>
           </a:extLst>
         </p:spPr>
@@ -4806,7 +4806,7 @@
         </p:nvSpPr>
         <p:spPr>
           <a:xfrm>
-            <a:off x="28147377" y="27109086"/>
+            <a:off x="28237633" y="24390091"/>
             <a:ext cx="14368660" cy="1015663"/>
           </a:xfrm>
           <a:prstGeom prst="rect">
@@ -4833,27 +4833,7 @@
                 <a:latin typeface="+mj-lt"/>
                 <a:cs typeface="+mn-cs"/>
               </a:rPr>
-              <a:t>More </a:t>
-            </a:r>
-            <a:r>
-              <a:rPr lang="en-US" sz="6000" b="1" dirty="0" smtClean="0">
-                <a:solidFill>
-                  <a:schemeClr val="bg1"/>
-                </a:solidFill>
-                <a:latin typeface="+mj-lt"/>
-                <a:cs typeface="+mn-cs"/>
-              </a:rPr>
-              <a:t>Isabelle Stuff?</a:t>
-            </a:r>
-            <a:r>
-              <a:rPr lang="en-US" sz="6000" b="1" dirty="0" smtClean="0">
-                <a:solidFill>
-                  <a:schemeClr val="bg1"/>
-                </a:solidFill>
-                <a:latin typeface="+mj-lt"/>
-                <a:cs typeface="+mn-cs"/>
-              </a:rPr>
-              <a:t> </a:t>
+              <a:t>More Isabelle Stuff? </a:t>
             </a:r>
             <a:endParaRPr lang="en-US" sz="6000" b="1" dirty="0">
               <a:solidFill>
@@ -4920,8 +4900,8 @@
         </p:nvSpPr>
         <p:spPr>
           <a:xfrm>
-            <a:off x="14032998" y="29759798"/>
-            <a:ext cx="13626213" cy="3108543"/>
+            <a:off x="14277266" y="29526695"/>
+            <a:ext cx="13626213" cy="3170099"/>
           </a:xfrm>
           <a:prstGeom prst="rect">
             <a:avLst/>
@@ -4938,61 +4918,61 @@
               <a:buAutoNum type="arabicPeriod"/>
             </a:pPr>
             <a:r>
-              <a:rPr lang="en-US" sz="2800" dirty="0" err="1">
+              <a:rPr lang="en-US" sz="2000" dirty="0" err="1">
                 <a:latin typeface="+mn-lt"/>
               </a:rPr>
               <a:t>Arubas</a:t>
             </a:r>
             <a:r>
-              <a:rPr lang="en-US" sz="2800" dirty="0">
+              <a:rPr lang="en-US" sz="2000" dirty="0">
                 <a:latin typeface="+mn-lt"/>
               </a:rPr>
               <a:t>, </a:t>
             </a:r>
             <a:r>
-              <a:rPr lang="en-US" sz="2800" dirty="0" err="1">
+              <a:rPr lang="en-US" sz="2000" dirty="0" err="1">
                 <a:latin typeface="+mn-lt"/>
               </a:rPr>
               <a:t>Eyal</a:t>
             </a:r>
             <a:r>
-              <a:rPr lang="en-US" sz="2800" dirty="0">
+              <a:rPr lang="en-US" sz="2000" dirty="0">
                 <a:latin typeface="+mn-lt"/>
               </a:rPr>
               <a:t>. "Face Detection and Recognition (Theory and Practice)." </a:t>
             </a:r>
             <a:r>
-              <a:rPr lang="en-US" sz="2800" i="1" dirty="0" err="1">
+              <a:rPr lang="en-US" sz="2000" i="1" dirty="0" err="1">
                 <a:latin typeface="+mn-lt"/>
               </a:rPr>
               <a:t>Eyal's</a:t>
             </a:r>
             <a:r>
-              <a:rPr lang="en-US" sz="2800" i="1" dirty="0">
+              <a:rPr lang="en-US" sz="2000" i="1" dirty="0">
                 <a:latin typeface="+mn-lt"/>
               </a:rPr>
               <a:t> Technical Blog</a:t>
             </a:r>
             <a:r>
-              <a:rPr lang="en-US" sz="2800" dirty="0">
+              <a:rPr lang="en-US" sz="2000" dirty="0">
                 <a:latin typeface="+mn-lt"/>
               </a:rPr>
               <a:t>. </a:t>
             </a:r>
             <a:r>
-              <a:rPr lang="en-US" sz="2800" dirty="0" err="1">
+              <a:rPr lang="en-US" sz="2000" dirty="0" err="1">
                 <a:latin typeface="+mn-lt"/>
               </a:rPr>
               <a:t>N.p</a:t>
             </a:r>
             <a:r>
-              <a:rPr lang="en-US" sz="2800" dirty="0">
+              <a:rPr lang="en-US" sz="2000" dirty="0">
                 <a:latin typeface="+mn-lt"/>
               </a:rPr>
               <a:t>., 6 Apr. 2013. Web. &lt;http://eyalarubas.com/face-detection-and-recognition.html</a:t>
             </a:r>
             <a:r>
-              <a:rPr lang="en-US" sz="2800" dirty="0" smtClean="0">
+              <a:rPr lang="en-US" sz="2000" dirty="0" smtClean="0">
                 <a:latin typeface="+mn-lt"/>
               </a:rPr>
               <a:t>&gt;.</a:t>
@@ -5003,19 +4983,19 @@
               <a:buAutoNum type="arabicPeriod"/>
             </a:pPr>
             <a:r>
-              <a:rPr lang="en-US" sz="2800" dirty="0"/>
+              <a:rPr lang="en-US" sz="2000" dirty="0"/>
               <a:t>Viola, Paul, and Michael J. Jones. "Robust Real-Time Face Detection." </a:t>
             </a:r>
             <a:r>
-              <a:rPr lang="en-US" sz="2800" i="1" dirty="0"/>
+              <a:rPr lang="en-US" sz="2000" i="1" dirty="0"/>
               <a:t>International Journal of Computer Vision</a:t>
             </a:r>
             <a:r>
-              <a:rPr lang="en-US" sz="2800" dirty="0"/>
+              <a:rPr lang="en-US" sz="2000" dirty="0"/>
               <a:t> 57.2 (2004): </a:t>
             </a:r>
             <a:r>
-              <a:rPr lang="en-US" sz="2800" dirty="0" smtClean="0"/>
+              <a:rPr lang="en-US" sz="2000" dirty="0" smtClean="0"/>
               <a:t>137-154.</a:t>
             </a:r>
           </a:p>
@@ -5024,18 +5004,78 @@
               <a:buAutoNum type="arabicPeriod"/>
             </a:pPr>
             <a:r>
-              <a:rPr lang="en-US" sz="2800" dirty="0"/>
+              <a:rPr lang="en-US" sz="2000" dirty="0"/>
               <a:t>Jensen, Ole </a:t>
             </a:r>
             <a:r>
-              <a:rPr lang="en-US" sz="2800" dirty="0" err="1"/>
+              <a:rPr lang="en-US" sz="2000" dirty="0" err="1"/>
               <a:t>Helvig</a:t>
             </a:r>
             <a:r>
-              <a:rPr lang="en-US" sz="2800" dirty="0"/>
-              <a:t>. "Implementing the Viola-Jones Face Detection Algorithm." Diss. Technical U of Denmark, 2008. Web.</a:t>
-            </a:r>
-            <a:endParaRPr lang="en-US" sz="2800" dirty="0" smtClean="0">
+              <a:rPr lang="en-US" sz="2000" dirty="0"/>
+              <a:t>. "Implementing the Viola-Jones Face Detection Algorithm." Diss. Technical U of Denmark, 2008. Web</a:t>
+            </a:r>
+            <a:r>
+              <a:rPr lang="en-US" sz="2000" dirty="0" smtClean="0"/>
+              <a:t>.</a:t>
+            </a:r>
+          </a:p>
+          <a:p>
+            <a:pPr marL="457200" indent="-457200">
+              <a:buAutoNum type="arabicPeriod"/>
+            </a:pPr>
+            <a:r>
+              <a:rPr lang="en-US" sz="2000" dirty="0" smtClean="0">
+                <a:latin typeface="+mn-lt"/>
+              </a:rPr>
+              <a:t>(</a:t>
+            </a:r>
+            <a:r>
+              <a:rPr lang="en-US" sz="2000" dirty="0" err="1" smtClean="0">
+                <a:latin typeface="+mn-lt"/>
+              </a:rPr>
+              <a:t>Origional</a:t>
+            </a:r>
+            <a:r>
+              <a:rPr lang="en-US" sz="2000" dirty="0" smtClean="0">
+                <a:latin typeface="+mn-lt"/>
+              </a:rPr>
+              <a:t> Data set)</a:t>
+            </a:r>
+          </a:p>
+          <a:p>
+            <a:pPr marL="457200" indent="-457200">
+              <a:buAutoNum type="arabicPeriod"/>
+            </a:pPr>
+            <a:r>
+              <a:rPr lang="en-US" sz="2000" dirty="0" smtClean="0">
+                <a:latin typeface="+mn-lt"/>
+              </a:rPr>
+              <a:t>NIST Mugshot Identification Database (MID)</a:t>
+            </a:r>
+          </a:p>
+          <a:p>
+            <a:pPr marL="457200" indent="-457200">
+              <a:buAutoNum type="arabicPeriod"/>
+            </a:pPr>
+            <a:r>
+              <a:rPr lang="en-US" sz="2000" dirty="0" smtClean="0">
+                <a:latin typeface="+mn-lt"/>
+              </a:rPr>
+              <a:t>Yale Face Database</a:t>
+            </a:r>
+          </a:p>
+          <a:p>
+            <a:pPr marL="457200" indent="-457200">
+              <a:buAutoNum type="arabicPeriod"/>
+            </a:pPr>
+            <a:r>
+              <a:rPr lang="en-US" sz="2000" dirty="0" smtClean="0">
+                <a:latin typeface="+mn-lt"/>
+              </a:rPr>
+              <a:t>AT&amp;T “The Database of Faces”</a:t>
+            </a:r>
+            <a:endParaRPr lang="en-US" sz="2000" dirty="0" smtClean="0">
               <a:latin typeface="+mn-lt"/>
             </a:endParaRPr>
           </a:p>
@@ -5050,7 +5090,7 @@
         <p:spPr>
           <a:xfrm>
             <a:off x="893009" y="8470825"/>
-            <a:ext cx="13065602" cy="6740307"/>
+            <a:ext cx="13065602" cy="6924973"/>
           </a:xfrm>
           <a:prstGeom prst="rect">
             <a:avLst/>
@@ -5064,103 +5104,103 @@
           <a:lstStyle/>
           <a:p>
             <a:r>
-              <a:rPr lang="en-US" sz="3600" dirty="0">
-                <a:latin typeface="Cambria" panose="02040503050406030204" pitchFamily="18" charset="0"/>
+              <a:rPr lang="en-US" sz="3700" dirty="0">
+                <a:latin typeface="Garamond" panose="02020404030301010803" pitchFamily="18" charset="0"/>
               </a:rPr>
               <a:t>We present our progress on the comparison of different image recognition algorithms. We studied large feature extraction with a variation of the Viola-Jones face detection algorithm. This algorithm attempts to identify faces by comparing them to certain “</a:t>
             </a:r>
             <a:r>
-              <a:rPr lang="en-US" sz="3600" b="1" dirty="0" err="1">
-                <a:latin typeface="Cambria" panose="02040503050406030204" pitchFamily="18" charset="0"/>
+              <a:rPr lang="en-US" sz="3700" b="1" dirty="0" err="1">
+                <a:latin typeface="Garamond" panose="02020404030301010803" pitchFamily="18" charset="0"/>
               </a:rPr>
               <a:t>Haar</a:t>
             </a:r>
             <a:r>
-              <a:rPr lang="en-US" sz="3600" b="1" dirty="0">
-                <a:latin typeface="Cambria" panose="02040503050406030204" pitchFamily="18" charset="0"/>
+              <a:rPr lang="en-US" sz="3700" b="1" dirty="0">
+                <a:latin typeface="Garamond" panose="02020404030301010803" pitchFamily="18" charset="0"/>
               </a:rPr>
               <a:t> features</a:t>
             </a:r>
             <a:r>
-              <a:rPr lang="en-US" sz="3600" dirty="0">
-                <a:latin typeface="Cambria" panose="02040503050406030204" pitchFamily="18" charset="0"/>
+              <a:rPr lang="en-US" sz="3700" dirty="0">
+                <a:latin typeface="Garamond" panose="02020404030301010803" pitchFamily="18" charset="0"/>
               </a:rPr>
               <a:t>.” The most useful features are selected by a training algorithm called </a:t>
             </a:r>
             <a:r>
-              <a:rPr lang="en-US" sz="3600" b="1" dirty="0" err="1">
-                <a:latin typeface="Cambria" panose="02040503050406030204" pitchFamily="18" charset="0"/>
+              <a:rPr lang="en-US" sz="3700" b="1" dirty="0" err="1">
+                <a:latin typeface="Garamond" panose="02020404030301010803" pitchFamily="18" charset="0"/>
               </a:rPr>
               <a:t>Adaboost</a:t>
             </a:r>
             <a:r>
-              <a:rPr lang="en-US" sz="3600" b="1" dirty="0">
-                <a:latin typeface="Cambria" panose="02040503050406030204" pitchFamily="18" charset="0"/>
+              <a:rPr lang="en-US" sz="3700" b="1" dirty="0">
+                <a:latin typeface="Garamond" panose="02020404030301010803" pitchFamily="18" charset="0"/>
               </a:rPr>
               <a:t>.</a:t>
             </a:r>
             <a:r>
-              <a:rPr lang="en-US" sz="3600" dirty="0">
-                <a:latin typeface="Cambria" panose="02040503050406030204" pitchFamily="18" charset="0"/>
+              <a:rPr lang="en-US" sz="3700" dirty="0">
+                <a:latin typeface="Garamond" panose="02020404030301010803" pitchFamily="18" charset="0"/>
               </a:rPr>
               <a:t> The detection time is then decreased through a specially trained “</a:t>
             </a:r>
             <a:r>
-              <a:rPr lang="en-US" sz="3600" b="1" dirty="0">
-                <a:latin typeface="Cambria" panose="02040503050406030204" pitchFamily="18" charset="0"/>
+              <a:rPr lang="en-US" sz="3700" b="1" dirty="0">
+                <a:latin typeface="Garamond" panose="02020404030301010803" pitchFamily="18" charset="0"/>
               </a:rPr>
               <a:t>cascaded classifier</a:t>
             </a:r>
             <a:r>
-              <a:rPr lang="en-US" sz="3600" dirty="0">
-                <a:latin typeface="Cambria" panose="02040503050406030204" pitchFamily="18" charset="0"/>
+              <a:rPr lang="en-US" sz="3700" dirty="0">
+                <a:latin typeface="Garamond" panose="02020404030301010803" pitchFamily="18" charset="0"/>
               </a:rPr>
               <a:t>.” In some initial tests, our version of this algorithm is able to identify faces with up to 98% </a:t>
             </a:r>
             <a:r>
-              <a:rPr lang="en-US" sz="3600" dirty="0" smtClean="0">
-                <a:latin typeface="Cambria" panose="02040503050406030204" pitchFamily="18" charset="0"/>
+              <a:rPr lang="en-US" sz="3700" dirty="0" smtClean="0">
+                <a:latin typeface="Garamond" panose="02020404030301010803" pitchFamily="18" charset="0"/>
               </a:rPr>
               <a:t>accuracy. </a:t>
             </a:r>
             <a:r>
-              <a:rPr lang="en-US" sz="3600" dirty="0">
-                <a:latin typeface="Cambria" panose="02040503050406030204" pitchFamily="18" charset="0"/>
+              <a:rPr lang="en-US" sz="3700" dirty="0">
+                <a:latin typeface="Garamond" panose="02020404030301010803" pitchFamily="18" charset="0"/>
               </a:rPr>
               <a:t>Small feature extraction was studied with </a:t>
             </a:r>
             <a:r>
-              <a:rPr lang="en-US" sz="3600" b="1" dirty="0">
-                <a:latin typeface="Cambria" panose="02040503050406030204" pitchFamily="18" charset="0"/>
+              <a:rPr lang="en-US" sz="3700" b="1" dirty="0">
+                <a:latin typeface="Garamond" panose="02020404030301010803" pitchFamily="18" charset="0"/>
               </a:rPr>
               <a:t>principal component analysis</a:t>
             </a:r>
             <a:r>
-              <a:rPr lang="en-US" sz="3600" dirty="0">
-                <a:latin typeface="Cambria" panose="02040503050406030204" pitchFamily="18" charset="0"/>
+              <a:rPr lang="en-US" sz="3700" dirty="0">
+                <a:latin typeface="Garamond" panose="02020404030301010803" pitchFamily="18" charset="0"/>
               </a:rPr>
               <a:t> and the </a:t>
             </a:r>
             <a:r>
-              <a:rPr lang="en-US" sz="3600" b="1" dirty="0">
-                <a:latin typeface="Cambria" panose="02040503050406030204" pitchFamily="18" charset="0"/>
+              <a:rPr lang="en-US" sz="3700" b="1" dirty="0">
+                <a:latin typeface="Garamond" panose="02020404030301010803" pitchFamily="18" charset="0"/>
               </a:rPr>
               <a:t>Weyl representation</a:t>
             </a:r>
             <a:r>
-              <a:rPr lang="en-US" sz="3600" dirty="0">
-                <a:latin typeface="Cambria" panose="02040503050406030204" pitchFamily="18" charset="0"/>
+              <a:rPr lang="en-US" sz="3700" dirty="0">
+                <a:latin typeface="Garamond" panose="02020404030301010803" pitchFamily="18" charset="0"/>
               </a:rPr>
               <a:t>. Our goal is to compare how these two algorithms perform at identifying cancerous cells</a:t>
             </a:r>
             <a:r>
-              <a:rPr lang="en-US" sz="3600" dirty="0" smtClean="0">
-                <a:latin typeface="Cambria" panose="02040503050406030204" pitchFamily="18" charset="0"/>
+              <a:rPr lang="en-US" sz="3700" dirty="0" smtClean="0">
+                <a:latin typeface="Garamond" panose="02020404030301010803" pitchFamily="18" charset="0"/>
               </a:rPr>
               <a:t>.</a:t>
             </a:r>
-            <a:endParaRPr lang="en-US" sz="3600" dirty="0">
-              <a:latin typeface="Cambria" panose="02040503050406030204" pitchFamily="18" charset="0"/>
+            <a:endParaRPr lang="en-US" sz="3700" dirty="0">
+              <a:latin typeface="Garamond" panose="02020404030301010803" pitchFamily="18" charset="0"/>
             </a:endParaRPr>
           </a:p>
         </p:txBody>
@@ -5173,8 +5213,8 @@
         </p:nvSpPr>
         <p:spPr>
           <a:xfrm>
-            <a:off x="14244609" y="28328361"/>
-            <a:ext cx="13626212" cy="1200150"/>
+            <a:off x="15452547" y="28735483"/>
+            <a:ext cx="10787114" cy="769441"/>
           </a:xfrm>
           <a:prstGeom prst="rect">
             <a:avLst/>
@@ -5193,16 +5233,16 @@
               <a:defRPr/>
             </a:pPr>
             <a:r>
-              <a:rPr lang="en-US" sz="7200" b="1" dirty="0" smtClean="0">
+              <a:rPr lang="en-US" sz="4400" b="1" dirty="0" smtClean="0">
                 <a:solidFill>
                   <a:schemeClr val="bg1"/>
                 </a:solidFill>
                 <a:latin typeface="+mj-lt"/>
                 <a:cs typeface="+mn-cs"/>
               </a:rPr>
-              <a:t>References </a:t>
-            </a:r>
-            <a:endParaRPr lang="en-US" sz="7200" b="1" dirty="0">
+              <a:t>References and Databases </a:t>
+            </a:r>
+            <a:endParaRPr lang="en-US" sz="4400" b="1" dirty="0">
               <a:solidFill>
                 <a:schemeClr val="bg1"/>
               </a:solidFill>
@@ -5220,7 +5260,7 @@
         </p:nvSpPr>
         <p:spPr>
           <a:xfrm>
-            <a:off x="28178299" y="22548009"/>
+            <a:off x="28237633" y="17509226"/>
             <a:ext cx="14306817" cy="1200329"/>
           </a:xfrm>
           <a:prstGeom prst="rect">
@@ -5345,7 +5385,7 @@
         </p:blipFill>
         <p:spPr>
           <a:xfrm>
-            <a:off x="880056" y="20945605"/>
+            <a:off x="893009" y="21427255"/>
             <a:ext cx="2517220" cy="4405135"/>
           </a:xfrm>
           <a:prstGeom prst="rect">
@@ -5375,7 +5415,7 @@
         </p:blipFill>
         <p:spPr>
           <a:xfrm>
-            <a:off x="3509276" y="20945605"/>
+            <a:off x="3438705" y="21427373"/>
             <a:ext cx="2517153" cy="4405017"/>
           </a:xfrm>
           <a:prstGeom prst="rect">
@@ -5405,7 +5445,7 @@
         </p:blipFill>
         <p:spPr>
           <a:xfrm>
-            <a:off x="6095020" y="20978021"/>
+            <a:off x="5955858" y="21427255"/>
             <a:ext cx="2530133" cy="4427733"/>
           </a:xfrm>
           <a:prstGeom prst="rect">
@@ -5421,7 +5461,7 @@
         </p:nvSpPr>
         <p:spPr>
           <a:xfrm>
-            <a:off x="8903476" y="21755468"/>
+            <a:off x="8981615" y="22610069"/>
             <a:ext cx="4556143" cy="2062103"/>
           </a:xfrm>
           <a:prstGeom prst="rect">
@@ -5449,11 +5489,7 @@
             </a:r>
             <a:r>
               <a:rPr lang="en-US" sz="3200" dirty="0" smtClean="0"/>
-              <a:t> features may be used to represent a face. </a:t>
-            </a:r>
-            <a:r>
-              <a:rPr lang="en-US" sz="3200" dirty="0" smtClean="0"/>
-              <a:t>[1]</a:t>
+              <a:t> features may be used to represent a face. [1]</a:t>
             </a:r>
             <a:endParaRPr lang="en-US" sz="3200" b="1" dirty="0"/>
           </a:p>
@@ -5467,8 +5503,8 @@
         </p:nvSpPr>
         <p:spPr>
           <a:xfrm>
-            <a:off x="893009" y="25771779"/>
-            <a:ext cx="12644749" cy="3970318"/>
+            <a:off x="893009" y="26767982"/>
+            <a:ext cx="12644749" cy="3508653"/>
           </a:xfrm>
           <a:prstGeom prst="rect">
             <a:avLst/>
@@ -5482,55 +5518,73 @@
           <a:lstStyle/>
           <a:p>
             <a:r>
-              <a:rPr lang="en-US" sz="3600" dirty="0" smtClean="0">
-                <a:latin typeface="Cambria" panose="02040503050406030204" pitchFamily="18" charset="0"/>
+              <a:rPr lang="en-US" sz="3700" dirty="0" smtClean="0">
+                <a:latin typeface="Garamond" panose="02020404030301010803" pitchFamily="18" charset="0"/>
               </a:rPr>
               <a:t>A face detection algorithm uses </a:t>
             </a:r>
             <a:r>
-              <a:rPr lang="en-US" sz="3600" dirty="0" err="1" smtClean="0">
-                <a:latin typeface="Cambria" panose="02040503050406030204" pitchFamily="18" charset="0"/>
+              <a:rPr lang="en-US" sz="3700" dirty="0" err="1" smtClean="0">
+                <a:latin typeface="Garamond" panose="02020404030301010803" pitchFamily="18" charset="0"/>
               </a:rPr>
               <a:t>Haar</a:t>
             </a:r>
             <a:r>
-              <a:rPr lang="en-US" sz="3600" dirty="0" smtClean="0">
-                <a:latin typeface="Cambria" panose="02040503050406030204" pitchFamily="18" charset="0"/>
+              <a:rPr lang="en-US" sz="3700" dirty="0" smtClean="0">
+                <a:latin typeface="Garamond" panose="02020404030301010803" pitchFamily="18" charset="0"/>
               </a:rPr>
-              <a:t> features to identify the large facial features. All of the </a:t>
-            </a:r>
-            <a:r>
-              <a:rPr lang="en-US" sz="3600" dirty="0" err="1" smtClean="0">
-                <a:latin typeface="Cambria" panose="02040503050406030204" pitchFamily="18" charset="0"/>
+              <a:t> features to </a:t>
+            </a:r>
+            <a:r>
+              <a:rPr lang="en-US" sz="3700" dirty="0" smtClean="0">
+                <a:latin typeface="Garamond" panose="02020404030301010803" pitchFamily="18" charset="0"/>
+              </a:rPr>
+              <a:t>identify </a:t>
+            </a:r>
+            <a:r>
+              <a:rPr lang="en-US" sz="3700" dirty="0" smtClean="0">
+                <a:latin typeface="Garamond" panose="02020404030301010803" pitchFamily="18" charset="0"/>
+              </a:rPr>
+              <a:t>large facial features. All of the </a:t>
+            </a:r>
+            <a:r>
+              <a:rPr lang="en-US" sz="3700" dirty="0" err="1" smtClean="0">
+                <a:latin typeface="Garamond" panose="02020404030301010803" pitchFamily="18" charset="0"/>
               </a:rPr>
               <a:t>Haar</a:t>
             </a:r>
             <a:r>
-              <a:rPr lang="en-US" sz="3600" dirty="0" smtClean="0">
-                <a:latin typeface="Cambria" panose="02040503050406030204" pitchFamily="18" charset="0"/>
+              <a:rPr lang="en-US" sz="3700" dirty="0" smtClean="0">
+                <a:latin typeface="Garamond" panose="02020404030301010803" pitchFamily="18" charset="0"/>
               </a:rPr>
-              <a:t> features necessary that are needed to identify a face may be derived by stretching and inverting the colors of the five features shown in figure 1</a:t>
-            </a:r>
-            <a:r>
-              <a:rPr lang="en-US" sz="3600" dirty="0" smtClean="0">
-                <a:latin typeface="Cambria" panose="02040503050406030204" pitchFamily="18" charset="0"/>
+              <a:t> </a:t>
+            </a:r>
+            <a:r>
+              <a:rPr lang="en-US" sz="3700" dirty="0" smtClean="0">
+                <a:latin typeface="Garamond" panose="02020404030301010803" pitchFamily="18" charset="0"/>
               </a:rPr>
-              <a:t>, In a typical face detection application there are about 160,000 different features to consider![2] To narrow this down to a reasonable number we use </a:t>
-            </a:r>
-            <a:r>
-              <a:rPr lang="en-US" sz="3600" dirty="0" err="1" smtClean="0">
-                <a:latin typeface="Cambria" panose="02040503050406030204" pitchFamily="18" charset="0"/>
+              <a:t>features </a:t>
+            </a:r>
+            <a:r>
+              <a:rPr lang="en-US" sz="3700" dirty="0" smtClean="0">
+                <a:latin typeface="Garamond" panose="02020404030301010803" pitchFamily="18" charset="0"/>
+              </a:rPr>
+              <a:t>that are needed to identify a face may be derived by stretching and inverting the colors of the five features shown in figure 1, In a typical face detection application there are about 160,000 different features to consider![2] To narrow this down to a reasonable number we use </a:t>
+            </a:r>
+            <a:r>
+              <a:rPr lang="en-US" sz="3700" b="1" dirty="0" err="1" smtClean="0">
+                <a:latin typeface="Garamond" panose="02020404030301010803" pitchFamily="18" charset="0"/>
               </a:rPr>
               <a:t>Adaboost</a:t>
             </a:r>
             <a:r>
-              <a:rPr lang="en-US" sz="3600" dirty="0" smtClean="0">
-                <a:latin typeface="Cambria" panose="02040503050406030204" pitchFamily="18" charset="0"/>
+              <a:rPr lang="en-US" sz="3700" dirty="0" smtClean="0">
+                <a:latin typeface="Garamond" panose="02020404030301010803" pitchFamily="18" charset="0"/>
               </a:rPr>
               <a:t>.</a:t>
             </a:r>
-            <a:endParaRPr lang="en-US" sz="3600" dirty="0">
-              <a:latin typeface="Cambria" panose="02040503050406030204" pitchFamily="18" charset="0"/>
+            <a:endParaRPr lang="en-US" sz="3700" dirty="0">
+              <a:latin typeface="Garamond" panose="02020404030301010803" pitchFamily="18" charset="0"/>
             </a:endParaRPr>
           </a:p>
         </p:txBody>
@@ -5546,7 +5600,7 @@
             <p:spPr>
               <a:xfrm>
                 <a:off x="14567183" y="8482411"/>
-                <a:ext cx="12710811" cy="11177162"/>
+                <a:ext cx="12710811" cy="10915552"/>
               </a:xfrm>
               <a:prstGeom prst="rect">
                 <a:avLst/>
@@ -5560,39 +5614,27 @@
               <a:lstStyle/>
               <a:p>
                 <a:r>
-                  <a:rPr lang="en-US" sz="3600" dirty="0" smtClean="0">
-                    <a:latin typeface="Cambria" panose="02040503050406030204" pitchFamily="18" charset="0"/>
+                  <a:rPr lang="en-US" sz="3700" dirty="0" smtClean="0">
+                    <a:latin typeface="Garamond" panose="02020404030301010803" pitchFamily="18" charset="0"/>
                   </a:rPr>
-                  <a:t>Adaboost</a:t>
+                  <a:t>Adaboost is a machine learning algorithm that selects the best features to identify faces with. One starts out with a large number of </a:t>
                 </a:r>
                 <a:r>
-                  <a:rPr lang="en-US" sz="3600" dirty="0" smtClean="0">
-                    <a:latin typeface="Cambria" panose="02040503050406030204" pitchFamily="18" charset="0"/>
-                  </a:rPr>
-                  <a:t> is a machine learning algorithm that selects the best features to identify faces with</a:t>
-                </a:r>
-                <a:r>
-                  <a:rPr lang="en-US" sz="3600" dirty="0" smtClean="0">
-                    <a:latin typeface="Cambria" panose="02040503050406030204" pitchFamily="18" charset="0"/>
-                  </a:rPr>
-                  <a:t>. One starts out with a large number of </a:t>
-                </a:r>
-                <a:r>
-                  <a:rPr lang="en-US" sz="3600" b="1" dirty="0" smtClean="0">
-                    <a:latin typeface="Cambria" panose="02040503050406030204" pitchFamily="18" charset="0"/>
+                  <a:rPr lang="en-US" sz="3700" b="1" dirty="0" smtClean="0">
+                    <a:latin typeface="Garamond" panose="02020404030301010803" pitchFamily="18" charset="0"/>
                   </a:rPr>
                   <a:t>weak classifiers</a:t>
                 </a:r>
                 <a:r>
-                  <a:rPr lang="en-US" sz="3600" dirty="0" smtClean="0">
-                    <a:latin typeface="Cambria" panose="02040503050406030204" pitchFamily="18" charset="0"/>
+                  <a:rPr lang="en-US" sz="3700" dirty="0" smtClean="0">
+                    <a:latin typeface="Garamond" panose="02020404030301010803" pitchFamily="18" charset="0"/>
                   </a:rPr>
                   <a:t>. A weak classifier is given by </a:t>
                 </a:r>
                 <a14:m>
                   <m:oMath xmlns:m="http://schemas.openxmlformats.org/officeDocument/2006/math">
                     <m:r>
-                      <a:rPr lang="en-US" sz="3600" b="0" i="1" smtClean="0">
+                      <a:rPr lang="en-US" sz="3700" b="0" i="1" smtClean="0">
                         <a:latin typeface="Cambria Math" panose="02040503050406030204" pitchFamily="18" charset="0"/>
                       </a:rPr>
                       <m:t>h</m:t>
@@ -5600,50 +5642,50 @@
                     <m:d>
                       <m:dPr>
                         <m:ctrlPr>
-                          <a:rPr lang="en-US" sz="3600" b="0" i="1" smtClean="0">
+                          <a:rPr lang="en-US" sz="3700" b="0" i="1" smtClean="0">
                             <a:latin typeface="Cambria Math" panose="02040503050406030204" pitchFamily="18" charset="0"/>
                           </a:rPr>
                         </m:ctrlPr>
                       </m:dPr>
                       <m:e>
                         <m:r>
-                          <a:rPr lang="en-US" sz="3600" b="0" i="1" smtClean="0">
+                          <a:rPr lang="en-US" sz="3700" b="0" i="1" smtClean="0">
                             <a:latin typeface="Cambria Math" panose="02040503050406030204" pitchFamily="18" charset="0"/>
                           </a:rPr>
                           <m:t>𝑥</m:t>
                         </m:r>
                         <m:r>
-                          <a:rPr lang="en-US" sz="3600" b="0" i="1" smtClean="0">
+                          <a:rPr lang="en-US" sz="3700" b="0" i="1" smtClean="0">
                             <a:latin typeface="Cambria Math" panose="02040503050406030204" pitchFamily="18" charset="0"/>
                           </a:rPr>
                           <m:t>,</m:t>
                         </m:r>
                         <m:r>
-                          <a:rPr lang="en-US" sz="3600" b="0" i="1" smtClean="0">
+                          <a:rPr lang="en-US" sz="3700" b="0" i="1" smtClean="0">
                             <a:latin typeface="Cambria Math" panose="02040503050406030204" pitchFamily="18" charset="0"/>
                           </a:rPr>
                           <m:t>𝑓</m:t>
                         </m:r>
                         <m:r>
-                          <a:rPr lang="en-US" sz="3600" b="0" i="1" smtClean="0">
+                          <a:rPr lang="en-US" sz="3700" b="0" i="1" smtClean="0">
                             <a:latin typeface="Cambria Math" panose="02040503050406030204" pitchFamily="18" charset="0"/>
                           </a:rPr>
                           <m:t>,</m:t>
                         </m:r>
                         <m:r>
-                          <a:rPr lang="en-US" sz="3600" b="0" i="1" smtClean="0">
+                          <a:rPr lang="en-US" sz="3700" b="0" i="1" smtClean="0">
                             <a:latin typeface="Cambria Math" panose="02040503050406030204" pitchFamily="18" charset="0"/>
                           </a:rPr>
                           <m:t>𝑝</m:t>
                         </m:r>
                         <m:r>
-                          <a:rPr lang="en-US" sz="3600" b="0" i="1" smtClean="0">
+                          <a:rPr lang="en-US" sz="3700" b="0" i="1" smtClean="0">
                             <a:latin typeface="Cambria Math" panose="02040503050406030204" pitchFamily="18" charset="0"/>
                           </a:rPr>
                           <m:t>,</m:t>
                         </m:r>
                         <m:r>
-                          <a:rPr lang="en-US" sz="3600" b="0" i="1" smtClean="0">
+                          <a:rPr lang="en-US" sz="3700" b="0" i="1" smtClean="0">
                             <a:latin typeface="Cambria Math" panose="02040503050406030204" pitchFamily="18" charset="0"/>
                             <a:ea typeface="Cambria Math" panose="02040503050406030204" pitchFamily="18" charset="0"/>
                           </a:rPr>
@@ -5652,28 +5694,28 @@
                       </m:e>
                     </m:d>
                     <m:r>
-                      <a:rPr lang="en-US" sz="3600" b="0" i="1" smtClean="0">
+                      <a:rPr lang="en-US" sz="3700" b="0" i="1" smtClean="0">
                         <a:latin typeface="Cambria Math" panose="02040503050406030204" pitchFamily="18" charset="0"/>
                         <a:ea typeface="Cambria Math" panose="02040503050406030204" pitchFamily="18" charset="0"/>
                       </a:rPr>
                       <m:t>=1 </m:t>
                     </m:r>
                     <m:r>
-                      <a:rPr lang="en-US" sz="3600" b="0" i="1" smtClean="0">
+                      <a:rPr lang="en-US" sz="3700" b="0" i="1" smtClean="0">
                         <a:latin typeface="Cambria Math" panose="02040503050406030204" pitchFamily="18" charset="0"/>
                         <a:ea typeface="Cambria Math" panose="02040503050406030204" pitchFamily="18" charset="0"/>
                       </a:rPr>
                       <m:t>𝑖𝑓</m:t>
                     </m:r>
                     <m:r>
-                      <a:rPr lang="en-US" sz="3600" b="0" i="1" smtClean="0">
+                      <a:rPr lang="en-US" sz="3700" b="0" i="1" smtClean="0">
                         <a:latin typeface="Cambria Math" panose="02040503050406030204" pitchFamily="18" charset="0"/>
                         <a:ea typeface="Cambria Math" panose="02040503050406030204" pitchFamily="18" charset="0"/>
                       </a:rPr>
                       <m:t> </m:t>
                     </m:r>
                     <m:r>
-                      <a:rPr lang="en-US" sz="3600" b="0" i="1" smtClean="0">
+                      <a:rPr lang="en-US" sz="3700" b="0" i="1" smtClean="0">
                         <a:latin typeface="Cambria Math" panose="02040503050406030204" pitchFamily="18" charset="0"/>
                         <a:ea typeface="Cambria Math" panose="02040503050406030204" pitchFamily="18" charset="0"/>
                       </a:rPr>
@@ -5682,7 +5724,7 @@
                     <m:d>
                       <m:dPr>
                         <m:ctrlPr>
-                          <a:rPr lang="en-US" sz="3600" b="0" i="1" smtClean="0">
+                          <a:rPr lang="en-US" sz="3700" b="0" i="1" smtClean="0">
                             <a:latin typeface="Cambria Math" panose="02040503050406030204" pitchFamily="18" charset="0"/>
                             <a:ea typeface="Cambria Math" panose="02040503050406030204" pitchFamily="18" charset="0"/>
                           </a:rPr>
@@ -5690,7 +5732,7 @@
                       </m:dPr>
                       <m:e>
                         <m:r>
-                          <a:rPr lang="en-US" sz="3600" b="0" i="1" smtClean="0">
+                          <a:rPr lang="en-US" sz="3700" b="0" i="1" smtClean="0">
                             <a:latin typeface="Cambria Math" panose="02040503050406030204" pitchFamily="18" charset="0"/>
                             <a:ea typeface="Cambria Math" panose="02040503050406030204" pitchFamily="18" charset="0"/>
                           </a:rPr>
@@ -5699,56 +5741,56 @@
                       </m:e>
                     </m:d>
                     <m:r>
-                      <a:rPr lang="en-US" sz="3600" b="0" i="1" smtClean="0">
+                      <a:rPr lang="en-US" sz="3700" b="0" i="1" smtClean="0">
                         <a:latin typeface="Cambria Math" panose="02040503050406030204" pitchFamily="18" charset="0"/>
                         <a:ea typeface="Cambria Math" panose="02040503050406030204" pitchFamily="18" charset="0"/>
                       </a:rPr>
                       <m:t>&lt;</m:t>
                     </m:r>
                     <m:r>
-                      <a:rPr lang="en-US" sz="3600" b="0" i="1" smtClean="0">
+                      <a:rPr lang="en-US" sz="3700" b="0" i="1" smtClean="0">
                         <a:latin typeface="Cambria Math" panose="02040503050406030204" pitchFamily="18" charset="0"/>
                         <a:ea typeface="Cambria Math" panose="02040503050406030204" pitchFamily="18" charset="0"/>
                       </a:rPr>
                       <m:t>𝑝</m:t>
                     </m:r>
                     <m:r>
-                      <a:rPr lang="en-US" sz="3600" b="0" i="1" smtClean="0">
+                      <a:rPr lang="en-US" sz="3700" b="0" i="1" smtClean="0">
                         <a:latin typeface="Cambria Math" panose="02040503050406030204" pitchFamily="18" charset="0"/>
                         <a:ea typeface="Cambria Math" panose="02040503050406030204" pitchFamily="18" charset="0"/>
                       </a:rPr>
                       <m:t>𝜃</m:t>
                     </m:r>
                     <m:r>
-                      <a:rPr lang="en-US" sz="3600" b="0" i="1" smtClean="0">
+                      <a:rPr lang="en-US" sz="3700" b="0" i="1" smtClean="0">
                         <a:latin typeface="Cambria Math" panose="02040503050406030204" pitchFamily="18" charset="0"/>
                         <a:ea typeface="Cambria Math" panose="02040503050406030204" pitchFamily="18" charset="0"/>
                       </a:rPr>
                       <m:t> </m:t>
                     </m:r>
                     <m:r>
-                      <a:rPr lang="en-US" sz="3600" b="0" i="1" smtClean="0">
+                      <a:rPr lang="en-US" sz="3700" b="0" i="1" smtClean="0">
                         <a:latin typeface="Cambria Math" panose="02040503050406030204" pitchFamily="18" charset="0"/>
                         <a:ea typeface="Cambria Math" panose="02040503050406030204" pitchFamily="18" charset="0"/>
                       </a:rPr>
                       <m:t>𝑎𝑛𝑑</m:t>
                     </m:r>
                     <m:r>
-                      <a:rPr lang="en-US" sz="3600" b="0" i="1" smtClean="0">
+                      <a:rPr lang="en-US" sz="3700" b="0" i="1" smtClean="0">
                         <a:latin typeface="Cambria Math" panose="02040503050406030204" pitchFamily="18" charset="0"/>
                         <a:ea typeface="Cambria Math" panose="02040503050406030204" pitchFamily="18" charset="0"/>
                       </a:rPr>
                       <m:t>=0 </m:t>
                     </m:r>
                     <m:r>
-                      <a:rPr lang="en-US" sz="3600" b="0" i="1" smtClean="0">
+                      <a:rPr lang="en-US" sz="3700" b="0" i="1" smtClean="0">
                         <a:latin typeface="Cambria Math" panose="02040503050406030204" pitchFamily="18" charset="0"/>
                         <a:ea typeface="Cambria Math" panose="02040503050406030204" pitchFamily="18" charset="0"/>
                       </a:rPr>
                       <m:t>𝑜𝑡h𝑒𝑟𝑤𝑖𝑠𝑒</m:t>
                     </m:r>
                     <m:r>
-                      <a:rPr lang="en-US" sz="3600" b="0" i="1" smtClean="0">
+                      <a:rPr lang="en-US" sz="3700" b="0" i="1" smtClean="0">
                         <a:latin typeface="Cambria Math" panose="02040503050406030204" pitchFamily="18" charset="0"/>
                         <a:ea typeface="Cambria Math" panose="02040503050406030204" pitchFamily="18" charset="0"/>
                       </a:rPr>
@@ -5757,15 +5799,15 @@
                   </m:oMath>
                 </a14:m>
                 <a:r>
-                  <a:rPr lang="en-US" sz="3600" dirty="0" smtClean="0">
-                    <a:latin typeface="Cambria" panose="02040503050406030204" pitchFamily="18" charset="0"/>
+                  <a:rPr lang="en-US" sz="3700" dirty="0" smtClean="0">
+                    <a:latin typeface="Garamond" panose="02020404030301010803" pitchFamily="18" charset="0"/>
                   </a:rPr>
                   <a:t> Where </a:t>
                 </a:r>
                 <a14:m>
                   <m:oMath xmlns:m="http://schemas.openxmlformats.org/officeDocument/2006/math">
                     <m:r>
-                      <a:rPr lang="en-US" sz="3600" b="0" i="1" smtClean="0">
+                      <a:rPr lang="en-US" sz="3700" b="0" i="1" smtClean="0">
                         <a:latin typeface="Cambria Math" panose="02040503050406030204" pitchFamily="18" charset="0"/>
                       </a:rPr>
                       <m:t>𝑥</m:t>
@@ -5773,15 +5815,15 @@
                   </m:oMath>
                 </a14:m>
                 <a:r>
-                  <a:rPr lang="en-US" sz="3600" dirty="0" smtClean="0">
-                    <a:latin typeface="Cambria" panose="02040503050406030204" pitchFamily="18" charset="0"/>
+                  <a:rPr lang="en-US" sz="3700" dirty="0" smtClean="0">
+                    <a:latin typeface="Garamond" panose="02020404030301010803" pitchFamily="18" charset="0"/>
                   </a:rPr>
                   <a:t> is an image, </a:t>
                 </a:r>
                 <a14:m>
                   <m:oMath xmlns:m="http://schemas.openxmlformats.org/officeDocument/2006/math">
                     <m:r>
-                      <a:rPr lang="en-US" sz="3600" b="0" i="1" smtClean="0">
+                      <a:rPr lang="en-US" sz="3700" b="0" i="1" smtClean="0">
                         <a:latin typeface="Cambria Math" panose="02040503050406030204" pitchFamily="18" charset="0"/>
                       </a:rPr>
                       <m:t>𝑓</m:t>
@@ -5789,27 +5831,27 @@
                   </m:oMath>
                 </a14:m>
                 <a:r>
-                  <a:rPr lang="en-US" sz="3600" dirty="0" smtClean="0">
-                    <a:latin typeface="Cambria" panose="02040503050406030204" pitchFamily="18" charset="0"/>
+                  <a:rPr lang="en-US" sz="3700" dirty="0" smtClean="0">
+                    <a:latin typeface="Garamond" panose="02020404030301010803" pitchFamily="18" charset="0"/>
                   </a:rPr>
                   <a:t> is a </a:t>
                 </a:r>
                 <a:r>
-                  <a:rPr lang="en-US" sz="3600" dirty="0" err="1" smtClean="0">
-                    <a:latin typeface="Cambria" panose="02040503050406030204" pitchFamily="18" charset="0"/>
+                  <a:rPr lang="en-US" sz="3700" dirty="0" err="1" smtClean="0">
+                    <a:latin typeface="Garamond" panose="02020404030301010803" pitchFamily="18" charset="0"/>
                   </a:rPr>
                   <a:t>Haar</a:t>
                 </a:r>
                 <a:r>
-                  <a:rPr lang="en-US" sz="3600" dirty="0" smtClean="0">
-                    <a:latin typeface="Cambria" panose="02040503050406030204" pitchFamily="18" charset="0"/>
+                  <a:rPr lang="en-US" sz="3700" dirty="0" smtClean="0">
+                    <a:latin typeface="Garamond" panose="02020404030301010803" pitchFamily="18" charset="0"/>
                   </a:rPr>
                   <a:t> feature, </a:t>
                 </a:r>
                 <a14:m>
                   <m:oMath xmlns:m="http://schemas.openxmlformats.org/officeDocument/2006/math">
                     <m:r>
-                      <a:rPr lang="en-US" sz="3600" b="0" i="1" smtClean="0">
+                      <a:rPr lang="en-US" sz="3700" b="0" i="1" smtClean="0">
                         <a:latin typeface="Cambria Math" panose="02040503050406030204" pitchFamily="18" charset="0"/>
                       </a:rPr>
                       <m:t>𝑝</m:t>
@@ -5817,15 +5859,15 @@
                   </m:oMath>
                 </a14:m>
                 <a:r>
-                  <a:rPr lang="en-US" sz="3600" dirty="0" smtClean="0">
-                    <a:latin typeface="Cambria" panose="02040503050406030204" pitchFamily="18" charset="0"/>
+                  <a:rPr lang="en-US" sz="3700" dirty="0" smtClean="0">
+                    <a:latin typeface="Garamond" panose="02020404030301010803" pitchFamily="18" charset="0"/>
                   </a:rPr>
                   <a:t> is a polarity that equals 1 or -1, </a:t>
                 </a:r>
                 <a14:m>
                   <m:oMath xmlns:m="http://schemas.openxmlformats.org/officeDocument/2006/math">
                     <m:r>
-                      <a:rPr lang="en-US" sz="3600" i="1" smtClean="0">
+                      <a:rPr lang="en-US" sz="3700" i="1" smtClean="0">
                         <a:latin typeface="Cambria Math" panose="02040503050406030204" pitchFamily="18" charset="0"/>
                         <a:ea typeface="Cambria Math" panose="02040503050406030204" pitchFamily="18" charset="0"/>
                       </a:rPr>
@@ -5834,15 +5876,15 @@
                   </m:oMath>
                 </a14:m>
                 <a:r>
-                  <a:rPr lang="en-US" sz="3600" dirty="0" smtClean="0">
-                    <a:latin typeface="Cambria" panose="02040503050406030204" pitchFamily="18" charset="0"/>
+                  <a:rPr lang="en-US" sz="3700" dirty="0" smtClean="0">
+                    <a:latin typeface="Garamond" panose="02020404030301010803" pitchFamily="18" charset="0"/>
                   </a:rPr>
                   <a:t> is a threshold, and </a:t>
                 </a:r>
                 <a14:m>
                   <m:oMath xmlns:m="http://schemas.openxmlformats.org/officeDocument/2006/math">
                     <m:r>
-                      <a:rPr lang="en-US" sz="3600" b="0" i="1" smtClean="0">
+                      <a:rPr lang="en-US" sz="3700" b="0" i="1" smtClean="0">
                         <a:latin typeface="Cambria Math" panose="02040503050406030204" pitchFamily="18" charset="0"/>
                       </a:rPr>
                       <m:t>𝑓</m:t>
@@ -5850,14 +5892,14 @@
                     <m:d>
                       <m:dPr>
                         <m:ctrlPr>
-                          <a:rPr lang="en-US" sz="3600" b="0" i="1" smtClean="0">
+                          <a:rPr lang="en-US" sz="3700" b="0" i="1" smtClean="0">
                             <a:latin typeface="Cambria Math" panose="02040503050406030204" pitchFamily="18" charset="0"/>
                           </a:rPr>
                         </m:ctrlPr>
                       </m:dPr>
                       <m:e>
                         <m:r>
-                          <a:rPr lang="en-US" sz="3600" b="0" i="1" smtClean="0">
+                          <a:rPr lang="en-US" sz="3700" b="0" i="1" smtClean="0">
                             <a:latin typeface="Cambria Math" panose="02040503050406030204" pitchFamily="18" charset="0"/>
                           </a:rPr>
                           <m:t>𝑥</m:t>
@@ -5867,76 +5909,64 @@
                   </m:oMath>
                 </a14:m>
                 <a:r>
-                  <a:rPr lang="en-US" sz="3600" dirty="0" smtClean="0">
-                    <a:latin typeface="Cambria" panose="02040503050406030204" pitchFamily="18" charset="0"/>
+                  <a:rPr lang="en-US" sz="3700" dirty="0" smtClean="0">
+                    <a:latin typeface="Garamond" panose="02020404030301010803" pitchFamily="18" charset="0"/>
                   </a:rPr>
-                  <a:t> is how well the feature matches the image. </a:t>
-                </a:r>
-                <a:r>
-                  <a:rPr lang="en-US" sz="3600" dirty="0" smtClean="0">
-                    <a:latin typeface="Cambria" panose="02040503050406030204" pitchFamily="18" charset="0"/>
-                  </a:rPr>
-                  <a:t>1 means there is a face and 0 means there is no face.</a:t>
-                </a:r>
-                <a:r>
-                  <a:rPr lang="en-US" sz="3600" dirty="0" smtClean="0">
-                    <a:latin typeface="Cambria" panose="02040503050406030204" pitchFamily="18" charset="0"/>
-                  </a:rPr>
-                  <a:t> A weak classier should be able to identify faces with slightly above 50% accuracy.  </a:t>
+                  <a:t> is how well the feature matches the image. 1 means there is a face and 0 means there is no face. A weak classier should be able to identify faces with slightly above 50% accuracy.  </a:t>
                 </a:r>
               </a:p>
               <a:p>
                 <a:r>
-                  <a:rPr lang="en-US" sz="3600" dirty="0" smtClean="0">
-                    <a:latin typeface="Cambria" panose="02040503050406030204" pitchFamily="18" charset="0"/>
+                  <a:rPr lang="en-US" sz="3700" dirty="0" smtClean="0">
+                    <a:latin typeface="Garamond" panose="02020404030301010803" pitchFamily="18" charset="0"/>
                   </a:rPr>
                   <a:t>	We want to create a </a:t>
                 </a:r>
                 <a:r>
-                  <a:rPr lang="en-US" sz="3600" b="1" dirty="0" smtClean="0">
-                    <a:latin typeface="Cambria" panose="02040503050406030204" pitchFamily="18" charset="0"/>
+                  <a:rPr lang="en-US" sz="3700" b="1" dirty="0" smtClean="0">
+                    <a:latin typeface="Garamond" panose="02020404030301010803" pitchFamily="18" charset="0"/>
                   </a:rPr>
                   <a:t>strong classifier</a:t>
                 </a:r>
                 <a:r>
-                  <a:rPr lang="en-US" sz="3600" dirty="0" smtClean="0">
-                    <a:latin typeface="Cambria" panose="02040503050406030204" pitchFamily="18" charset="0"/>
+                  <a:rPr lang="en-US" sz="3700" dirty="0" smtClean="0">
+                    <a:latin typeface="Garamond" panose="02020404030301010803" pitchFamily="18" charset="0"/>
                   </a:rPr>
                   <a:t>, basically a linear combination of the best weak classifiers which is more accurate than a single weak classifier.  To do this we use </a:t>
                 </a:r>
                 <a:r>
-                  <a:rPr lang="en-US" sz="3600" dirty="0" err="1" smtClean="0">
-                    <a:latin typeface="Cambria" panose="02040503050406030204" pitchFamily="18" charset="0"/>
+                  <a:rPr lang="en-US" sz="3700" b="1" dirty="0" err="1" smtClean="0">
+                    <a:latin typeface="Garamond" panose="02020404030301010803" pitchFamily="18" charset="0"/>
                   </a:rPr>
                   <a:t>Adaboost</a:t>
                 </a:r>
                 <a:r>
-                  <a:rPr lang="en-US" sz="3600" dirty="0" smtClean="0">
-                    <a:latin typeface="Cambria" panose="02040503050406030204" pitchFamily="18" charset="0"/>
+                  <a:rPr lang="en-US" sz="3700" dirty="0" smtClean="0">
+                    <a:latin typeface="Garamond" panose="02020404030301010803" pitchFamily="18" charset="0"/>
                   </a:rPr>
                   <a:t>, which runs for </a:t>
                 </a:r>
                 <a:r>
-                  <a:rPr lang="en-US" sz="3600" i="1" dirty="0" smtClean="0">
-                    <a:latin typeface="Cambria" panose="02040503050406030204" pitchFamily="18" charset="0"/>
+                  <a:rPr lang="en-US" sz="3700" i="1" dirty="0" smtClean="0">
+                    <a:latin typeface="Garamond" panose="02020404030301010803" pitchFamily="18" charset="0"/>
                   </a:rPr>
                   <a:t>T </a:t>
                 </a:r>
                 <a:r>
-                  <a:rPr lang="en-US" sz="3600" dirty="0" smtClean="0">
-                    <a:latin typeface="Cambria" panose="02040503050406030204" pitchFamily="18" charset="0"/>
+                  <a:rPr lang="en-US" sz="3700" dirty="0" smtClean="0">
+                    <a:latin typeface="Garamond" panose="02020404030301010803" pitchFamily="18" charset="0"/>
                   </a:rPr>
                   <a:t>training rounds. For </a:t>
                 </a:r>
                 <a:r>
-                  <a:rPr lang="en-US" sz="3600" i="1" dirty="0" smtClean="0">
-                    <a:latin typeface="Cambria" panose="02040503050406030204" pitchFamily="18" charset="0"/>
+                  <a:rPr lang="en-US" sz="3700" i="1" dirty="0" smtClean="0">
+                    <a:latin typeface="Garamond" panose="02020404030301010803" pitchFamily="18" charset="0"/>
                   </a:rPr>
                   <a:t>1 ≤ t ≤ T </a:t>
                 </a:r>
                 <a:r>
-                  <a:rPr lang="en-US" sz="3600" dirty="0" smtClean="0">
-                    <a:latin typeface="Cambria" panose="02040503050406030204" pitchFamily="18" charset="0"/>
+                  <a:rPr lang="en-US" sz="3700" dirty="0" smtClean="0">
+                    <a:latin typeface="Garamond" panose="02020404030301010803" pitchFamily="18" charset="0"/>
                   </a:rPr>
                   <a:t>we find the weak classifier which minimizes the weighted error: </a:t>
                 </a:r>
@@ -5945,14 +5975,14 @@
                     <m:sSub>
                       <m:sSubPr>
                         <m:ctrlPr>
-                          <a:rPr lang="en-US" sz="3600" i="1" smtClean="0">
+                          <a:rPr lang="en-US" sz="3700" i="1" smtClean="0">
                             <a:latin typeface="Cambria Math" panose="02040503050406030204" pitchFamily="18" charset="0"/>
                           </a:rPr>
                         </m:ctrlPr>
                       </m:sSubPr>
                       <m:e>
                         <m:r>
-                          <a:rPr lang="en-US" sz="3600" i="1" smtClean="0">
+                          <a:rPr lang="en-US" sz="3700" i="1" smtClean="0">
                             <a:latin typeface="Cambria Math" panose="02040503050406030204" pitchFamily="18" charset="0"/>
                             <a:ea typeface="Cambria Math" panose="02040503050406030204" pitchFamily="18" charset="0"/>
                           </a:rPr>
@@ -5961,7 +5991,7 @@
                       </m:e>
                       <m:sub>
                         <m:r>
-                          <a:rPr lang="en-US" sz="3600" b="0" i="1" smtClean="0">
+                          <a:rPr lang="en-US" sz="3700" b="0" i="1" smtClean="0">
                             <a:latin typeface="Cambria Math" panose="02040503050406030204" pitchFamily="18" charset="0"/>
                           </a:rPr>
                           <m:t>𝑡</m:t>
@@ -5969,7 +5999,7 @@
                       </m:sub>
                     </m:sSub>
                     <m:r>
-                      <a:rPr lang="en-US" sz="3600" b="0" i="1" smtClean="0">
+                      <a:rPr lang="en-US" sz="3700" b="0" i="1" smtClean="0">
                         <a:latin typeface="Cambria Math" panose="02040503050406030204" pitchFamily="18" charset="0"/>
                       </a:rPr>
                       <m:t>=</m:t>
@@ -5979,7 +6009,7 @@
                         <m:chr m:val="∑"/>
                         <m:supHide m:val="on"/>
                         <m:ctrlPr>
-                          <a:rPr lang="en-US" sz="3600" b="0" i="1" smtClean="0">
+                          <a:rPr lang="en-US" sz="3700" b="0" i="1" smtClean="0">
                             <a:latin typeface="Cambria Math" panose="02040503050406030204" pitchFamily="18" charset="0"/>
                           </a:rPr>
                         </m:ctrlPr>
@@ -5989,7 +6019,7 @@
                           <m:rPr>
                             <m:brk m:alnAt="7"/>
                           </m:rPr>
-                          <a:rPr lang="en-US" sz="3600" b="0" i="1" smtClean="0">
+                          <a:rPr lang="en-US" sz="3700" b="0" i="1" smtClean="0">
                             <a:latin typeface="Cambria Math" panose="02040503050406030204" pitchFamily="18" charset="0"/>
                           </a:rPr>
                           <m:t>𝑖</m:t>
@@ -6000,14 +6030,14 @@
                         <m:sSub>
                           <m:sSubPr>
                             <m:ctrlPr>
-                              <a:rPr lang="en-US" sz="3600" b="0" i="1" smtClean="0">
+                              <a:rPr lang="en-US" sz="3700" b="0" i="1" smtClean="0">
                                 <a:latin typeface="Cambria Math" panose="02040503050406030204" pitchFamily="18" charset="0"/>
                               </a:rPr>
                             </m:ctrlPr>
                           </m:sSubPr>
                           <m:e>
                             <m:r>
-                              <a:rPr lang="en-US" sz="3600" b="0" i="1" smtClean="0">
+                              <a:rPr lang="en-US" sz="3700" b="0" i="1" smtClean="0">
                                 <a:latin typeface="Cambria Math" panose="02040503050406030204" pitchFamily="18" charset="0"/>
                               </a:rPr>
                               <m:t>𝑤</m:t>
@@ -6015,7 +6045,7 @@
                           </m:e>
                           <m:sub>
                             <m:r>
-                              <a:rPr lang="en-US" sz="3600" b="0" i="1" smtClean="0">
+                              <a:rPr lang="en-US" sz="3700" b="0" i="1" smtClean="0">
                                 <a:latin typeface="Cambria Math" panose="02040503050406030204" pitchFamily="18" charset="0"/>
                               </a:rPr>
                               <m:t>𝑖</m:t>
@@ -6023,13 +6053,13 @@
                           </m:sub>
                         </m:sSub>
                         <m:r>
-                          <a:rPr lang="en-US" sz="3600" b="0" i="1" smtClean="0">
+                          <a:rPr lang="en-US" sz="3700" b="0" i="1" smtClean="0">
                             <a:latin typeface="Cambria Math" panose="02040503050406030204" pitchFamily="18" charset="0"/>
                           </a:rPr>
                           <m:t>|</m:t>
                         </m:r>
                         <m:r>
-                          <a:rPr lang="en-US" sz="3600" b="0" i="1" smtClean="0">
+                          <a:rPr lang="en-US" sz="3700" b="0" i="1" smtClean="0">
                             <a:latin typeface="Cambria Math" panose="02040503050406030204" pitchFamily="18" charset="0"/>
                           </a:rPr>
                           <m:t>h</m:t>
@@ -6037,7 +6067,7 @@
                         <m:d>
                           <m:dPr>
                             <m:ctrlPr>
-                              <a:rPr lang="en-US" sz="3600" b="0" i="1" smtClean="0">
+                              <a:rPr lang="en-US" sz="3700" b="0" i="1" smtClean="0">
                                 <a:latin typeface="Cambria Math" panose="02040503050406030204" pitchFamily="18" charset="0"/>
                               </a:rPr>
                             </m:ctrlPr>
@@ -6046,14 +6076,14 @@
                             <m:sSub>
                               <m:sSubPr>
                                 <m:ctrlPr>
-                                  <a:rPr lang="en-US" sz="3600" b="0" i="1" smtClean="0">
+                                  <a:rPr lang="en-US" sz="3700" b="0" i="1" smtClean="0">
                                     <a:latin typeface="Cambria Math" panose="02040503050406030204" pitchFamily="18" charset="0"/>
                                   </a:rPr>
                                 </m:ctrlPr>
                               </m:sSubPr>
                               <m:e>
                                 <m:r>
-                                  <a:rPr lang="en-US" sz="3600" b="0" i="1" smtClean="0">
+                                  <a:rPr lang="en-US" sz="3700" b="0" i="1" smtClean="0">
                                     <a:latin typeface="Cambria Math" panose="02040503050406030204" pitchFamily="18" charset="0"/>
                                   </a:rPr>
                                   <m:t>𝑥</m:t>
@@ -6061,7 +6091,7 @@
                               </m:e>
                               <m:sub>
                                 <m:r>
-                                  <a:rPr lang="en-US" sz="3600" b="0" i="1" smtClean="0">
+                                  <a:rPr lang="en-US" sz="3700" b="0" i="1" smtClean="0">
                                     <a:latin typeface="Cambria Math" panose="02040503050406030204" pitchFamily="18" charset="0"/>
                                   </a:rPr>
                                   <m:t>𝑖</m:t>
@@ -6069,7 +6099,7 @@
                               </m:sub>
                             </m:sSub>
                             <m:r>
-                              <a:rPr lang="en-US" sz="3600" b="0" i="1" smtClean="0">
+                              <a:rPr lang="en-US" sz="3700" b="0" i="1" smtClean="0">
                                 <a:latin typeface="Cambria Math" panose="02040503050406030204" pitchFamily="18" charset="0"/>
                               </a:rPr>
                               <m:t>,</m:t>
@@ -6077,14 +6107,14 @@
                             <m:sSub>
                               <m:sSubPr>
                                 <m:ctrlPr>
-                                  <a:rPr lang="en-US" sz="3600" b="0" i="1" smtClean="0">
+                                  <a:rPr lang="en-US" sz="3700" b="0" i="1" smtClean="0">
                                     <a:latin typeface="Cambria Math" panose="02040503050406030204" pitchFamily="18" charset="0"/>
                                   </a:rPr>
                                 </m:ctrlPr>
                               </m:sSubPr>
                               <m:e>
                                 <m:r>
-                                  <a:rPr lang="en-US" sz="3600" b="0" i="1" smtClean="0">
+                                  <a:rPr lang="en-US" sz="3700" b="0" i="1" smtClean="0">
                                     <a:latin typeface="Cambria Math" panose="02040503050406030204" pitchFamily="18" charset="0"/>
                                   </a:rPr>
                                   <m:t>𝑓</m:t>
@@ -6092,7 +6122,7 @@
                               </m:e>
                               <m:sub>
                                 <m:r>
-                                  <a:rPr lang="en-US" sz="3600" b="0" i="1" smtClean="0">
+                                  <a:rPr lang="en-US" sz="3700" b="0" i="1" smtClean="0">
                                     <a:latin typeface="Cambria Math" panose="02040503050406030204" pitchFamily="18" charset="0"/>
                                   </a:rPr>
                                   <m:t>𝑡</m:t>
@@ -6100,7 +6130,7 @@
                               </m:sub>
                             </m:sSub>
                             <m:r>
-                              <a:rPr lang="en-US" sz="3600" b="0" i="1" smtClean="0">
+                              <a:rPr lang="en-US" sz="3700" b="0" i="1" smtClean="0">
                                 <a:latin typeface="Cambria Math" panose="02040503050406030204" pitchFamily="18" charset="0"/>
                               </a:rPr>
                               <m:t>,</m:t>
@@ -6108,14 +6138,14 @@
                             <m:sSub>
                               <m:sSubPr>
                                 <m:ctrlPr>
-                                  <a:rPr lang="en-US" sz="3600" b="0" i="1" smtClean="0">
+                                  <a:rPr lang="en-US" sz="3700" b="0" i="1" smtClean="0">
                                     <a:latin typeface="Cambria Math" panose="02040503050406030204" pitchFamily="18" charset="0"/>
                                   </a:rPr>
                                 </m:ctrlPr>
                               </m:sSubPr>
                               <m:e>
                                 <m:r>
-                                  <a:rPr lang="en-US" sz="3600" b="0" i="1" smtClean="0">
+                                  <a:rPr lang="en-US" sz="3700" b="0" i="1" smtClean="0">
                                     <a:latin typeface="Cambria Math" panose="02040503050406030204" pitchFamily="18" charset="0"/>
                                   </a:rPr>
                                   <m:t>𝑝</m:t>
@@ -6123,7 +6153,7 @@
                               </m:e>
                               <m:sub>
                                 <m:r>
-                                  <a:rPr lang="en-US" sz="3600" b="0" i="1" smtClean="0">
+                                  <a:rPr lang="en-US" sz="3700" b="0" i="1" smtClean="0">
                                     <a:latin typeface="Cambria Math" panose="02040503050406030204" pitchFamily="18" charset="0"/>
                                   </a:rPr>
                                   <m:t>𝑡</m:t>
@@ -6131,7 +6161,7 @@
                               </m:sub>
                             </m:sSub>
                             <m:r>
-                              <a:rPr lang="en-US" sz="3600" b="0" i="1" smtClean="0">
+                              <a:rPr lang="en-US" sz="3700" b="0" i="1" smtClean="0">
                                 <a:latin typeface="Cambria Math" panose="02040503050406030204" pitchFamily="18" charset="0"/>
                               </a:rPr>
                               <m:t>,</m:t>
@@ -6139,14 +6169,14 @@
                             <m:sSub>
                               <m:sSubPr>
                                 <m:ctrlPr>
-                                  <a:rPr lang="en-US" sz="3600" b="0" i="1" smtClean="0">
+                                  <a:rPr lang="en-US" sz="3700" b="0" i="1" smtClean="0">
                                     <a:latin typeface="Cambria Math" panose="02040503050406030204" pitchFamily="18" charset="0"/>
                                   </a:rPr>
                                 </m:ctrlPr>
                               </m:sSubPr>
                               <m:e>
                                 <m:r>
-                                  <a:rPr lang="en-US" sz="3600" b="0" i="1" smtClean="0">
+                                  <a:rPr lang="en-US" sz="3700" b="0" i="1" smtClean="0">
                                     <a:latin typeface="Cambria Math" panose="02040503050406030204" pitchFamily="18" charset="0"/>
                                     <a:ea typeface="Cambria Math" panose="02040503050406030204" pitchFamily="18" charset="0"/>
                                   </a:rPr>
@@ -6155,7 +6185,7 @@
                               </m:e>
                               <m:sub>
                                 <m:r>
-                                  <a:rPr lang="en-US" sz="3600" b="0" i="1" smtClean="0">
+                                  <a:rPr lang="en-US" sz="3700" b="0" i="1" smtClean="0">
                                     <a:latin typeface="Cambria Math" panose="02040503050406030204" pitchFamily="18" charset="0"/>
                                   </a:rPr>
                                   <m:t>𝑡</m:t>
@@ -6165,7 +6195,7 @@
                           </m:e>
                         </m:d>
                         <m:r>
-                          <a:rPr lang="en-US" sz="3600" b="0" i="1" smtClean="0">
+                          <a:rPr lang="en-US" sz="3700" b="0" i="1" smtClean="0">
                             <a:latin typeface="Cambria Math" panose="02040503050406030204" pitchFamily="18" charset="0"/>
                           </a:rPr>
                           <m:t> − </m:t>
@@ -6173,14 +6203,14 @@
                         <m:sSub>
                           <m:sSubPr>
                             <m:ctrlPr>
-                              <a:rPr lang="en-US" sz="3600" b="0" i="1" smtClean="0">
+                              <a:rPr lang="en-US" sz="3700" b="0" i="1" smtClean="0">
                                 <a:latin typeface="Cambria Math" panose="02040503050406030204" pitchFamily="18" charset="0"/>
                               </a:rPr>
                             </m:ctrlPr>
                           </m:sSubPr>
                           <m:e>
                             <m:r>
-                              <a:rPr lang="en-US" sz="3600" b="0" i="1" smtClean="0">
+                              <a:rPr lang="en-US" sz="3700" b="0" i="1" smtClean="0">
                                 <a:latin typeface="Cambria Math" panose="02040503050406030204" pitchFamily="18" charset="0"/>
                               </a:rPr>
                               <m:t>𝑦</m:t>
@@ -6188,7 +6218,7 @@
                           </m:e>
                           <m:sub>
                             <m:r>
-                              <a:rPr lang="en-US" sz="3600" b="0" i="1" smtClean="0">
+                              <a:rPr lang="en-US" sz="3700" b="0" i="1" smtClean="0">
                                 <a:latin typeface="Cambria Math" panose="02040503050406030204" pitchFamily="18" charset="0"/>
                               </a:rPr>
                               <m:t>𝑖</m:t>
@@ -6196,7 +6226,7 @@
                           </m:sub>
                         </m:sSub>
                         <m:r>
-                          <a:rPr lang="en-US" sz="3600" b="0" i="1" smtClean="0">
+                          <a:rPr lang="en-US" sz="3700" b="0" i="1" smtClean="0">
                             <a:latin typeface="Cambria Math" panose="02040503050406030204" pitchFamily="18" charset="0"/>
                           </a:rPr>
                           <m:t>|</m:t>
@@ -6206,8 +6236,8 @@
                   </m:oMath>
                 </a14:m>
                 <a:r>
-                  <a:rPr lang="en-US" sz="3600" dirty="0" smtClean="0">
-                    <a:latin typeface="Cambria" panose="02040503050406030204" pitchFamily="18" charset="0"/>
+                  <a:rPr lang="en-US" sz="3700" dirty="0" smtClean="0">
+                    <a:latin typeface="Garamond" panose="02020404030301010803" pitchFamily="18" charset="0"/>
                   </a:rPr>
                   <a:t> where </a:t>
                 </a:r>
@@ -6216,14 +6246,14 @@
                     <m:sSub>
                       <m:sSubPr>
                         <m:ctrlPr>
-                          <a:rPr lang="en-US" sz="3600" i="1">
+                          <a:rPr lang="en-US" sz="3700" i="1">
                             <a:latin typeface="Cambria Math" panose="02040503050406030204" pitchFamily="18" charset="0"/>
                           </a:rPr>
                         </m:ctrlPr>
                       </m:sSubPr>
                       <m:e>
                         <m:r>
-                          <a:rPr lang="en-US" sz="3600" i="1">
+                          <a:rPr lang="en-US" sz="3700" i="1">
                             <a:latin typeface="Cambria Math" panose="02040503050406030204" pitchFamily="18" charset="0"/>
                           </a:rPr>
                           <m:t>𝑥</m:t>
@@ -6231,7 +6261,7 @@
                       </m:e>
                       <m:sub>
                         <m:r>
-                          <a:rPr lang="en-US" sz="3600" i="1">
+                          <a:rPr lang="en-US" sz="3700" i="1">
                             <a:latin typeface="Cambria Math" panose="02040503050406030204" pitchFamily="18" charset="0"/>
                           </a:rPr>
                           <m:t>𝑖</m:t>
@@ -6239,7 +6269,7 @@
                       </m:sub>
                     </m:sSub>
                     <m:r>
-                      <a:rPr lang="en-US" sz="3600" i="1">
+                      <a:rPr lang="en-US" sz="3700" i="1">
                         <a:latin typeface="Cambria Math" panose="02040503050406030204" pitchFamily="18" charset="0"/>
                       </a:rPr>
                       <m:t>,</m:t>
@@ -6247,14 +6277,14 @@
                     <m:sSub>
                       <m:sSubPr>
                         <m:ctrlPr>
-                          <a:rPr lang="en-US" sz="3600" i="1">
+                          <a:rPr lang="en-US" sz="3700" i="1">
                             <a:latin typeface="Cambria Math" panose="02040503050406030204" pitchFamily="18" charset="0"/>
                           </a:rPr>
                         </m:ctrlPr>
                       </m:sSubPr>
                       <m:e>
                         <m:r>
-                          <a:rPr lang="en-US" sz="3600" i="1">
+                          <a:rPr lang="en-US" sz="3700" i="1">
                             <a:latin typeface="Cambria Math" panose="02040503050406030204" pitchFamily="18" charset="0"/>
                           </a:rPr>
                           <m:t>𝑓</m:t>
@@ -6262,7 +6292,7 @@
                       </m:e>
                       <m:sub>
                         <m:r>
-                          <a:rPr lang="en-US" sz="3600" i="1">
+                          <a:rPr lang="en-US" sz="3700" i="1">
                             <a:latin typeface="Cambria Math" panose="02040503050406030204" pitchFamily="18" charset="0"/>
                           </a:rPr>
                           <m:t>𝑡</m:t>
@@ -6270,7 +6300,7 @@
                       </m:sub>
                     </m:sSub>
                     <m:r>
-                      <a:rPr lang="en-US" sz="3600" i="1">
+                      <a:rPr lang="en-US" sz="3700" i="1">
                         <a:latin typeface="Cambria Math" panose="02040503050406030204" pitchFamily="18" charset="0"/>
                       </a:rPr>
                       <m:t>,</m:t>
@@ -6278,14 +6308,14 @@
                     <m:sSub>
                       <m:sSubPr>
                         <m:ctrlPr>
-                          <a:rPr lang="en-US" sz="3600" i="1">
+                          <a:rPr lang="en-US" sz="3700" i="1">
                             <a:latin typeface="Cambria Math" panose="02040503050406030204" pitchFamily="18" charset="0"/>
                           </a:rPr>
                         </m:ctrlPr>
                       </m:sSubPr>
                       <m:e>
                         <m:r>
-                          <a:rPr lang="en-US" sz="3600" i="1">
+                          <a:rPr lang="en-US" sz="3700" i="1">
                             <a:latin typeface="Cambria Math" panose="02040503050406030204" pitchFamily="18" charset="0"/>
                           </a:rPr>
                           <m:t>𝑝</m:t>
@@ -6293,7 +6323,7 @@
                       </m:e>
                       <m:sub>
                         <m:r>
-                          <a:rPr lang="en-US" sz="3600" i="1">
+                          <a:rPr lang="en-US" sz="3700" i="1">
                             <a:latin typeface="Cambria Math" panose="02040503050406030204" pitchFamily="18" charset="0"/>
                           </a:rPr>
                           <m:t>𝑡</m:t>
@@ -6303,8 +6333,8 @@
                   </m:oMath>
                 </a14:m>
                 <a:r>
-                  <a:rPr lang="en-US" sz="3600" dirty="0" smtClean="0">
-                    <a:latin typeface="Cambria" panose="02040503050406030204" pitchFamily="18" charset="0"/>
+                  <a:rPr lang="en-US" sz="3700" dirty="0" smtClean="0">
+                    <a:latin typeface="Garamond" panose="02020404030301010803" pitchFamily="18" charset="0"/>
                   </a:rPr>
                   <a:t> minimize </a:t>
                 </a:r>
@@ -6313,14 +6343,14 @@
                     <m:sSub>
                       <m:sSubPr>
                         <m:ctrlPr>
-                          <a:rPr lang="en-US" sz="3600" i="1">
+                          <a:rPr lang="en-US" sz="3700" i="1">
                             <a:latin typeface="Cambria Math" panose="02040503050406030204" pitchFamily="18" charset="0"/>
                           </a:rPr>
                         </m:ctrlPr>
                       </m:sSubPr>
                       <m:e>
                         <m:r>
-                          <a:rPr lang="en-US" sz="3600" i="1">
+                          <a:rPr lang="en-US" sz="3700" i="1">
                             <a:latin typeface="Cambria Math" panose="02040503050406030204" pitchFamily="18" charset="0"/>
                             <a:ea typeface="Cambria Math" panose="02040503050406030204" pitchFamily="18" charset="0"/>
                           </a:rPr>
@@ -6329,7 +6359,7 @@
                       </m:e>
                       <m:sub>
                         <m:r>
-                          <a:rPr lang="en-US" sz="3600" i="1">
+                          <a:rPr lang="en-US" sz="3700" i="1">
                             <a:latin typeface="Cambria Math" panose="02040503050406030204" pitchFamily="18" charset="0"/>
                           </a:rPr>
                           <m:t>𝑡</m:t>
@@ -6339,78 +6369,72 @@
                   </m:oMath>
                 </a14:m>
                 <a:r>
-                  <a:rPr lang="en-US" sz="3600" dirty="0" smtClean="0">
-                    <a:latin typeface="Cambria" panose="02040503050406030204" pitchFamily="18" charset="0"/>
+                  <a:rPr lang="en-US" sz="3700" dirty="0" smtClean="0">
+                    <a:latin typeface="Garamond" panose="02020404030301010803" pitchFamily="18" charset="0"/>
                   </a:rPr>
                   <a:t>, and </a:t>
                 </a:r>
                 <a:r>
-                  <a:rPr lang="en-US" sz="3600" i="1" dirty="0" err="1" smtClean="0">
-                    <a:latin typeface="Cambria" panose="02040503050406030204" pitchFamily="18" charset="0"/>
+                  <a:rPr lang="en-US" sz="3700" i="1" dirty="0" err="1" smtClean="0">
+                    <a:latin typeface="Garamond" panose="02020404030301010803" pitchFamily="18" charset="0"/>
                   </a:rPr>
                   <a:t>y</a:t>
                 </a:r>
                 <a:r>
-                  <a:rPr lang="en-US" sz="3600" i="1" baseline="-25000" dirty="0" err="1" smtClean="0">
-                    <a:latin typeface="Cambria" panose="02040503050406030204" pitchFamily="18" charset="0"/>
+                  <a:rPr lang="en-US" sz="3700" i="1" baseline="-25000" dirty="0" err="1" smtClean="0">
+                    <a:latin typeface="Garamond" panose="02020404030301010803" pitchFamily="18" charset="0"/>
                   </a:rPr>
                   <a:t>i</a:t>
                 </a:r>
                 <a:r>
-                  <a:rPr lang="en-US" sz="3600" i="1" dirty="0" smtClean="0">
-                    <a:latin typeface="Cambria" panose="02040503050406030204" pitchFamily="18" charset="0"/>
+                  <a:rPr lang="en-US" sz="3700" i="1" dirty="0" smtClean="0">
+                    <a:latin typeface="Garamond" panose="02020404030301010803" pitchFamily="18" charset="0"/>
                   </a:rPr>
                   <a:t>=1,0 </a:t>
                 </a:r>
                 <a:r>
-                  <a:rPr lang="en-US" sz="3600" dirty="0" smtClean="0">
-                    <a:latin typeface="Cambria" panose="02040503050406030204" pitchFamily="18" charset="0"/>
+                  <a:rPr lang="en-US" sz="3700" dirty="0" smtClean="0">
+                    <a:latin typeface="Garamond" panose="02020404030301010803" pitchFamily="18" charset="0"/>
                   </a:rPr>
                   <a:t>faces and non-faces respectively. The weights </a:t>
                 </a:r>
                 <a:r>
-                  <a:rPr lang="en-US" sz="3600" i="1" dirty="0" err="1" smtClean="0">
-                    <a:latin typeface="Cambria" panose="02040503050406030204" pitchFamily="18" charset="0"/>
+                  <a:rPr lang="en-US" sz="3700" i="1" dirty="0" err="1" smtClean="0">
+                    <a:latin typeface="Garamond" panose="02020404030301010803" pitchFamily="18" charset="0"/>
                   </a:rPr>
                   <a:t>w</a:t>
                 </a:r>
                 <a:r>
-                  <a:rPr lang="en-US" sz="3600" i="1" baseline="-25000" dirty="0" err="1" smtClean="0">
-                    <a:latin typeface="Cambria" panose="02040503050406030204" pitchFamily="18" charset="0"/>
+                  <a:rPr lang="en-US" sz="3700" i="1" baseline="-25000" dirty="0" err="1" smtClean="0">
+                    <a:latin typeface="Garamond" panose="02020404030301010803" pitchFamily="18" charset="0"/>
                   </a:rPr>
                   <a:t>i</a:t>
                 </a:r>
                 <a:r>
-                  <a:rPr lang="en-US" sz="3600" dirty="0">
-                    <a:latin typeface="Cambria" panose="02040503050406030204" pitchFamily="18" charset="0"/>
+                  <a:rPr lang="en-US" sz="3700" dirty="0">
+                    <a:latin typeface="Garamond" panose="02020404030301010803" pitchFamily="18" charset="0"/>
                   </a:rPr>
                   <a:t> </a:t>
                 </a:r>
                 <a:r>
-                  <a:rPr lang="en-US" sz="3600" dirty="0" smtClean="0">
-                    <a:latin typeface="Cambria" panose="02040503050406030204" pitchFamily="18" charset="0"/>
+                  <a:rPr lang="en-US" sz="3700" dirty="0" smtClean="0">
+                    <a:latin typeface="Garamond" panose="02020404030301010803" pitchFamily="18" charset="0"/>
                   </a:rPr>
-                  <a:t>are updated for the next training round.</a:t>
-                </a:r>
-                <a:r>
-                  <a:rPr lang="en-US" sz="3600" dirty="0" smtClean="0">
-                    <a:latin typeface="Cambria" panose="02040503050406030204" pitchFamily="18" charset="0"/>
-                  </a:rPr>
-                  <a:t> We define </a:t>
+                  <a:t>are updated for the next training round. We define </a:t>
                 </a:r>
                 <a14:m>
                   <m:oMath xmlns:m="http://schemas.openxmlformats.org/officeDocument/2006/math">
                     <m:sSub>
                       <m:sSubPr>
                         <m:ctrlPr>
-                          <a:rPr lang="en-US" sz="3600" i="1" smtClean="0">
+                          <a:rPr lang="en-US" sz="3700" i="1" smtClean="0">
                             <a:latin typeface="Cambria Math" panose="02040503050406030204" pitchFamily="18" charset="0"/>
                           </a:rPr>
                         </m:ctrlPr>
                       </m:sSubPr>
                       <m:e>
                         <m:r>
-                          <a:rPr lang="en-US" sz="3600" b="0" i="1" smtClean="0">
+                          <a:rPr lang="en-US" sz="3700" b="0" i="1" smtClean="0">
                             <a:latin typeface="Cambria Math" panose="02040503050406030204" pitchFamily="18" charset="0"/>
                           </a:rPr>
                           <m:t>h</m:t>
@@ -6418,7 +6442,7 @@
                       </m:e>
                       <m:sub>
                         <m:r>
-                          <a:rPr lang="en-US" sz="3600" b="0" i="1" smtClean="0">
+                          <a:rPr lang="en-US" sz="3700" b="0" i="1" smtClean="0">
                             <a:latin typeface="Cambria Math" panose="02040503050406030204" pitchFamily="18" charset="0"/>
                           </a:rPr>
                           <m:t>𝑡</m:t>
@@ -6428,14 +6452,14 @@
                     <m:d>
                       <m:dPr>
                         <m:ctrlPr>
-                          <a:rPr lang="en-US" sz="3600" b="0" i="1" smtClean="0">
+                          <a:rPr lang="en-US" sz="3700" b="0" i="1" smtClean="0">
                             <a:latin typeface="Cambria Math" panose="02040503050406030204" pitchFamily="18" charset="0"/>
                           </a:rPr>
                         </m:ctrlPr>
                       </m:dPr>
                       <m:e>
                         <m:r>
-                          <a:rPr lang="en-US" sz="3600" b="0" i="1" smtClean="0">
+                          <a:rPr lang="en-US" sz="3700" b="0" i="1" smtClean="0">
                             <a:latin typeface="Cambria Math" panose="02040503050406030204" pitchFamily="18" charset="0"/>
                           </a:rPr>
                           <m:t>𝑥</m:t>
@@ -6443,13 +6467,13 @@
                       </m:e>
                     </m:d>
                     <m:r>
-                      <a:rPr lang="en-US" sz="3600" i="1">
+                      <a:rPr lang="en-US" sz="3700" i="1">
                         <a:latin typeface="Cambria Math" panose="02040503050406030204" pitchFamily="18" charset="0"/>
                       </a:rPr>
                       <m:t>=</m:t>
                     </m:r>
                     <m:r>
-                      <a:rPr lang="en-US" sz="3600" i="1">
+                      <a:rPr lang="en-US" sz="3700" i="1">
                         <a:latin typeface="Cambria Math" panose="02040503050406030204" pitchFamily="18" charset="0"/>
                       </a:rPr>
                       <m:t>h</m:t>
@@ -6457,20 +6481,20 @@
                     <m:d>
                       <m:dPr>
                         <m:ctrlPr>
-                          <a:rPr lang="en-US" sz="3600" i="1">
+                          <a:rPr lang="en-US" sz="3700" i="1">
                             <a:latin typeface="Cambria Math" panose="02040503050406030204" pitchFamily="18" charset="0"/>
                           </a:rPr>
                         </m:ctrlPr>
                       </m:dPr>
                       <m:e>
                         <m:r>
-                          <a:rPr lang="en-US" sz="3600" b="0" i="1" smtClean="0">
+                          <a:rPr lang="en-US" sz="3700" b="0" i="1" smtClean="0">
                             <a:latin typeface="Cambria Math" panose="02040503050406030204" pitchFamily="18" charset="0"/>
                           </a:rPr>
                           <m:t>𝑥</m:t>
                         </m:r>
                         <m:r>
-                          <a:rPr lang="en-US" sz="3600" i="1">
+                          <a:rPr lang="en-US" sz="3700" i="1">
                             <a:latin typeface="Cambria Math" panose="02040503050406030204" pitchFamily="18" charset="0"/>
                           </a:rPr>
                           <m:t>,</m:t>
@@ -6478,14 +6502,14 @@
                         <m:sSub>
                           <m:sSubPr>
                             <m:ctrlPr>
-                              <a:rPr lang="en-US" sz="3600" i="1">
+                              <a:rPr lang="en-US" sz="3700" i="1">
                                 <a:latin typeface="Cambria Math" panose="02040503050406030204" pitchFamily="18" charset="0"/>
                               </a:rPr>
                             </m:ctrlPr>
                           </m:sSubPr>
                           <m:e>
                             <m:r>
-                              <a:rPr lang="en-US" sz="3600" i="1">
+                              <a:rPr lang="en-US" sz="3700" i="1">
                                 <a:latin typeface="Cambria Math" panose="02040503050406030204" pitchFamily="18" charset="0"/>
                               </a:rPr>
                               <m:t>𝑓</m:t>
@@ -6493,7 +6517,7 @@
                           </m:e>
                           <m:sub>
                             <m:r>
-                              <a:rPr lang="en-US" sz="3600" i="1">
+                              <a:rPr lang="en-US" sz="3700" i="1">
                                 <a:latin typeface="Cambria Math" panose="02040503050406030204" pitchFamily="18" charset="0"/>
                               </a:rPr>
                               <m:t>𝑡</m:t>
@@ -6501,7 +6525,7 @@
                           </m:sub>
                         </m:sSub>
                         <m:r>
-                          <a:rPr lang="en-US" sz="3600" i="1">
+                          <a:rPr lang="en-US" sz="3700" i="1">
                             <a:latin typeface="Cambria Math" panose="02040503050406030204" pitchFamily="18" charset="0"/>
                           </a:rPr>
                           <m:t>,</m:t>
@@ -6509,14 +6533,14 @@
                         <m:sSub>
                           <m:sSubPr>
                             <m:ctrlPr>
-                              <a:rPr lang="en-US" sz="3600" i="1">
+                              <a:rPr lang="en-US" sz="3700" i="1">
                                 <a:latin typeface="Cambria Math" panose="02040503050406030204" pitchFamily="18" charset="0"/>
                               </a:rPr>
                             </m:ctrlPr>
                           </m:sSubPr>
                           <m:e>
                             <m:r>
-                              <a:rPr lang="en-US" sz="3600" i="1">
+                              <a:rPr lang="en-US" sz="3700" i="1">
                                 <a:latin typeface="Cambria Math" panose="02040503050406030204" pitchFamily="18" charset="0"/>
                               </a:rPr>
                               <m:t>𝑝</m:t>
@@ -6524,7 +6548,7 @@
                           </m:e>
                           <m:sub>
                             <m:r>
-                              <a:rPr lang="en-US" sz="3600" i="1">
+                              <a:rPr lang="en-US" sz="3700" i="1">
                                 <a:latin typeface="Cambria Math" panose="02040503050406030204" pitchFamily="18" charset="0"/>
                               </a:rPr>
                               <m:t>𝑡</m:t>
@@ -6532,7 +6556,7 @@
                           </m:sub>
                         </m:sSub>
                         <m:r>
-                          <a:rPr lang="en-US" sz="3600" i="1">
+                          <a:rPr lang="en-US" sz="3700" i="1">
                             <a:latin typeface="Cambria Math" panose="02040503050406030204" pitchFamily="18" charset="0"/>
                           </a:rPr>
                           <m:t>,</m:t>
@@ -6540,14 +6564,14 @@
                         <m:sSub>
                           <m:sSubPr>
                             <m:ctrlPr>
-                              <a:rPr lang="en-US" sz="3600" i="1">
+                              <a:rPr lang="en-US" sz="3700" i="1">
                                 <a:latin typeface="Cambria Math" panose="02040503050406030204" pitchFamily="18" charset="0"/>
                               </a:rPr>
                             </m:ctrlPr>
                           </m:sSubPr>
                           <m:e>
                             <m:r>
-                              <a:rPr lang="en-US" sz="3600" i="1">
+                              <a:rPr lang="en-US" sz="3700" i="1">
                                 <a:latin typeface="Cambria Math" panose="02040503050406030204" pitchFamily="18" charset="0"/>
                                 <a:ea typeface="Cambria Math" panose="02040503050406030204" pitchFamily="18" charset="0"/>
                               </a:rPr>
@@ -6556,7 +6580,7 @@
                           </m:e>
                           <m:sub>
                             <m:r>
-                              <a:rPr lang="en-US" sz="3600" i="1">
+                              <a:rPr lang="en-US" sz="3700" i="1">
                                 <a:latin typeface="Cambria Math" panose="02040503050406030204" pitchFamily="18" charset="0"/>
                               </a:rPr>
                               <m:t>𝑡</m:t>
@@ -6568,8 +6592,8 @@
                   </m:oMath>
                 </a14:m>
                 <a:r>
-                  <a:rPr lang="en-US" sz="3600" dirty="0" smtClean="0">
-                    <a:latin typeface="Cambria" panose="02040503050406030204" pitchFamily="18" charset="0"/>
+                  <a:rPr lang="en-US" sz="3700" dirty="0" smtClean="0">
+                    <a:latin typeface="Garamond" panose="02020404030301010803" pitchFamily="18" charset="0"/>
                   </a:rPr>
                   <a:t> and </a:t>
                 </a:r>
@@ -6578,14 +6602,14 @@
                     <m:sSub>
                       <m:sSubPr>
                         <m:ctrlPr>
-                          <a:rPr lang="en-US" sz="3600" i="1" smtClean="0">
+                          <a:rPr lang="en-US" sz="3700" i="1" smtClean="0">
                             <a:latin typeface="Cambria Math" panose="02040503050406030204" pitchFamily="18" charset="0"/>
                           </a:rPr>
                         </m:ctrlPr>
                       </m:sSubPr>
                       <m:e>
                         <m:r>
-                          <a:rPr lang="en-US" sz="3600" i="1" smtClean="0">
+                          <a:rPr lang="en-US" sz="3700" i="1" smtClean="0">
                             <a:latin typeface="Cambria Math" panose="02040503050406030204" pitchFamily="18" charset="0"/>
                             <a:ea typeface="Cambria Math" panose="02040503050406030204" pitchFamily="18" charset="0"/>
                           </a:rPr>
@@ -6594,7 +6618,7 @@
                       </m:e>
                       <m:sub>
                         <m:r>
-                          <a:rPr lang="en-US" sz="3600" b="0" i="1" smtClean="0">
+                          <a:rPr lang="en-US" sz="3700" b="0" i="1" smtClean="0">
                             <a:latin typeface="Cambria Math" panose="02040503050406030204" pitchFamily="18" charset="0"/>
                           </a:rPr>
                           <m:t>𝑡</m:t>
@@ -6602,13 +6626,13 @@
                       </m:sub>
                     </m:sSub>
                     <m:r>
-                      <a:rPr lang="en-US" sz="3600" b="0" i="1" smtClean="0">
+                      <a:rPr lang="en-US" sz="3700" b="0" i="1" smtClean="0">
                         <a:latin typeface="Cambria Math" panose="02040503050406030204" pitchFamily="18" charset="0"/>
                       </a:rPr>
                       <m:t>=</m:t>
                     </m:r>
                     <m:r>
-                      <a:rPr lang="en-US" sz="3600" b="0" i="1" smtClean="0">
+                      <a:rPr lang="en-US" sz="3700" b="0" i="1" smtClean="0">
                         <a:latin typeface="Cambria Math" panose="02040503050406030204" pitchFamily="18" charset="0"/>
                       </a:rPr>
                       <m:t>𝑙𝑜𝑔</m:t>
@@ -6616,7 +6640,7 @@
                     <m:d>
                       <m:dPr>
                         <m:ctrlPr>
-                          <a:rPr lang="en-US" sz="3600" b="0" i="1" smtClean="0">
+                          <a:rPr lang="en-US" sz="3700" b="0" i="1" smtClean="0">
                             <a:latin typeface="Cambria Math" panose="02040503050406030204" pitchFamily="18" charset="0"/>
                           </a:rPr>
                         </m:ctrlPr>
@@ -6625,14 +6649,14 @@
                         <m:f>
                           <m:fPr>
                             <m:ctrlPr>
-                              <a:rPr lang="en-US" sz="3600" b="0" i="1" smtClean="0">
+                              <a:rPr lang="en-US" sz="3700" b="0" i="1" smtClean="0">
                                 <a:latin typeface="Cambria Math" panose="02040503050406030204" pitchFamily="18" charset="0"/>
                               </a:rPr>
                             </m:ctrlPr>
                           </m:fPr>
                           <m:num>
                             <m:r>
-                              <a:rPr lang="en-US" sz="3600" b="0" i="1" smtClean="0">
+                              <a:rPr lang="en-US" sz="3700" b="0" i="1" smtClean="0">
                                 <a:latin typeface="Cambria Math" panose="02040503050406030204" pitchFamily="18" charset="0"/>
                               </a:rPr>
                               <m:t>1−</m:t>
@@ -6640,14 +6664,14 @@
                             <m:sSub>
                               <m:sSubPr>
                                 <m:ctrlPr>
-                                  <a:rPr lang="en-US" sz="3600" b="0" i="1" smtClean="0">
+                                  <a:rPr lang="en-US" sz="3700" b="0" i="1" smtClean="0">
                                     <a:latin typeface="Cambria Math" panose="02040503050406030204" pitchFamily="18" charset="0"/>
                                   </a:rPr>
                                 </m:ctrlPr>
                               </m:sSubPr>
                               <m:e>
                                 <m:r>
-                                  <a:rPr lang="en-US" sz="3600" b="0" i="1" smtClean="0">
+                                  <a:rPr lang="en-US" sz="3700" b="0" i="1" smtClean="0">
                                     <a:latin typeface="Cambria Math" panose="02040503050406030204" pitchFamily="18" charset="0"/>
                                     <a:ea typeface="Cambria Math" panose="02040503050406030204" pitchFamily="18" charset="0"/>
                                   </a:rPr>
@@ -6656,7 +6680,7 @@
                               </m:e>
                               <m:sub>
                                 <m:r>
-                                  <a:rPr lang="en-US" sz="3600" b="0" i="1" smtClean="0">
+                                  <a:rPr lang="en-US" sz="3700" b="0" i="1" smtClean="0">
                                     <a:latin typeface="Cambria Math" panose="02040503050406030204" pitchFamily="18" charset="0"/>
                                   </a:rPr>
                                   <m:t>𝑡</m:t>
@@ -6668,14 +6692,14 @@
                             <m:sSub>
                               <m:sSubPr>
                                 <m:ctrlPr>
-                                  <a:rPr lang="en-US" sz="3600" b="0" i="1" smtClean="0">
+                                  <a:rPr lang="en-US" sz="3700" b="0" i="1" smtClean="0">
                                     <a:latin typeface="Cambria Math" panose="02040503050406030204" pitchFamily="18" charset="0"/>
                                   </a:rPr>
                                 </m:ctrlPr>
                               </m:sSubPr>
                               <m:e>
                                 <m:r>
-                                  <a:rPr lang="en-US" sz="3600" b="0" i="1" smtClean="0">
+                                  <a:rPr lang="en-US" sz="3700" b="0" i="1" smtClean="0">
                                     <a:latin typeface="Cambria Math" panose="02040503050406030204" pitchFamily="18" charset="0"/>
                                     <a:ea typeface="Cambria Math" panose="02040503050406030204" pitchFamily="18" charset="0"/>
                                   </a:rPr>
@@ -6684,7 +6708,7 @@
                               </m:e>
                               <m:sub>
                                 <m:r>
-                                  <a:rPr lang="en-US" sz="3600" b="0" i="1" smtClean="0">
+                                  <a:rPr lang="en-US" sz="3700" b="0" i="1" smtClean="0">
                                     <a:latin typeface="Cambria Math" panose="02040503050406030204" pitchFamily="18" charset="0"/>
                                   </a:rPr>
                                   <m:t>𝑡</m:t>
@@ -6698,15 +6722,15 @@
                   </m:oMath>
                 </a14:m>
                 <a:r>
-                  <a:rPr lang="en-US" sz="3600" dirty="0" smtClean="0">
-                    <a:latin typeface="Cambria" panose="02040503050406030204" pitchFamily="18" charset="0"/>
+                  <a:rPr lang="en-US" sz="3700" dirty="0" smtClean="0">
+                    <a:latin typeface="Garamond" panose="02020404030301010803" pitchFamily="18" charset="0"/>
                   </a:rPr>
                   <a:t>. Our strong classifier is then: </a:t>
                 </a:r>
                 <a14:m>
                   <m:oMath xmlns:m="http://schemas.openxmlformats.org/officeDocument/2006/math">
                     <m:r>
-                      <a:rPr lang="en-US" sz="3600" b="0" i="1" smtClean="0">
+                      <a:rPr lang="en-US" sz="3700" b="0" i="1" smtClean="0">
                         <a:latin typeface="Cambria Math" panose="02040503050406030204" pitchFamily="18" charset="0"/>
                       </a:rPr>
                       <m:t>𝐶</m:t>
@@ -6714,14 +6738,14 @@
                     <m:d>
                       <m:dPr>
                         <m:ctrlPr>
-                          <a:rPr lang="en-US" sz="3600" b="0" i="1" smtClean="0">
+                          <a:rPr lang="en-US" sz="3700" b="0" i="1" smtClean="0">
                             <a:latin typeface="Cambria Math" panose="02040503050406030204" pitchFamily="18" charset="0"/>
                           </a:rPr>
                         </m:ctrlPr>
                       </m:dPr>
                       <m:e>
                         <m:r>
-                          <a:rPr lang="en-US" sz="3600" b="0" i="1" smtClean="0">
+                          <a:rPr lang="en-US" sz="3700" b="0" i="1" smtClean="0">
                             <a:latin typeface="Cambria Math" panose="02040503050406030204" pitchFamily="18" charset="0"/>
                           </a:rPr>
                           <m:t>𝑥</m:t>
@@ -6729,7 +6753,7 @@
                       </m:e>
                     </m:d>
                     <m:r>
-                      <a:rPr lang="en-US" sz="3600" b="0" i="1" smtClean="0">
+                      <a:rPr lang="en-US" sz="3700" b="0" i="1" smtClean="0">
                         <a:latin typeface="Cambria Math" panose="02040503050406030204" pitchFamily="18" charset="0"/>
                       </a:rPr>
                       <m:t>=1</m:t>
@@ -6737,8 +6761,8 @@
                   </m:oMath>
                 </a14:m>
                 <a:r>
-                  <a:rPr lang="en-US" sz="3600" dirty="0" smtClean="0">
-                    <a:latin typeface="Cambria" panose="02040503050406030204" pitchFamily="18" charset="0"/>
+                  <a:rPr lang="en-US" sz="3700" dirty="0" smtClean="0">
+                    <a:latin typeface="Garamond" panose="02020404030301010803" pitchFamily="18" charset="0"/>
                   </a:rPr>
                   <a:t> if </a:t>
                 </a:r>
@@ -6748,7 +6772,7 @@
                       <m:naryPr>
                         <m:chr m:val="∑"/>
                         <m:ctrlPr>
-                          <a:rPr lang="en-US" sz="3600" i="1" smtClean="0">
+                          <a:rPr lang="en-US" sz="3700" i="1" smtClean="0">
                             <a:latin typeface="Cambria Math" panose="02040503050406030204" pitchFamily="18" charset="0"/>
                           </a:rPr>
                         </m:ctrlPr>
@@ -6758,13 +6782,13 @@
                           <m:rPr>
                             <m:brk m:alnAt="23"/>
                           </m:rPr>
-                          <a:rPr lang="en-US" sz="3600" b="0" i="1" smtClean="0">
+                          <a:rPr lang="en-US" sz="3700" b="0" i="1" smtClean="0">
                             <a:latin typeface="Cambria Math" panose="02040503050406030204" pitchFamily="18" charset="0"/>
                           </a:rPr>
                           <m:t>𝑡</m:t>
                         </m:r>
                         <m:r>
-                          <a:rPr lang="en-US" sz="3600" b="0" i="1" smtClean="0">
+                          <a:rPr lang="en-US" sz="3700" b="0" i="1" smtClean="0">
                             <a:latin typeface="Cambria Math" panose="02040503050406030204" pitchFamily="18" charset="0"/>
                           </a:rPr>
                           <m:t>=1</m:t>
@@ -6772,7 +6796,7 @@
                       </m:sub>
                       <m:sup>
                         <m:r>
-                          <a:rPr lang="en-US" sz="3600" b="0" i="1" smtClean="0">
+                          <a:rPr lang="en-US" sz="3700" b="0" i="1" smtClean="0">
                             <a:latin typeface="Cambria Math" panose="02040503050406030204" pitchFamily="18" charset="0"/>
                           </a:rPr>
                           <m:t>𝑇</m:t>
@@ -6782,14 +6806,14 @@
                         <m:sSub>
                           <m:sSubPr>
                             <m:ctrlPr>
-                              <a:rPr lang="en-US" sz="3600" i="1" smtClean="0">
+                              <a:rPr lang="en-US" sz="3700" i="1" smtClean="0">
                                 <a:latin typeface="Cambria Math" panose="02040503050406030204" pitchFamily="18" charset="0"/>
                               </a:rPr>
                             </m:ctrlPr>
                           </m:sSubPr>
                           <m:e>
                             <m:r>
-                              <a:rPr lang="en-US" sz="3600" i="1" smtClean="0">
+                              <a:rPr lang="en-US" sz="3700" i="1" smtClean="0">
                                 <a:latin typeface="Cambria Math" panose="02040503050406030204" pitchFamily="18" charset="0"/>
                                 <a:ea typeface="Cambria Math" panose="02040503050406030204" pitchFamily="18" charset="0"/>
                               </a:rPr>
@@ -6798,7 +6822,7 @@
                           </m:e>
                           <m:sub>
                             <m:r>
-                              <a:rPr lang="en-US" sz="3600" b="0" i="1" smtClean="0">
+                              <a:rPr lang="en-US" sz="3700" b="0" i="1" smtClean="0">
                                 <a:latin typeface="Cambria Math" panose="02040503050406030204" pitchFamily="18" charset="0"/>
                               </a:rPr>
                               <m:t>𝑡</m:t>
@@ -6808,14 +6832,14 @@
                         <m:sSub>
                           <m:sSubPr>
                             <m:ctrlPr>
-                              <a:rPr lang="en-US" sz="3600" i="1" smtClean="0">
+                              <a:rPr lang="en-US" sz="3700" i="1" smtClean="0">
                                 <a:latin typeface="Cambria Math" panose="02040503050406030204" pitchFamily="18" charset="0"/>
                               </a:rPr>
                             </m:ctrlPr>
                           </m:sSubPr>
                           <m:e>
                             <m:r>
-                              <a:rPr lang="en-US" sz="3600" b="0" i="1" smtClean="0">
+                              <a:rPr lang="en-US" sz="3700" b="0" i="1" smtClean="0">
                                 <a:latin typeface="Cambria Math" panose="02040503050406030204" pitchFamily="18" charset="0"/>
                               </a:rPr>
                               <m:t>h</m:t>
@@ -6823,7 +6847,7 @@
                           </m:e>
                           <m:sub>
                             <m:r>
-                              <a:rPr lang="en-US" sz="3600" b="0" i="1" smtClean="0">
+                              <a:rPr lang="en-US" sz="3700" b="0" i="1" smtClean="0">
                                 <a:latin typeface="Cambria Math" panose="02040503050406030204" pitchFamily="18" charset="0"/>
                               </a:rPr>
                               <m:t>𝑡</m:t>
@@ -6831,19 +6855,19 @@
                           </m:sub>
                         </m:sSub>
                         <m:r>
-                          <a:rPr lang="en-US" sz="3600" b="0" i="1" smtClean="0">
+                          <a:rPr lang="en-US" sz="3700" b="0" i="1" smtClean="0">
                             <a:latin typeface="Cambria Math" panose="02040503050406030204" pitchFamily="18" charset="0"/>
                           </a:rPr>
                           <m:t>(</m:t>
                         </m:r>
                         <m:r>
-                          <a:rPr lang="en-US" sz="3600" b="0" i="1" smtClean="0">
+                          <a:rPr lang="en-US" sz="3700" b="0" i="1" smtClean="0">
                             <a:latin typeface="Cambria Math" panose="02040503050406030204" pitchFamily="18" charset="0"/>
                           </a:rPr>
                           <m:t>𝑥</m:t>
                         </m:r>
                         <m:r>
-                          <a:rPr lang="en-US" sz="3600" b="0" i="1" smtClean="0">
+                          <a:rPr lang="en-US" sz="3700" b="0" i="1" smtClean="0">
                             <a:latin typeface="Cambria Math" panose="02040503050406030204" pitchFamily="18" charset="0"/>
                           </a:rPr>
                           <m:t>)≥</m:t>
@@ -6851,7 +6875,7 @@
                         <m:f>
                           <m:fPr>
                             <m:ctrlPr>
-                              <a:rPr lang="en-US" sz="3600" b="0" i="1" smtClean="0">
+                              <a:rPr lang="en-US" sz="3700" b="0" i="1" smtClean="0">
                                 <a:latin typeface="Cambria Math" panose="02040503050406030204" pitchFamily="18" charset="0"/>
                                 <a:ea typeface="Cambria Math" panose="02040503050406030204" pitchFamily="18" charset="0"/>
                               </a:rPr>
@@ -6859,7 +6883,7 @@
                           </m:fPr>
                           <m:num>
                             <m:r>
-                              <a:rPr lang="en-US" sz="3600" b="0" i="1" smtClean="0">
+                              <a:rPr lang="en-US" sz="3700" b="0" i="1" smtClean="0">
                                 <a:latin typeface="Cambria Math" panose="02040503050406030204" pitchFamily="18" charset="0"/>
                                 <a:ea typeface="Cambria Math" panose="02040503050406030204" pitchFamily="18" charset="0"/>
                               </a:rPr>
@@ -6868,7 +6892,7 @@
                           </m:num>
                           <m:den>
                             <m:r>
-                              <a:rPr lang="en-US" sz="3600" b="0" i="1" smtClean="0">
+                              <a:rPr lang="en-US" sz="3700" b="0" i="1" smtClean="0">
                                 <a:latin typeface="Cambria Math" panose="02040503050406030204" pitchFamily="18" charset="0"/>
                                 <a:ea typeface="Cambria Math" panose="02040503050406030204" pitchFamily="18" charset="0"/>
                               </a:rPr>
@@ -6880,7 +6904,7 @@
                           <m:naryPr>
                             <m:chr m:val="∑"/>
                             <m:ctrlPr>
-                              <a:rPr lang="en-US" sz="3600" b="0" i="1" smtClean="0">
+                              <a:rPr lang="en-US" sz="3700" b="0" i="1" smtClean="0">
                                 <a:latin typeface="Cambria Math" panose="02040503050406030204" pitchFamily="18" charset="0"/>
                                 <a:ea typeface="Cambria Math" panose="02040503050406030204" pitchFamily="18" charset="0"/>
                               </a:rPr>
@@ -6891,14 +6915,14 @@
                               <m:rPr>
                                 <m:brk m:alnAt="23"/>
                               </m:rPr>
-                              <a:rPr lang="en-US" sz="3600" b="0" i="1" smtClean="0">
+                              <a:rPr lang="en-US" sz="3700" b="0" i="1" smtClean="0">
                                 <a:latin typeface="Cambria Math" panose="02040503050406030204" pitchFamily="18" charset="0"/>
                                 <a:ea typeface="Cambria Math" panose="02040503050406030204" pitchFamily="18" charset="0"/>
                               </a:rPr>
                               <m:t>𝑡</m:t>
                             </m:r>
                             <m:r>
-                              <a:rPr lang="en-US" sz="3600" b="0" i="1" smtClean="0">
+                              <a:rPr lang="en-US" sz="3700" b="0" i="1" smtClean="0">
                                 <a:latin typeface="Cambria Math" panose="02040503050406030204" pitchFamily="18" charset="0"/>
                                 <a:ea typeface="Cambria Math" panose="02040503050406030204" pitchFamily="18" charset="0"/>
                               </a:rPr>
@@ -6907,7 +6931,7 @@
                           </m:sub>
                           <m:sup>
                             <m:r>
-                              <a:rPr lang="en-US" sz="3600" b="0" i="1" smtClean="0">
+                              <a:rPr lang="en-US" sz="3700" b="0" i="1" smtClean="0">
                                 <a:latin typeface="Cambria Math" panose="02040503050406030204" pitchFamily="18" charset="0"/>
                                 <a:ea typeface="Cambria Math" panose="02040503050406030204" pitchFamily="18" charset="0"/>
                               </a:rPr>
@@ -6918,7 +6942,7 @@
                             <m:sSub>
                               <m:sSubPr>
                                 <m:ctrlPr>
-                                  <a:rPr lang="en-US" sz="3600" b="0" i="1" smtClean="0">
+                                  <a:rPr lang="en-US" sz="3700" b="0" i="1" smtClean="0">
                                     <a:latin typeface="Cambria Math" panose="02040503050406030204" pitchFamily="18" charset="0"/>
                                     <a:ea typeface="Cambria Math" panose="02040503050406030204" pitchFamily="18" charset="0"/>
                                   </a:rPr>
@@ -6926,7 +6950,7 @@
                               </m:sSubPr>
                               <m:e>
                                 <m:r>
-                                  <a:rPr lang="en-US" sz="3600" b="0" i="1" smtClean="0">
+                                  <a:rPr lang="en-US" sz="3700" b="0" i="1" smtClean="0">
                                     <a:latin typeface="Cambria Math" panose="02040503050406030204" pitchFamily="18" charset="0"/>
                                     <a:ea typeface="Cambria Math" panose="02040503050406030204" pitchFamily="18" charset="0"/>
                                   </a:rPr>
@@ -6935,7 +6959,7 @@
                               </m:e>
                               <m:sub>
                                 <m:r>
-                                  <a:rPr lang="en-US" sz="3600" b="0" i="1" smtClean="0">
+                                  <a:rPr lang="en-US" sz="3700" b="0" i="1" smtClean="0">
                                     <a:latin typeface="Cambria Math" panose="02040503050406030204" pitchFamily="18" charset="0"/>
                                     <a:ea typeface="Cambria Math" panose="02040503050406030204" pitchFamily="18" charset="0"/>
                                   </a:rPr>
@@ -6950,15 +6974,15 @@
                   </m:oMath>
                 </a14:m>
                 <a:r>
-                  <a:rPr lang="en-US" sz="3600" dirty="0" smtClean="0">
-                    <a:latin typeface="Cambria" panose="02040503050406030204" pitchFamily="18" charset="0"/>
+                  <a:rPr lang="en-US" sz="3700" dirty="0" smtClean="0">
+                    <a:latin typeface="Garamond" panose="02020404030301010803" pitchFamily="18" charset="0"/>
                   </a:rPr>
                   <a:t> and </a:t>
                 </a:r>
                 <a14:m>
                   <m:oMath xmlns:m="http://schemas.openxmlformats.org/officeDocument/2006/math">
                     <m:r>
-                      <a:rPr lang="en-US" sz="3600" b="0" i="1" smtClean="0">
+                      <a:rPr lang="en-US" sz="3700" b="0" i="1" smtClean="0">
                         <a:latin typeface="Cambria Math" panose="02040503050406030204" pitchFamily="18" charset="0"/>
                       </a:rPr>
                       <m:t>=0</m:t>
@@ -6966,13 +6990,13 @@
                   </m:oMath>
                 </a14:m>
                 <a:r>
-                  <a:rPr lang="en-US" sz="3600" dirty="0" smtClean="0">
-                    <a:latin typeface="Cambria" panose="02040503050406030204" pitchFamily="18" charset="0"/>
+                  <a:rPr lang="en-US" sz="3700" dirty="0" smtClean="0">
+                    <a:latin typeface="Garamond" panose="02020404030301010803" pitchFamily="18" charset="0"/>
                   </a:rPr>
                   <a:t> otherwise. [2]</a:t>
                 </a:r>
-                <a:endParaRPr lang="en-US" sz="3600" dirty="0">
-                  <a:latin typeface="Cambria" panose="02040503050406030204" pitchFamily="18" charset="0"/>
+                <a:endParaRPr lang="en-US" sz="3700" dirty="0">
+                  <a:latin typeface="Garamond" panose="02020404030301010803" pitchFamily="18" charset="0"/>
                 </a:endParaRPr>
               </a:p>
             </p:txBody>
@@ -6990,7 +7014,7 @@
             <p:spPr>
               <a:xfrm>
                 <a:off x="14567183" y="8482411"/>
-                <a:ext cx="12710811" cy="11177162"/>
+                <a:ext cx="12710811" cy="10915552"/>
               </a:xfrm>
               <a:prstGeom prst="rect">
                 <a:avLst/>
@@ -6998,7 +7022,7 @@
               <a:blipFill>
                 <a:blip r:embed="rId8"/>
                 <a:stretch>
-                  <a:fillRect l="-1487" t="-818" r="-1775"/>
+                  <a:fillRect l="-1535" t="-893" r="-2206" b="-1173"/>
                 </a:stretch>
               </a:blipFill>
             </p:spPr>
@@ -7052,17 +7076,7 @@
                 <a:latin typeface="+mj-lt"/>
                 <a:cs typeface="+mn-cs"/>
               </a:rPr>
-              <a:t>Cascaded Classifiers</a:t>
-            </a:r>
-            <a:r>
-              <a:rPr lang="en-US" sz="7200" b="1" dirty="0" smtClean="0">
-                <a:solidFill>
-                  <a:schemeClr val="bg1"/>
-                </a:solidFill>
-                <a:latin typeface="+mj-lt"/>
-                <a:cs typeface="+mn-cs"/>
-              </a:rPr>
-              <a:t> </a:t>
+              <a:t>Cascaded Classifiers </a:t>
             </a:r>
             <a:endParaRPr lang="en-US" sz="7200" b="1" dirty="0">
               <a:solidFill>
@@ -7083,7 +7097,7 @@
         <p:spPr>
           <a:xfrm>
             <a:off x="14567182" y="21027950"/>
-            <a:ext cx="12710811" cy="7294305"/>
+            <a:ext cx="12710811" cy="7494359"/>
           </a:xfrm>
           <a:prstGeom prst="rect">
             <a:avLst/>
@@ -7097,45 +7111,698 @@
           <a:lstStyle/>
           <a:p>
             <a:r>
-              <a:rPr lang="en-US" sz="3600" dirty="0" smtClean="0">
-                <a:latin typeface="Cambria" panose="02040503050406030204" pitchFamily="18" charset="0"/>
+              <a:rPr lang="en-US" sz="3700" dirty="0" smtClean="0">
+                <a:latin typeface="Garamond" panose="02020404030301010803" pitchFamily="18" charset="0"/>
               </a:rPr>
               <a:t>Unfortunately, evaluating a single strong classifier at every location on an image in search of a face is very inefficient, so we use a </a:t>
             </a:r>
             <a:r>
-              <a:rPr lang="en-US" sz="3600" b="1" dirty="0" smtClean="0">
-                <a:latin typeface="Cambria" panose="02040503050406030204" pitchFamily="18" charset="0"/>
+              <a:rPr lang="en-US" sz="3700" b="1" dirty="0" smtClean="0">
+                <a:latin typeface="Garamond" panose="02020404030301010803" pitchFamily="18" charset="0"/>
               </a:rPr>
               <a:t>cascaded classifier</a:t>
             </a:r>
             <a:r>
-              <a:rPr lang="en-US" sz="3600" dirty="0" smtClean="0">
-                <a:latin typeface="Cambria" panose="02040503050406030204" pitchFamily="18" charset="0"/>
+              <a:rPr lang="en-US" sz="3700" dirty="0" smtClean="0">
+                <a:latin typeface="Garamond" panose="02020404030301010803" pitchFamily="18" charset="0"/>
               </a:rPr>
               <a:t>. A cascaded classifier consists of many strong classifiers, called layers. The goal is for each layer to determine whether a sub-window is definitely not a face or maybe a face. [3] Each layer is trained to have a very high detection rate, but also a significant false positive rate.</a:t>
             </a:r>
           </a:p>
           <a:p>
             <a:r>
-              <a:rPr lang="en-US" sz="3600" dirty="0" smtClean="0">
-                <a:latin typeface="Cambria" panose="02040503050406030204" pitchFamily="18" charset="0"/>
+              <a:rPr lang="en-US" sz="3700" dirty="0" smtClean="0">
+                <a:latin typeface="Garamond" panose="02020404030301010803" pitchFamily="18" charset="0"/>
               </a:rPr>
               <a:t>	The early layers contain only a few weak classifiers, so they are quick to evaluate. If a layer determines that a sub-window is possibly a face, it continues to the next layer. If </a:t>
             </a:r>
             <a:r>
-              <a:rPr lang="en-US" sz="3600" dirty="0">
-                <a:latin typeface="Cambria" panose="02040503050406030204" pitchFamily="18" charset="0"/>
+              <a:rPr lang="en-US" sz="3700" dirty="0">
+                <a:latin typeface="Garamond" panose="02020404030301010803" pitchFamily="18" charset="0"/>
               </a:rPr>
               <a:t>a layer determines that a sub-window is </a:t>
             </a:r>
             <a:r>
-              <a:rPr lang="en-US" sz="3600" dirty="0" smtClean="0">
-                <a:latin typeface="Cambria" panose="02040503050406030204" pitchFamily="18" charset="0"/>
+              <a:rPr lang="en-US" sz="3700" dirty="0" smtClean="0">
+                <a:latin typeface="Garamond" panose="02020404030301010803" pitchFamily="18" charset="0"/>
               </a:rPr>
               <a:t>definitely not a face, then the detector immediately proceeds to the next sub-window. So the vast majority of sub-windows are quick to evaluate. </a:t>
             </a:r>
-            <a:endParaRPr lang="en-US" sz="3600" dirty="0">
-              <a:latin typeface="Cambria" panose="02040503050406030204" pitchFamily="18" charset="0"/>
+            <a:endParaRPr lang="en-US" sz="3700" dirty="0">
+              <a:latin typeface="Garamond" panose="02020404030301010803" pitchFamily="18" charset="0"/>
+            </a:endParaRPr>
+          </a:p>
+        </p:txBody>
+      </p:sp>
+      <p:sp>
+        <p:nvSpPr>
+          <p:cNvPr id="5" name="TextBox 4"/>
+          <p:cNvSpPr txBox="1"/>
+          <p:nvPr/>
+        </p:nvSpPr>
+        <p:spPr>
+          <a:xfrm>
+            <a:off x="28296970" y="8482411"/>
+            <a:ext cx="14188145" cy="2939266"/>
+          </a:xfrm>
+          <a:prstGeom prst="rect">
+            <a:avLst/>
+          </a:prstGeom>
+          <a:noFill/>
+        </p:spPr>
+        <p:txBody>
+          <a:bodyPr wrap="square" rtlCol="0">
+            <a:spAutoFit/>
+          </a:bodyPr>
+          <a:lstStyle/>
+          <a:p>
+            <a:r>
+              <a:rPr lang="en-US" sz="3700" dirty="0" smtClean="0">
+                <a:latin typeface="Garamond" panose="02020404030301010803" pitchFamily="18" charset="0"/>
+              </a:rPr>
+              <a:t>Here we present the results from a detector trained by </a:t>
+            </a:r>
+            <a:r>
+              <a:rPr lang="en-US" sz="3700" b="1" dirty="0" err="1" smtClean="0">
+                <a:latin typeface="Garamond" panose="02020404030301010803" pitchFamily="18" charset="0"/>
+              </a:rPr>
+              <a:t>Adaboost</a:t>
+            </a:r>
+            <a:r>
+              <a:rPr lang="en-US" sz="3700" dirty="0" smtClean="0">
+                <a:latin typeface="Garamond" panose="02020404030301010803" pitchFamily="18" charset="0"/>
+              </a:rPr>
+              <a:t>. It was trained on 575 images from databases [4], [5], and [6], with five training rounds. The subjects in every positive training example were directly facing the camera. The four test data sets contained  100 – 150 images each. All of the test images were not in the training set.</a:t>
+            </a:r>
+            <a:endParaRPr lang="en-US" sz="3700" dirty="0">
+              <a:latin typeface="Garamond" panose="02020404030301010803" pitchFamily="18" charset="0"/>
+            </a:endParaRPr>
+          </a:p>
+        </p:txBody>
+      </p:sp>
+      <p:graphicFrame>
+        <p:nvGraphicFramePr>
+          <p:cNvPr id="7" name="Table 6"/>
+          <p:cNvGraphicFramePr>
+            <a:graphicFrameLocks noGrp="1"/>
+          </p:cNvGraphicFramePr>
+          <p:nvPr>
+            <p:extLst>
+              <p:ext uri="{D42A27DB-BD31-4B8C-83A1-F6EECF244321}">
+                <p14:modId xmlns:p14="http://schemas.microsoft.com/office/powerpoint/2010/main" val="3463336462"/>
+              </p:ext>
+            </p:extLst>
+          </p:nvPr>
+        </p:nvGraphicFramePr>
+        <p:xfrm>
+          <a:off x="28588007" y="11891144"/>
+          <a:ext cx="13487400" cy="2286000"/>
+        </p:xfrm>
+        <a:graphic>
+          <a:graphicData uri="http://schemas.openxmlformats.org/drawingml/2006/table">
+            <a:tbl>
+              <a:tblPr firstRow="1" bandRow="1">
+                <a:tableStyleId>{5C22544A-7EE6-4342-B048-85BDC9FD1C3A}</a:tableStyleId>
+              </a:tblPr>
+              <a:tblGrid>
+                <a:gridCol w="3371850">
+                  <a:extLst>
+                    <a:ext uri="{9D8B030D-6E8A-4147-A177-3AD203B41FA5}">
+                      <a16:colId xmlns:a16="http://schemas.microsoft.com/office/drawing/2014/main" val="1597186966"/>
+                    </a:ext>
+                  </a:extLst>
+                </a:gridCol>
+                <a:gridCol w="3371850">
+                  <a:extLst>
+                    <a:ext uri="{9D8B030D-6E8A-4147-A177-3AD203B41FA5}">
+                      <a16:colId xmlns:a16="http://schemas.microsoft.com/office/drawing/2014/main" val="324691225"/>
+                    </a:ext>
+                  </a:extLst>
+                </a:gridCol>
+                <a:gridCol w="3371850">
+                  <a:extLst>
+                    <a:ext uri="{9D8B030D-6E8A-4147-A177-3AD203B41FA5}">
+                      <a16:colId xmlns:a16="http://schemas.microsoft.com/office/drawing/2014/main" val="2225046695"/>
+                    </a:ext>
+                  </a:extLst>
+                </a:gridCol>
+                <a:gridCol w="3371850">
+                  <a:extLst>
+                    <a:ext uri="{9D8B030D-6E8A-4147-A177-3AD203B41FA5}">
+                      <a16:colId xmlns:a16="http://schemas.microsoft.com/office/drawing/2014/main" val="1458599860"/>
+                    </a:ext>
+                  </a:extLst>
+                </a:gridCol>
+              </a:tblGrid>
+              <a:tr h="370840">
+                <a:tc>
+                  <a:txBody>
+                    <a:bodyPr/>
+                    <a:lstStyle/>
+                    <a:p>
+                      <a:r>
+                        <a:rPr lang="en-US" sz="2400" b="1" dirty="0" smtClean="0">
+                          <a:solidFill>
+                            <a:schemeClr val="accent4"/>
+                          </a:solidFill>
+                        </a:rPr>
+                        <a:t>Test Image Source</a:t>
+                      </a:r>
+                      <a:endParaRPr lang="en-US" sz="2400" b="1" dirty="0">
+                        <a:solidFill>
+                          <a:schemeClr val="accent4"/>
+                        </a:solidFill>
+                      </a:endParaRPr>
+                    </a:p>
+                  </a:txBody>
+                  <a:tcPr/>
+                </a:tc>
+                <a:tc>
+                  <a:txBody>
+                    <a:bodyPr/>
+                    <a:lstStyle/>
+                    <a:p>
+                      <a:r>
+                        <a:rPr lang="en-US" sz="2400" b="1" dirty="0" smtClean="0">
+                          <a:solidFill>
+                            <a:schemeClr val="accent4"/>
+                          </a:solidFill>
+                        </a:rPr>
+                        <a:t>Detection</a:t>
+                      </a:r>
+                      <a:r>
+                        <a:rPr lang="en-US" sz="2400" b="1" baseline="0" dirty="0" smtClean="0">
+                          <a:solidFill>
+                            <a:schemeClr val="accent4"/>
+                          </a:solidFill>
+                        </a:rPr>
+                        <a:t> Rate</a:t>
+                      </a:r>
+                      <a:endParaRPr lang="en-US" sz="2400" b="1" dirty="0">
+                        <a:solidFill>
+                          <a:schemeClr val="accent4"/>
+                        </a:solidFill>
+                      </a:endParaRPr>
+                    </a:p>
+                  </a:txBody>
+                  <a:tcPr/>
+                </a:tc>
+                <a:tc>
+                  <a:txBody>
+                    <a:bodyPr/>
+                    <a:lstStyle/>
+                    <a:p>
+                      <a:r>
+                        <a:rPr lang="en-US" sz="2400" dirty="0" smtClean="0">
+                          <a:solidFill>
+                            <a:schemeClr val="accent4"/>
+                          </a:solidFill>
+                        </a:rPr>
+                        <a:t>False</a:t>
+                      </a:r>
+                      <a:r>
+                        <a:rPr lang="en-US" sz="2400" baseline="0" dirty="0" smtClean="0">
+                          <a:solidFill>
+                            <a:schemeClr val="accent4"/>
+                          </a:solidFill>
+                        </a:rPr>
+                        <a:t> Positive Rate</a:t>
+                      </a:r>
+                      <a:endParaRPr lang="en-US" sz="2400" dirty="0">
+                        <a:solidFill>
+                          <a:schemeClr val="accent4"/>
+                        </a:solidFill>
+                      </a:endParaRPr>
+                    </a:p>
+                  </a:txBody>
+                  <a:tcPr/>
+                </a:tc>
+                <a:tc>
+                  <a:txBody>
+                    <a:bodyPr/>
+                    <a:lstStyle/>
+                    <a:p>
+                      <a:r>
+                        <a:rPr lang="en-US" sz="2400" dirty="0" smtClean="0">
+                          <a:solidFill>
+                            <a:schemeClr val="accent4"/>
+                          </a:solidFill>
+                        </a:rPr>
+                        <a:t>Total Accuracy</a:t>
+                      </a:r>
+                      <a:endParaRPr lang="en-US" sz="2400" dirty="0">
+                        <a:solidFill>
+                          <a:schemeClr val="accent4"/>
+                        </a:solidFill>
+                      </a:endParaRPr>
+                    </a:p>
+                  </a:txBody>
+                  <a:tcPr/>
+                </a:tc>
+                <a:extLst>
+                  <a:ext uri="{0D108BD9-81ED-4DB2-BD59-A6C34878D82A}">
+                    <a16:rowId xmlns:a16="http://schemas.microsoft.com/office/drawing/2014/main" val="2700827154"/>
+                  </a:ext>
+                </a:extLst>
+              </a:tr>
+              <a:tr h="370840">
+                <a:tc>
+                  <a:txBody>
+                    <a:bodyPr/>
+                    <a:lstStyle/>
+                    <a:p>
+                      <a:r>
+                        <a:rPr lang="en-US" sz="2400" dirty="0" err="1" smtClean="0">
+                          <a:solidFill>
+                            <a:schemeClr val="accent4"/>
+                          </a:solidFill>
+                        </a:rPr>
+                        <a:t>Origional</a:t>
+                      </a:r>
+                      <a:r>
+                        <a:rPr lang="en-US" sz="2400" dirty="0" smtClean="0">
+                          <a:solidFill>
+                            <a:schemeClr val="accent4"/>
+                          </a:solidFill>
+                        </a:rPr>
+                        <a:t> [4]</a:t>
+                      </a:r>
+                      <a:endParaRPr lang="en-US" sz="2400" dirty="0">
+                        <a:solidFill>
+                          <a:schemeClr val="accent4"/>
+                        </a:solidFill>
+                      </a:endParaRPr>
+                    </a:p>
+                  </a:txBody>
+                  <a:tcPr/>
+                </a:tc>
+                <a:tc>
+                  <a:txBody>
+                    <a:bodyPr/>
+                    <a:lstStyle/>
+                    <a:p>
+                      <a:r>
+                        <a:rPr lang="en-US" sz="2400" dirty="0" smtClean="0">
+                          <a:solidFill>
+                            <a:schemeClr val="accent4"/>
+                          </a:solidFill>
+                        </a:rPr>
+                        <a:t>100%</a:t>
+                      </a:r>
+                      <a:endParaRPr lang="en-US" sz="2400" dirty="0">
+                        <a:solidFill>
+                          <a:schemeClr val="accent4"/>
+                        </a:solidFill>
+                      </a:endParaRPr>
+                    </a:p>
+                  </a:txBody>
+                  <a:tcPr/>
+                </a:tc>
+                <a:tc>
+                  <a:txBody>
+                    <a:bodyPr/>
+                    <a:lstStyle/>
+                    <a:p>
+                      <a:r>
+                        <a:rPr lang="en-US" sz="2400" dirty="0" smtClean="0">
+                          <a:solidFill>
+                            <a:schemeClr val="accent4"/>
+                          </a:solidFill>
+                        </a:rPr>
+                        <a:t>16%</a:t>
+                      </a:r>
+                      <a:endParaRPr lang="en-US" sz="2400" dirty="0">
+                        <a:solidFill>
+                          <a:schemeClr val="accent4"/>
+                        </a:solidFill>
+                      </a:endParaRPr>
+                    </a:p>
+                  </a:txBody>
+                  <a:tcPr/>
+                </a:tc>
+                <a:tc>
+                  <a:txBody>
+                    <a:bodyPr/>
+                    <a:lstStyle/>
+                    <a:p>
+                      <a:r>
+                        <a:rPr lang="en-US" sz="2400" dirty="0" smtClean="0">
+                          <a:solidFill>
+                            <a:schemeClr val="accent4"/>
+                          </a:solidFill>
+                        </a:rPr>
+                        <a:t>92%</a:t>
+                      </a:r>
+                      <a:endParaRPr lang="en-US" sz="2400" dirty="0">
+                        <a:solidFill>
+                          <a:schemeClr val="accent4"/>
+                        </a:solidFill>
+                      </a:endParaRPr>
+                    </a:p>
+                  </a:txBody>
+                  <a:tcPr/>
+                </a:tc>
+                <a:extLst>
+                  <a:ext uri="{0D108BD9-81ED-4DB2-BD59-A6C34878D82A}">
+                    <a16:rowId xmlns:a16="http://schemas.microsoft.com/office/drawing/2014/main" val="2896280672"/>
+                  </a:ext>
+                </a:extLst>
+              </a:tr>
+              <a:tr h="370840">
+                <a:tc>
+                  <a:txBody>
+                    <a:bodyPr/>
+                    <a:lstStyle/>
+                    <a:p>
+                      <a:r>
+                        <a:rPr lang="en-US" sz="2400" dirty="0" smtClean="0">
+                          <a:solidFill>
+                            <a:schemeClr val="accent4"/>
+                          </a:solidFill>
+                        </a:rPr>
+                        <a:t>NIST</a:t>
+                      </a:r>
+                      <a:r>
+                        <a:rPr lang="en-US" sz="2400" baseline="0" dirty="0" smtClean="0">
+                          <a:solidFill>
+                            <a:schemeClr val="accent4"/>
+                          </a:solidFill>
+                        </a:rPr>
+                        <a:t> MID [5]</a:t>
+                      </a:r>
+                      <a:endParaRPr lang="en-US" sz="2400" dirty="0">
+                        <a:solidFill>
+                          <a:schemeClr val="accent4"/>
+                        </a:solidFill>
+                      </a:endParaRPr>
+                    </a:p>
+                  </a:txBody>
+                  <a:tcPr/>
+                </a:tc>
+                <a:tc>
+                  <a:txBody>
+                    <a:bodyPr/>
+                    <a:lstStyle/>
+                    <a:p>
+                      <a:r>
+                        <a:rPr lang="en-US" sz="2400" dirty="0" smtClean="0">
+                          <a:solidFill>
+                            <a:schemeClr val="accent4"/>
+                          </a:solidFill>
+                        </a:rPr>
+                        <a:t>78.7%</a:t>
+                      </a:r>
+                      <a:endParaRPr lang="en-US" sz="2400" dirty="0">
+                        <a:solidFill>
+                          <a:schemeClr val="accent4"/>
+                        </a:solidFill>
+                      </a:endParaRPr>
+                    </a:p>
+                  </a:txBody>
+                  <a:tcPr/>
+                </a:tc>
+                <a:tc>
+                  <a:txBody>
+                    <a:bodyPr/>
+                    <a:lstStyle/>
+                    <a:p>
+                      <a:r>
+                        <a:rPr lang="en-US" sz="2400" dirty="0" smtClean="0">
+                          <a:solidFill>
+                            <a:schemeClr val="accent4"/>
+                          </a:solidFill>
+                        </a:rPr>
+                        <a:t>16%</a:t>
+                      </a:r>
+                      <a:endParaRPr lang="en-US" sz="2400" dirty="0">
+                        <a:solidFill>
+                          <a:schemeClr val="accent4"/>
+                        </a:solidFill>
+                      </a:endParaRPr>
+                    </a:p>
+                  </a:txBody>
+                  <a:tcPr/>
+                </a:tc>
+                <a:tc>
+                  <a:txBody>
+                    <a:bodyPr/>
+                    <a:lstStyle/>
+                    <a:p>
+                      <a:r>
+                        <a:rPr lang="en-US" sz="2400" dirty="0" smtClean="0">
+                          <a:solidFill>
+                            <a:schemeClr val="accent4"/>
+                          </a:solidFill>
+                        </a:rPr>
+                        <a:t>81.3%</a:t>
+                      </a:r>
+                      <a:endParaRPr lang="en-US" sz="2400" dirty="0">
+                        <a:solidFill>
+                          <a:schemeClr val="accent4"/>
+                        </a:solidFill>
+                      </a:endParaRPr>
+                    </a:p>
+                  </a:txBody>
+                  <a:tcPr/>
+                </a:tc>
+                <a:extLst>
+                  <a:ext uri="{0D108BD9-81ED-4DB2-BD59-A6C34878D82A}">
+                    <a16:rowId xmlns:a16="http://schemas.microsoft.com/office/drawing/2014/main" val="4194709516"/>
+                  </a:ext>
+                </a:extLst>
+              </a:tr>
+              <a:tr h="370840">
+                <a:tc>
+                  <a:txBody>
+                    <a:bodyPr/>
+                    <a:lstStyle/>
+                    <a:p>
+                      <a:r>
+                        <a:rPr lang="en-US" sz="2400" dirty="0" smtClean="0">
+                          <a:solidFill>
+                            <a:schemeClr val="accent4"/>
+                          </a:solidFill>
+                        </a:rPr>
+                        <a:t>Yale</a:t>
+                      </a:r>
+                      <a:r>
+                        <a:rPr lang="en-US" sz="2400" baseline="0" dirty="0" smtClean="0">
+                          <a:solidFill>
+                            <a:schemeClr val="accent4"/>
+                          </a:solidFill>
+                        </a:rPr>
+                        <a:t> [6]</a:t>
+                      </a:r>
+                      <a:endParaRPr lang="en-US" sz="2400" dirty="0">
+                        <a:solidFill>
+                          <a:schemeClr val="accent4"/>
+                        </a:solidFill>
+                      </a:endParaRPr>
+                    </a:p>
+                  </a:txBody>
+                  <a:tcPr/>
+                </a:tc>
+                <a:tc>
+                  <a:txBody>
+                    <a:bodyPr/>
+                    <a:lstStyle/>
+                    <a:p>
+                      <a:r>
+                        <a:rPr lang="en-US" sz="2400" dirty="0" smtClean="0">
+                          <a:solidFill>
+                            <a:schemeClr val="accent4"/>
+                          </a:solidFill>
+                        </a:rPr>
+                        <a:t>100%</a:t>
+                      </a:r>
+                      <a:endParaRPr lang="en-US" sz="2400" dirty="0">
+                        <a:solidFill>
+                          <a:schemeClr val="accent4"/>
+                        </a:solidFill>
+                      </a:endParaRPr>
+                    </a:p>
+                  </a:txBody>
+                  <a:tcPr/>
+                </a:tc>
+                <a:tc>
+                  <a:txBody>
+                    <a:bodyPr/>
+                    <a:lstStyle/>
+                    <a:p>
+                      <a:r>
+                        <a:rPr lang="en-US" sz="2400" dirty="0" smtClean="0">
+                          <a:solidFill>
+                            <a:schemeClr val="accent4"/>
+                          </a:solidFill>
+                        </a:rPr>
+                        <a:t>24%</a:t>
+                      </a:r>
+                      <a:endParaRPr lang="en-US" sz="2400" dirty="0">
+                        <a:solidFill>
+                          <a:schemeClr val="accent4"/>
+                        </a:solidFill>
+                      </a:endParaRPr>
+                    </a:p>
+                  </a:txBody>
+                  <a:tcPr/>
+                </a:tc>
+                <a:tc>
+                  <a:txBody>
+                    <a:bodyPr/>
+                    <a:lstStyle/>
+                    <a:p>
+                      <a:r>
+                        <a:rPr lang="en-US" sz="2400" dirty="0" smtClean="0">
+                          <a:solidFill>
+                            <a:schemeClr val="accent4"/>
+                          </a:solidFill>
+                        </a:rPr>
+                        <a:t>88%</a:t>
+                      </a:r>
+                      <a:endParaRPr lang="en-US" sz="2400" dirty="0">
+                        <a:solidFill>
+                          <a:schemeClr val="accent4"/>
+                        </a:solidFill>
+                      </a:endParaRPr>
+                    </a:p>
+                  </a:txBody>
+                  <a:tcPr/>
+                </a:tc>
+                <a:extLst>
+                  <a:ext uri="{0D108BD9-81ED-4DB2-BD59-A6C34878D82A}">
+                    <a16:rowId xmlns:a16="http://schemas.microsoft.com/office/drawing/2014/main" val="1738505192"/>
+                  </a:ext>
+                </a:extLst>
+              </a:tr>
+              <a:tr h="370840">
+                <a:tc>
+                  <a:txBody>
+                    <a:bodyPr/>
+                    <a:lstStyle/>
+                    <a:p>
+                      <a:r>
+                        <a:rPr lang="en-US" sz="2400" dirty="0" smtClean="0">
+                          <a:solidFill>
+                            <a:schemeClr val="accent4"/>
+                          </a:solidFill>
+                        </a:rPr>
+                        <a:t>AT&amp;T [7]</a:t>
+                      </a:r>
+                      <a:endParaRPr lang="en-US" sz="2400" dirty="0">
+                        <a:solidFill>
+                          <a:schemeClr val="accent4"/>
+                        </a:solidFill>
+                      </a:endParaRPr>
+                    </a:p>
+                  </a:txBody>
+                  <a:tcPr/>
+                </a:tc>
+                <a:tc>
+                  <a:txBody>
+                    <a:bodyPr/>
+                    <a:lstStyle/>
+                    <a:p>
+                      <a:r>
+                        <a:rPr lang="en-US" sz="2400" dirty="0" smtClean="0">
+                          <a:solidFill>
+                            <a:schemeClr val="accent4"/>
+                          </a:solidFill>
+                        </a:rPr>
+                        <a:t>9%</a:t>
+                      </a:r>
+                      <a:endParaRPr lang="en-US" sz="2400" dirty="0">
+                        <a:solidFill>
+                          <a:schemeClr val="accent4"/>
+                        </a:solidFill>
+                      </a:endParaRPr>
+                    </a:p>
+                  </a:txBody>
+                  <a:tcPr/>
+                </a:tc>
+                <a:tc>
+                  <a:txBody>
+                    <a:bodyPr/>
+                    <a:lstStyle/>
+                    <a:p>
+                      <a:r>
+                        <a:rPr lang="en-US" sz="2400" dirty="0" smtClean="0">
+                          <a:solidFill>
+                            <a:schemeClr val="accent4"/>
+                          </a:solidFill>
+                        </a:rPr>
+                        <a:t>5.3%</a:t>
+                      </a:r>
+                      <a:endParaRPr lang="en-US" sz="2400" dirty="0">
+                        <a:solidFill>
+                          <a:schemeClr val="accent4"/>
+                        </a:solidFill>
+                      </a:endParaRPr>
+                    </a:p>
+                  </a:txBody>
+                  <a:tcPr/>
+                </a:tc>
+                <a:tc>
+                  <a:txBody>
+                    <a:bodyPr/>
+                    <a:lstStyle/>
+                    <a:p>
+                      <a:r>
+                        <a:rPr lang="en-US" sz="2400" dirty="0" smtClean="0">
+                          <a:solidFill>
+                            <a:schemeClr val="accent4"/>
+                          </a:solidFill>
+                        </a:rPr>
+                        <a:t>45.7%</a:t>
+                      </a:r>
+                      <a:endParaRPr lang="en-US" sz="2400" dirty="0">
+                        <a:solidFill>
+                          <a:schemeClr val="accent4"/>
+                        </a:solidFill>
+                      </a:endParaRPr>
+                    </a:p>
+                  </a:txBody>
+                  <a:tcPr/>
+                </a:tc>
+                <a:extLst>
+                  <a:ext uri="{0D108BD9-81ED-4DB2-BD59-A6C34878D82A}">
+                    <a16:rowId xmlns:a16="http://schemas.microsoft.com/office/drawing/2014/main" val="2560017228"/>
+                  </a:ext>
+                </a:extLst>
+              </a:tr>
+            </a:tbl>
+          </a:graphicData>
+        </a:graphic>
+      </p:graphicFrame>
+      <p:sp>
+        <p:nvSpPr>
+          <p:cNvPr id="8" name="TextBox 7"/>
+          <p:cNvSpPr txBox="1"/>
+          <p:nvPr/>
+        </p:nvSpPr>
+        <p:spPr>
+          <a:xfrm>
+            <a:off x="28277921" y="14646611"/>
+            <a:ext cx="13487400" cy="2369880"/>
+          </a:xfrm>
+          <a:prstGeom prst="rect">
+            <a:avLst/>
+          </a:prstGeom>
+          <a:noFill/>
+        </p:spPr>
+        <p:txBody>
+          <a:bodyPr wrap="square" rtlCol="0">
+            <a:spAutoFit/>
+          </a:bodyPr>
+          <a:lstStyle/>
+          <a:p>
+            <a:r>
+              <a:rPr lang="en-US" sz="3700" dirty="0" smtClean="0">
+                <a:latin typeface="Garamond" panose="02020404030301010803" pitchFamily="18" charset="0"/>
+              </a:rPr>
+              <a:t>Note the very low detection rate for the AT&amp;T test set. This is because many of the subjects in that dataset are not directly facing the camera, unlike the training set. One way to improve the accuracy of our detector is to use a training set that contains pictures of faces from more angles.</a:t>
+            </a:r>
+            <a:endParaRPr lang="en-US" sz="3700" dirty="0">
+              <a:latin typeface="Garamond" panose="02020404030301010803" pitchFamily="18" charset="0"/>
             </a:endParaRPr>
           </a:p>
         </p:txBody>
